--- a/DOCUMENT/가보자바_pt_final.pptx
+++ b/DOCUMENT/가보자바_pt_final.pptx
@@ -2,7 +2,7 @@
 <file path=ppt/presentation.xml><?xml version="1.0" encoding="utf-8"?>
 <p:presentation xmlns:a="http://schemas.openxmlformats.org/drawingml/2006/main" xmlns:r="http://schemas.openxmlformats.org/officeDocument/2006/relationships" xmlns:p="http://schemas.openxmlformats.org/presentationml/2006/main" xmlns:p14="http://schemas.microsoft.com/office/powerpoint/2010/main" saveSubsetFonts="1">
   <p:sldMasterIdLst>
-    <p:sldMasterId id="2147484382" r:id="rId13"/>
+    <p:sldMasterId id="2147484427" r:id="rId13"/>
   </p:sldMasterIdLst>
   <p:notesMasterIdLst>
     <p:notesMasterId r:id="rId17"/>
@@ -12,18 +12,23 @@
   </p:handoutMasterIdLst>
   <p:sldIdLst>
     <p:sldId id="256" r:id="rId19"/>
-    <p:sldId id="264" r:id="rId20"/>
-    <p:sldId id="265" r:id="rId22"/>
-    <p:sldId id="266" r:id="rId24"/>
-    <p:sldId id="268" r:id="rId26"/>
-    <p:sldId id="267" r:id="rId28"/>
-    <p:sldId id="269" r:id="rId30"/>
-    <p:sldId id="273" r:id="rId32"/>
-    <p:sldId id="276" r:id="rId34"/>
-    <p:sldId id="270" r:id="rId36"/>
-    <p:sldId id="271" r:id="rId38"/>
-    <p:sldId id="275" r:id="rId40"/>
-    <p:sldId id="272" r:id="rId42"/>
+    <p:sldId id="264" r:id="rId21"/>
+    <p:sldId id="265" r:id="rId23"/>
+    <p:sldId id="266" r:id="rId25"/>
+    <p:sldId id="268" r:id="rId27"/>
+    <p:sldId id="267" r:id="rId29"/>
+    <p:sldId id="269" r:id="rId31"/>
+    <p:sldId id="279" r:id="rId32"/>
+    <p:sldId id="278" r:id="rId33"/>
+    <p:sldId id="280" r:id="rId34"/>
+    <p:sldId id="273" r:id="rId35"/>
+    <p:sldId id="281" r:id="rId36"/>
+    <p:sldId id="276" r:id="rId37"/>
+    <p:sldId id="270" r:id="rId38"/>
+    <p:sldId id="271" r:id="rId40"/>
+    <p:sldId id="277" r:id="rId42"/>
+    <p:sldId id="275" r:id="rId43"/>
+    <p:sldId id="272" r:id="rId45"/>
   </p:sldIdLst>
   <p:sldSz cx="12192000" cy="6858000"/>
   <p:notesSz cx="6858000" cy="9144000"/>
@@ -584,251 +589,7 @@
 </p:notes>
 </file>
 
-<file path=ppt/notesSlides/notesSlide10.xml><?xml version="1.0" encoding="utf-8"?>
-<p:notes xmlns:a="http://schemas.openxmlformats.org/drawingml/2006/main" xmlns:r="http://schemas.openxmlformats.org/officeDocument/2006/relationships" xmlns:p="http://schemas.openxmlformats.org/presentationml/2006/main">
-  <p:cSld>
-    <p:spTree>
-      <p:nvGrpSpPr>
-        <p:cNvPr id="1" name=""/>
-        <p:cNvGrpSpPr/>
-        <p:nvPr/>
-      </p:nvGrpSpPr>
-      <p:grpSpPr>
-        <a:xfrm>
-          <a:off x="0" y="0"/>
-          <a:ext cx="0" cy="0"/>
-          <a:chOff x="0" y="0"/>
-          <a:chExt cx="0" cy="0"/>
-        </a:xfrm>
-      </p:grpSpPr>
-      <p:sp>
-        <p:nvSpPr>
-          <p:cNvPr id="2" name="온라인 이미지 개체 틀 1"/>
-          <p:cNvSpPr>
-            <a:spLocks noChangeAspect="1"/>
-          </p:cNvSpPr>
-          <p:nvPr>
-            <p:ph type="sldImg" idx="2"/>
-          </p:nvPr>
-        </p:nvSpPr>
-        <p:spPr>
-          <a:xfrm rot="0">
-            <a:off x="685800" y="1143000"/>
-            <a:ext cx="5487035" cy="3086735"/>
-          </a:xfrm>
-          <a:prstGeom prst="rect"/>
-          <a:noFill/>
-          <a:ln w="12700" cap="flat" cmpd="sng">
-            <a:solidFill>
-              <a:srgbClr val="000000">
-                <a:alpha val="100000"/>
-              </a:srgbClr>
-            </a:solidFill>
-            <a:prstDash val="solid"/>
-          </a:ln>
-        </p:spPr>
-        <p:txBody>
-          <a:bodyPr wrap="square" lIns="91440" tIns="45720" rIns="91440" bIns="45720" numCol="1" vert="horz" anchor="ctr">
-            <a:noAutofit/>
-          </a:bodyPr>
-          <a:lstStyle/>
-          <a:p>
-            <a:pPr marL="0" indent="0" defTabSz="508000">
-              <a:lnSpc>
-                <a:spcPct val="100000"/>
-              </a:lnSpc>
-              <a:spcBef>
-                <a:spcPts val="0"/>
-              </a:spcBef>
-              <a:spcAft>
-                <a:spcPts val="0"/>
-              </a:spcAft>
-              <a:buFontTx/>
-              <a:buNone/>
-            </a:pPr>
-            <a:endParaRPr lang="ko-KR" altLang="en-US"/>
-          </a:p>
-        </p:txBody>
-      </p:sp>
-      <p:sp>
-        <p:nvSpPr>
-          <p:cNvPr id="3" name="텍스트 개체 틀 2"/>
-          <p:cNvSpPr txBox="1">
-            <a:spLocks/>
-          </p:cNvSpPr>
-          <p:nvPr>
-            <p:ph type="body" idx="3"/>
-          </p:nvPr>
-        </p:nvSpPr>
-        <p:spPr>
-          <a:xfrm rot="0">
-            <a:off x="685800" y="4400550"/>
-            <a:ext cx="5487035" cy="3601085"/>
-          </a:xfrm>
-          <a:prstGeom prst="rect"/>
-        </p:spPr>
-        <p:txBody>
-          <a:bodyPr wrap="square" lIns="91440" tIns="45720" rIns="91440" bIns="45720" numCol="1" vert="horz" anchor="t">
-            <a:noAutofit/>
-          </a:bodyPr>
-          <a:lstStyle/>
-          <a:p>
-            <a:pPr marL="0" indent="0" defTabSz="508000">
-              <a:lnSpc>
-                <a:spcPct val="100000"/>
-              </a:lnSpc>
-              <a:spcBef>
-                <a:spcPts val="0"/>
-              </a:spcBef>
-              <a:spcAft>
-                <a:spcPts val="0"/>
-              </a:spcAft>
-              <a:buFontTx/>
-              <a:buNone/>
-            </a:pPr>
-            <a:endParaRPr lang="ko-KR" altLang="en-US"/>
-          </a:p>
-        </p:txBody>
-      </p:sp>
-    </p:spTree>
-  </p:cSld>
-  <p:clrMapOvr>
-    <a:masterClrMapping/>
-  </p:clrMapOvr>
-  <mc:AlternateContent xmlns:mc="http://schemas.openxmlformats.org/markup-compatibility/2006">
-    <mc:Choice xmlns:p14="http://schemas.microsoft.com/office/powerpoint/2010/main" Requires="p14">
-      <p:transition spd="slow" p14:dur="0"/>
-    </mc:Choice>
-    <mc:Fallback>
-      <p:transition spd="slow"/>
-    </mc:Fallback>
-  </mc:AlternateContent>
-</p:notes>
-</file>
-
 <file path=ppt/notesSlides/notesSlide11.xml><?xml version="1.0" encoding="utf-8"?>
-<p:notes xmlns:a="http://schemas.openxmlformats.org/drawingml/2006/main" xmlns:r="http://schemas.openxmlformats.org/officeDocument/2006/relationships" xmlns:p="http://schemas.openxmlformats.org/presentationml/2006/main">
-  <p:cSld>
-    <p:spTree>
-      <p:nvGrpSpPr>
-        <p:cNvPr id="1" name=""/>
-        <p:cNvGrpSpPr/>
-        <p:nvPr/>
-      </p:nvGrpSpPr>
-      <p:grpSpPr>
-        <a:xfrm>
-          <a:off x="0" y="0"/>
-          <a:ext cx="0" cy="0"/>
-          <a:chOff x="0" y="0"/>
-          <a:chExt cx="0" cy="0"/>
-        </a:xfrm>
-      </p:grpSpPr>
-      <p:sp>
-        <p:nvSpPr>
-          <p:cNvPr id="2" name="온라인 이미지 개체 틀 1"/>
-          <p:cNvSpPr>
-            <a:spLocks noChangeAspect="1"/>
-          </p:cNvSpPr>
-          <p:nvPr>
-            <p:ph type="sldImg" idx="2"/>
-          </p:nvPr>
-        </p:nvSpPr>
-        <p:spPr>
-          <a:xfrm rot="0">
-            <a:off x="685800" y="1143000"/>
-            <a:ext cx="5487035" cy="3086735"/>
-          </a:xfrm>
-          <a:prstGeom prst="rect"/>
-          <a:noFill/>
-          <a:ln w="12700" cap="flat" cmpd="sng">
-            <a:solidFill>
-              <a:srgbClr val="000000">
-                <a:alpha val="100000"/>
-              </a:srgbClr>
-            </a:solidFill>
-            <a:prstDash val="solid"/>
-          </a:ln>
-        </p:spPr>
-        <p:txBody>
-          <a:bodyPr wrap="square" lIns="91440" tIns="45720" rIns="91440" bIns="45720" numCol="1" vert="horz" anchor="ctr">
-            <a:noAutofit/>
-          </a:bodyPr>
-          <a:lstStyle/>
-          <a:p>
-            <a:pPr marL="0" indent="0" defTabSz="508000">
-              <a:lnSpc>
-                <a:spcPct val="100000"/>
-              </a:lnSpc>
-              <a:spcBef>
-                <a:spcPts val="0"/>
-              </a:spcBef>
-              <a:spcAft>
-                <a:spcPts val="0"/>
-              </a:spcAft>
-              <a:buFontTx/>
-              <a:buNone/>
-            </a:pPr>
-            <a:endParaRPr lang="ko-KR" altLang="en-US"/>
-          </a:p>
-        </p:txBody>
-      </p:sp>
-      <p:sp>
-        <p:nvSpPr>
-          <p:cNvPr id="3" name="텍스트 개체 틀 2"/>
-          <p:cNvSpPr txBox="1">
-            <a:spLocks/>
-          </p:cNvSpPr>
-          <p:nvPr>
-            <p:ph type="body" idx="3"/>
-          </p:nvPr>
-        </p:nvSpPr>
-        <p:spPr>
-          <a:xfrm rot="0">
-            <a:off x="685800" y="4400550"/>
-            <a:ext cx="5487035" cy="3601085"/>
-          </a:xfrm>
-          <a:prstGeom prst="rect"/>
-        </p:spPr>
-        <p:txBody>
-          <a:bodyPr wrap="square" lIns="91440" tIns="45720" rIns="91440" bIns="45720" numCol="1" vert="horz" anchor="t">
-            <a:noAutofit/>
-          </a:bodyPr>
-          <a:lstStyle/>
-          <a:p>
-            <a:pPr marL="0" indent="0" defTabSz="508000">
-              <a:lnSpc>
-                <a:spcPct val="100000"/>
-              </a:lnSpc>
-              <a:spcBef>
-                <a:spcPts val="0"/>
-              </a:spcBef>
-              <a:spcAft>
-                <a:spcPts val="0"/>
-              </a:spcAft>
-              <a:buFontTx/>
-              <a:buNone/>
-            </a:pPr>
-            <a:endParaRPr lang="ko-KR" altLang="en-US"/>
-          </a:p>
-        </p:txBody>
-      </p:sp>
-    </p:spTree>
-  </p:cSld>
-  <p:clrMapOvr>
-    <a:masterClrMapping/>
-  </p:clrMapOvr>
-  <mc:AlternateContent xmlns:mc="http://schemas.openxmlformats.org/markup-compatibility/2006">
-    <mc:Choice xmlns:p14="http://schemas.microsoft.com/office/powerpoint/2010/main" Requires="p14">
-      <p:transition spd="slow" p14:dur="0"/>
-    </mc:Choice>
-    <mc:Fallback>
-      <p:transition spd="slow"/>
-    </mc:Fallback>
-  </mc:AlternateContent>
-</p:notes>
-</file>
-
-<file path=ppt/notesSlides/notesSlide12.xml><?xml version="1.0" encoding="utf-8"?>
 <p:notes xmlns:a="http://schemas.openxmlformats.org/drawingml/2006/main" xmlns:r="http://schemas.openxmlformats.org/officeDocument/2006/relationships" xmlns:p="http://schemas.openxmlformats.org/presentationml/2006/main">
   <p:cSld>
     <p:spTree>
@@ -1072,6 +833,494 @@
 </p:notes>
 </file>
 
+<file path=ppt/notesSlides/notesSlide14.xml><?xml version="1.0" encoding="utf-8"?>
+<p:notes xmlns:a="http://schemas.openxmlformats.org/drawingml/2006/main" xmlns:r="http://schemas.openxmlformats.org/officeDocument/2006/relationships" xmlns:p="http://schemas.openxmlformats.org/presentationml/2006/main">
+  <p:cSld>
+    <p:spTree>
+      <p:nvGrpSpPr>
+        <p:cNvPr id="1" name=""/>
+        <p:cNvGrpSpPr/>
+        <p:nvPr/>
+      </p:nvGrpSpPr>
+      <p:grpSpPr>
+        <a:xfrm>
+          <a:off x="0" y="0"/>
+          <a:ext cx="0" cy="0"/>
+          <a:chOff x="0" y="0"/>
+          <a:chExt cx="0" cy="0"/>
+        </a:xfrm>
+      </p:grpSpPr>
+      <p:sp>
+        <p:nvSpPr>
+          <p:cNvPr id="2" name="온라인 이미지 개체 틀 1"/>
+          <p:cNvSpPr>
+            <a:spLocks noChangeAspect="1"/>
+          </p:cNvSpPr>
+          <p:nvPr>
+            <p:ph type="sldImg" idx="2"/>
+          </p:nvPr>
+        </p:nvSpPr>
+        <p:spPr>
+          <a:xfrm rot="0">
+            <a:off x="685800" y="1143000"/>
+            <a:ext cx="5487035" cy="3086735"/>
+          </a:xfrm>
+          <a:prstGeom prst="rect"/>
+          <a:noFill/>
+          <a:ln w="12700" cap="flat" cmpd="sng">
+            <a:solidFill>
+              <a:srgbClr val="000000">
+                <a:alpha val="100000"/>
+              </a:srgbClr>
+            </a:solidFill>
+            <a:prstDash val="solid"/>
+          </a:ln>
+        </p:spPr>
+        <p:txBody>
+          <a:bodyPr wrap="square" lIns="91440" tIns="45720" rIns="91440" bIns="45720" numCol="1" vert="horz" anchor="ctr">
+            <a:noAutofit/>
+          </a:bodyPr>
+          <a:lstStyle/>
+          <a:p>
+            <a:pPr marL="0" indent="0" defTabSz="508000">
+              <a:lnSpc>
+                <a:spcPct val="100000"/>
+              </a:lnSpc>
+              <a:spcBef>
+                <a:spcPts val="0"/>
+              </a:spcBef>
+              <a:spcAft>
+                <a:spcPts val="0"/>
+              </a:spcAft>
+              <a:buFontTx/>
+              <a:buNone/>
+            </a:pPr>
+            <a:endParaRPr lang="ko-KR" altLang="en-US"/>
+          </a:p>
+        </p:txBody>
+      </p:sp>
+      <p:sp>
+        <p:nvSpPr>
+          <p:cNvPr id="3" name="텍스트 개체 틀 2"/>
+          <p:cNvSpPr txBox="1">
+            <a:spLocks/>
+          </p:cNvSpPr>
+          <p:nvPr>
+            <p:ph type="body" idx="3"/>
+          </p:nvPr>
+        </p:nvSpPr>
+        <p:spPr>
+          <a:xfrm rot="0">
+            <a:off x="685800" y="4400550"/>
+            <a:ext cx="5487035" cy="3601085"/>
+          </a:xfrm>
+          <a:prstGeom prst="rect"/>
+        </p:spPr>
+        <p:txBody>
+          <a:bodyPr wrap="square" lIns="91440" tIns="45720" rIns="91440" bIns="45720" numCol="1" vert="horz" anchor="t">
+            <a:noAutofit/>
+          </a:bodyPr>
+          <a:lstStyle/>
+          <a:p>
+            <a:pPr marL="0" indent="0" defTabSz="508000">
+              <a:lnSpc>
+                <a:spcPct val="100000"/>
+              </a:lnSpc>
+              <a:spcBef>
+                <a:spcPts val="0"/>
+              </a:spcBef>
+              <a:spcAft>
+                <a:spcPts val="0"/>
+              </a:spcAft>
+              <a:buFontTx/>
+              <a:buNone/>
+            </a:pPr>
+            <a:endParaRPr lang="ko-KR" altLang="en-US"/>
+          </a:p>
+        </p:txBody>
+      </p:sp>
+    </p:spTree>
+  </p:cSld>
+  <p:clrMapOvr>
+    <a:masterClrMapping/>
+  </p:clrMapOvr>
+  <mc:AlternateContent xmlns:mc="http://schemas.openxmlformats.org/markup-compatibility/2006">
+    <mc:Choice xmlns:p14="http://schemas.microsoft.com/office/powerpoint/2010/main" Requires="p14">
+      <p:transition spd="slow" p14:dur="0"/>
+    </mc:Choice>
+    <mc:Fallback>
+      <p:transition spd="slow"/>
+    </mc:Fallback>
+  </mc:AlternateContent>
+</p:notes>
+</file>
+
+<file path=ppt/notesSlides/notesSlide15.xml><?xml version="1.0" encoding="utf-8"?>
+<p:notes xmlns:a="http://schemas.openxmlformats.org/drawingml/2006/main" xmlns:r="http://schemas.openxmlformats.org/officeDocument/2006/relationships" xmlns:p="http://schemas.openxmlformats.org/presentationml/2006/main">
+  <p:cSld>
+    <p:spTree>
+      <p:nvGrpSpPr>
+        <p:cNvPr id="1" name=""/>
+        <p:cNvGrpSpPr/>
+        <p:nvPr/>
+      </p:nvGrpSpPr>
+      <p:grpSpPr>
+        <a:xfrm>
+          <a:off x="0" y="0"/>
+          <a:ext cx="0" cy="0"/>
+          <a:chOff x="0" y="0"/>
+          <a:chExt cx="0" cy="0"/>
+        </a:xfrm>
+      </p:grpSpPr>
+      <p:sp>
+        <p:nvSpPr>
+          <p:cNvPr id="2" name="온라인 이미지 개체 틀 1"/>
+          <p:cNvSpPr>
+            <a:spLocks noChangeAspect="1"/>
+          </p:cNvSpPr>
+          <p:nvPr>
+            <p:ph type="sldImg" idx="2"/>
+          </p:nvPr>
+        </p:nvSpPr>
+        <p:spPr>
+          <a:xfrm rot="0">
+            <a:off x="685800" y="1143000"/>
+            <a:ext cx="5487035" cy="3086735"/>
+          </a:xfrm>
+          <a:prstGeom prst="rect"/>
+          <a:noFill/>
+          <a:ln w="12700" cap="flat" cmpd="sng">
+            <a:solidFill>
+              <a:srgbClr val="000000">
+                <a:alpha val="100000"/>
+              </a:srgbClr>
+            </a:solidFill>
+            <a:prstDash val="solid"/>
+          </a:ln>
+        </p:spPr>
+        <p:txBody>
+          <a:bodyPr wrap="square" lIns="91440" tIns="45720" rIns="91440" bIns="45720" numCol="1" vert="horz" anchor="ctr">
+            <a:noAutofit/>
+          </a:bodyPr>
+          <a:lstStyle/>
+          <a:p>
+            <a:pPr marL="0" indent="0" defTabSz="508000">
+              <a:lnSpc>
+                <a:spcPct val="100000"/>
+              </a:lnSpc>
+              <a:spcBef>
+                <a:spcPts val="0"/>
+              </a:spcBef>
+              <a:spcAft>
+                <a:spcPts val="0"/>
+              </a:spcAft>
+              <a:buFontTx/>
+              <a:buNone/>
+            </a:pPr>
+            <a:endParaRPr lang="ko-KR" altLang="en-US"/>
+          </a:p>
+        </p:txBody>
+      </p:sp>
+      <p:sp>
+        <p:nvSpPr>
+          <p:cNvPr id="3" name="텍스트 개체 틀 2"/>
+          <p:cNvSpPr txBox="1">
+            <a:spLocks/>
+          </p:cNvSpPr>
+          <p:nvPr>
+            <p:ph type="body" idx="3"/>
+          </p:nvPr>
+        </p:nvSpPr>
+        <p:spPr>
+          <a:xfrm rot="0">
+            <a:off x="685800" y="4400550"/>
+            <a:ext cx="5487035" cy="3601085"/>
+          </a:xfrm>
+          <a:prstGeom prst="rect"/>
+        </p:spPr>
+        <p:txBody>
+          <a:bodyPr wrap="square" lIns="91440" tIns="45720" rIns="91440" bIns="45720" numCol="1" vert="horz" anchor="t">
+            <a:noAutofit/>
+          </a:bodyPr>
+          <a:lstStyle/>
+          <a:p>
+            <a:pPr marL="0" indent="0" defTabSz="508000">
+              <a:lnSpc>
+                <a:spcPct val="100000"/>
+              </a:lnSpc>
+              <a:spcBef>
+                <a:spcPts val="0"/>
+              </a:spcBef>
+              <a:spcAft>
+                <a:spcPts val="0"/>
+              </a:spcAft>
+              <a:buFontTx/>
+              <a:buNone/>
+            </a:pPr>
+            <a:endParaRPr lang="ko-KR" altLang="en-US"/>
+          </a:p>
+        </p:txBody>
+      </p:sp>
+    </p:spTree>
+  </p:cSld>
+  <p:clrMapOvr>
+    <a:masterClrMapping/>
+  </p:clrMapOvr>
+  <mc:AlternateContent xmlns:mc="http://schemas.openxmlformats.org/markup-compatibility/2006">
+    <mc:Choice xmlns:p14="http://schemas.microsoft.com/office/powerpoint/2010/main" Requires="p14">
+      <p:transition spd="slow" p14:dur="0"/>
+    </mc:Choice>
+    <mc:Fallback>
+      <p:transition spd="slow"/>
+    </mc:Fallback>
+  </mc:AlternateContent>
+</p:notes>
+</file>
+
+<file path=ppt/notesSlides/notesSlide17.xml><?xml version="1.0" encoding="utf-8"?>
+<p:notes xmlns:a="http://schemas.openxmlformats.org/drawingml/2006/main" xmlns:r="http://schemas.openxmlformats.org/officeDocument/2006/relationships" xmlns:p="http://schemas.openxmlformats.org/presentationml/2006/main">
+  <p:cSld>
+    <p:spTree>
+      <p:nvGrpSpPr>
+        <p:cNvPr id="1" name=""/>
+        <p:cNvGrpSpPr/>
+        <p:nvPr/>
+      </p:nvGrpSpPr>
+      <p:grpSpPr>
+        <a:xfrm>
+          <a:off x="0" y="0"/>
+          <a:ext cx="0" cy="0"/>
+          <a:chOff x="0" y="0"/>
+          <a:chExt cx="0" cy="0"/>
+        </a:xfrm>
+      </p:grpSpPr>
+      <p:sp>
+        <p:nvSpPr>
+          <p:cNvPr id="2" name="온라인 이미지 개체 틀 1"/>
+          <p:cNvSpPr>
+            <a:spLocks noChangeAspect="1"/>
+          </p:cNvSpPr>
+          <p:nvPr>
+            <p:ph type="sldImg" idx="2"/>
+          </p:nvPr>
+        </p:nvSpPr>
+        <p:spPr>
+          <a:xfrm rot="0">
+            <a:off x="685800" y="1143000"/>
+            <a:ext cx="5487035" cy="3086735"/>
+          </a:xfrm>
+          <a:prstGeom prst="rect"/>
+          <a:noFill/>
+          <a:ln w="12700" cap="flat" cmpd="sng">
+            <a:solidFill>
+              <a:srgbClr val="000000">
+                <a:alpha val="100000"/>
+              </a:srgbClr>
+            </a:solidFill>
+            <a:prstDash val="solid"/>
+          </a:ln>
+        </p:spPr>
+        <p:txBody>
+          <a:bodyPr wrap="square" lIns="91440" tIns="45720" rIns="91440" bIns="45720" numCol="1" vert="horz" anchor="ctr">
+            <a:noAutofit/>
+          </a:bodyPr>
+          <a:lstStyle/>
+          <a:p>
+            <a:pPr marL="0" indent="0" defTabSz="508000">
+              <a:lnSpc>
+                <a:spcPct val="100000"/>
+              </a:lnSpc>
+              <a:spcBef>
+                <a:spcPts val="0"/>
+              </a:spcBef>
+              <a:spcAft>
+                <a:spcPts val="0"/>
+              </a:spcAft>
+              <a:buFontTx/>
+              <a:buNone/>
+            </a:pPr>
+            <a:endParaRPr lang="ko-KR" altLang="en-US"/>
+          </a:p>
+        </p:txBody>
+      </p:sp>
+      <p:sp>
+        <p:nvSpPr>
+          <p:cNvPr id="3" name="텍스트 개체 틀 2"/>
+          <p:cNvSpPr txBox="1">
+            <a:spLocks/>
+          </p:cNvSpPr>
+          <p:nvPr>
+            <p:ph type="body" idx="3"/>
+          </p:nvPr>
+        </p:nvSpPr>
+        <p:spPr>
+          <a:xfrm rot="0">
+            <a:off x="685800" y="4400550"/>
+            <a:ext cx="5487035" cy="3601085"/>
+          </a:xfrm>
+          <a:prstGeom prst="rect"/>
+        </p:spPr>
+        <p:txBody>
+          <a:bodyPr wrap="square" lIns="91440" tIns="45720" rIns="91440" bIns="45720" numCol="1" vert="horz" anchor="t">
+            <a:noAutofit/>
+          </a:bodyPr>
+          <a:lstStyle/>
+          <a:p>
+            <a:pPr marL="0" indent="0" defTabSz="508000">
+              <a:lnSpc>
+                <a:spcPct val="100000"/>
+              </a:lnSpc>
+              <a:spcBef>
+                <a:spcPts val="0"/>
+              </a:spcBef>
+              <a:spcAft>
+                <a:spcPts val="0"/>
+              </a:spcAft>
+              <a:buFontTx/>
+              <a:buNone/>
+            </a:pPr>
+            <a:endParaRPr lang="ko-KR" altLang="en-US"/>
+          </a:p>
+        </p:txBody>
+      </p:sp>
+    </p:spTree>
+  </p:cSld>
+  <p:clrMapOvr>
+    <a:masterClrMapping/>
+  </p:clrMapOvr>
+  <mc:AlternateContent xmlns:mc="http://schemas.openxmlformats.org/markup-compatibility/2006">
+    <mc:Choice xmlns:p14="http://schemas.microsoft.com/office/powerpoint/2010/main" Requires="p14">
+      <p:transition spd="slow" p14:dur="0"/>
+    </mc:Choice>
+    <mc:Fallback>
+      <p:transition spd="slow"/>
+    </mc:Fallback>
+  </mc:AlternateContent>
+</p:notes>
+</file>
+
+<file path=ppt/notesSlides/notesSlide18.xml><?xml version="1.0" encoding="utf-8"?>
+<p:notes xmlns:a="http://schemas.openxmlformats.org/drawingml/2006/main" xmlns:r="http://schemas.openxmlformats.org/officeDocument/2006/relationships" xmlns:p="http://schemas.openxmlformats.org/presentationml/2006/main">
+  <p:cSld>
+    <p:spTree>
+      <p:nvGrpSpPr>
+        <p:cNvPr id="1" name=""/>
+        <p:cNvGrpSpPr/>
+        <p:nvPr/>
+      </p:nvGrpSpPr>
+      <p:grpSpPr>
+        <a:xfrm>
+          <a:off x="0" y="0"/>
+          <a:ext cx="0" cy="0"/>
+          <a:chOff x="0" y="0"/>
+          <a:chExt cx="0" cy="0"/>
+        </a:xfrm>
+      </p:grpSpPr>
+      <p:sp>
+        <p:nvSpPr>
+          <p:cNvPr id="2" name="온라인 이미지 개체 틀 1"/>
+          <p:cNvSpPr>
+            <a:spLocks noChangeAspect="1"/>
+          </p:cNvSpPr>
+          <p:nvPr>
+            <p:ph type="sldImg" idx="2"/>
+          </p:nvPr>
+        </p:nvSpPr>
+        <p:spPr>
+          <a:xfrm rot="0">
+            <a:off x="685800" y="1143000"/>
+            <a:ext cx="5487035" cy="3086735"/>
+          </a:xfrm>
+          <a:prstGeom prst="rect"/>
+          <a:noFill/>
+          <a:ln w="12700" cap="flat" cmpd="sng">
+            <a:solidFill>
+              <a:srgbClr val="000000">
+                <a:alpha val="100000"/>
+              </a:srgbClr>
+            </a:solidFill>
+            <a:prstDash val="solid"/>
+          </a:ln>
+        </p:spPr>
+        <p:txBody>
+          <a:bodyPr wrap="square" lIns="91440" tIns="45720" rIns="91440" bIns="45720" numCol="1" vert="horz" anchor="ctr">
+            <a:noAutofit/>
+          </a:bodyPr>
+          <a:lstStyle/>
+          <a:p>
+            <a:pPr marL="0" indent="0" defTabSz="508000">
+              <a:lnSpc>
+                <a:spcPct val="100000"/>
+              </a:lnSpc>
+              <a:spcBef>
+                <a:spcPts val="0"/>
+              </a:spcBef>
+              <a:spcAft>
+                <a:spcPts val="0"/>
+              </a:spcAft>
+              <a:buFontTx/>
+              <a:buNone/>
+            </a:pPr>
+            <a:endParaRPr lang="ko-KR" altLang="en-US"/>
+          </a:p>
+        </p:txBody>
+      </p:sp>
+      <p:sp>
+        <p:nvSpPr>
+          <p:cNvPr id="3" name="텍스트 개체 틀 2"/>
+          <p:cNvSpPr txBox="1">
+            <a:spLocks/>
+          </p:cNvSpPr>
+          <p:nvPr>
+            <p:ph type="body" idx="3"/>
+          </p:nvPr>
+        </p:nvSpPr>
+        <p:spPr>
+          <a:xfrm rot="0">
+            <a:off x="685800" y="4400550"/>
+            <a:ext cx="5487035" cy="3601085"/>
+          </a:xfrm>
+          <a:prstGeom prst="rect"/>
+        </p:spPr>
+        <p:txBody>
+          <a:bodyPr wrap="square" lIns="91440" tIns="45720" rIns="91440" bIns="45720" numCol="1" vert="horz" anchor="t">
+            <a:noAutofit/>
+          </a:bodyPr>
+          <a:lstStyle/>
+          <a:p>
+            <a:pPr marL="0" indent="0" defTabSz="508000">
+              <a:lnSpc>
+                <a:spcPct val="100000"/>
+              </a:lnSpc>
+              <a:spcBef>
+                <a:spcPts val="0"/>
+              </a:spcBef>
+              <a:spcAft>
+                <a:spcPts val="0"/>
+              </a:spcAft>
+              <a:buFontTx/>
+              <a:buNone/>
+            </a:pPr>
+            <a:endParaRPr lang="ko-KR" altLang="en-US"/>
+          </a:p>
+        </p:txBody>
+      </p:sp>
+    </p:spTree>
+  </p:cSld>
+  <p:clrMapOvr>
+    <a:masterClrMapping/>
+  </p:clrMapOvr>
+  <mc:AlternateContent xmlns:mc="http://schemas.openxmlformats.org/markup-compatibility/2006">
+    <mc:Choice xmlns:p14="http://schemas.microsoft.com/office/powerpoint/2010/main" Requires="p14">
+      <p:transition spd="slow" p14:dur="0"/>
+    </mc:Choice>
+    <mc:Fallback>
+      <p:transition spd="slow"/>
+    </mc:Fallback>
+  </mc:AlternateContent>
+</p:notes>
+</file>
+
 <file path=ppt/notesSlides/notesSlide2.xml><?xml version="1.0" encoding="utf-8"?>
 <p:notes xmlns:a="http://schemas.openxmlformats.org/drawingml/2006/main" xmlns:r="http://schemas.openxmlformats.org/officeDocument/2006/relationships" xmlns:p="http://schemas.openxmlformats.org/presentationml/2006/main">
   <p:cSld>
@@ -1683,250 +1932,6 @@
 </file>
 
 <file path=ppt/notesSlides/notesSlide7.xml><?xml version="1.0" encoding="utf-8"?>
-<p:notes xmlns:a="http://schemas.openxmlformats.org/drawingml/2006/main" xmlns:r="http://schemas.openxmlformats.org/officeDocument/2006/relationships" xmlns:p="http://schemas.openxmlformats.org/presentationml/2006/main">
-  <p:cSld>
-    <p:spTree>
-      <p:nvGrpSpPr>
-        <p:cNvPr id="1" name=""/>
-        <p:cNvGrpSpPr/>
-        <p:nvPr/>
-      </p:nvGrpSpPr>
-      <p:grpSpPr>
-        <a:xfrm>
-          <a:off x="0" y="0"/>
-          <a:ext cx="0" cy="0"/>
-          <a:chOff x="0" y="0"/>
-          <a:chExt cx="0" cy="0"/>
-        </a:xfrm>
-      </p:grpSpPr>
-      <p:sp>
-        <p:nvSpPr>
-          <p:cNvPr id="2" name="온라인 이미지 개체 틀 1"/>
-          <p:cNvSpPr>
-            <a:spLocks noChangeAspect="1"/>
-          </p:cNvSpPr>
-          <p:nvPr>
-            <p:ph type="sldImg" idx="2"/>
-          </p:nvPr>
-        </p:nvSpPr>
-        <p:spPr>
-          <a:xfrm rot="0">
-            <a:off x="685800" y="1143000"/>
-            <a:ext cx="5487035" cy="3086735"/>
-          </a:xfrm>
-          <a:prstGeom prst="rect"/>
-          <a:noFill/>
-          <a:ln w="12700" cap="flat" cmpd="sng">
-            <a:solidFill>
-              <a:srgbClr val="000000">
-                <a:alpha val="100000"/>
-              </a:srgbClr>
-            </a:solidFill>
-            <a:prstDash val="solid"/>
-          </a:ln>
-        </p:spPr>
-        <p:txBody>
-          <a:bodyPr wrap="square" lIns="91440" tIns="45720" rIns="91440" bIns="45720" numCol="1" vert="horz" anchor="ctr">
-            <a:noAutofit/>
-          </a:bodyPr>
-          <a:lstStyle/>
-          <a:p>
-            <a:pPr marL="0" indent="0" defTabSz="508000">
-              <a:lnSpc>
-                <a:spcPct val="100000"/>
-              </a:lnSpc>
-              <a:spcBef>
-                <a:spcPts val="0"/>
-              </a:spcBef>
-              <a:spcAft>
-                <a:spcPts val="0"/>
-              </a:spcAft>
-              <a:buFontTx/>
-              <a:buNone/>
-            </a:pPr>
-            <a:endParaRPr lang="ko-KR" altLang="en-US"/>
-          </a:p>
-        </p:txBody>
-      </p:sp>
-      <p:sp>
-        <p:nvSpPr>
-          <p:cNvPr id="3" name="텍스트 개체 틀 2"/>
-          <p:cNvSpPr txBox="1">
-            <a:spLocks/>
-          </p:cNvSpPr>
-          <p:nvPr>
-            <p:ph type="body" idx="3"/>
-          </p:nvPr>
-        </p:nvSpPr>
-        <p:spPr>
-          <a:xfrm rot="0">
-            <a:off x="685800" y="4400550"/>
-            <a:ext cx="5487035" cy="3601085"/>
-          </a:xfrm>
-          <a:prstGeom prst="rect"/>
-        </p:spPr>
-        <p:txBody>
-          <a:bodyPr wrap="square" lIns="91440" tIns="45720" rIns="91440" bIns="45720" numCol="1" vert="horz" anchor="t">
-            <a:noAutofit/>
-          </a:bodyPr>
-          <a:lstStyle/>
-          <a:p>
-            <a:pPr marL="0" indent="0" defTabSz="508000">
-              <a:lnSpc>
-                <a:spcPct val="100000"/>
-              </a:lnSpc>
-              <a:spcBef>
-                <a:spcPts val="0"/>
-              </a:spcBef>
-              <a:spcAft>
-                <a:spcPts val="0"/>
-              </a:spcAft>
-              <a:buFontTx/>
-              <a:buNone/>
-            </a:pPr>
-            <a:endParaRPr lang="ko-KR" altLang="en-US"/>
-          </a:p>
-        </p:txBody>
-      </p:sp>
-    </p:spTree>
-  </p:cSld>
-  <p:clrMapOvr>
-    <a:masterClrMapping/>
-  </p:clrMapOvr>
-  <mc:AlternateContent xmlns:mc="http://schemas.openxmlformats.org/markup-compatibility/2006">
-    <mc:Choice xmlns:p14="http://schemas.microsoft.com/office/powerpoint/2010/main" Requires="p14">
-      <p:transition spd="slow" p14:dur="0"/>
-    </mc:Choice>
-    <mc:Fallback>
-      <p:transition spd="slow"/>
-    </mc:Fallback>
-  </mc:AlternateContent>
-</p:notes>
-</file>
-
-<file path=ppt/notesSlides/notesSlide8.xml><?xml version="1.0" encoding="utf-8"?>
-<p:notes xmlns:a="http://schemas.openxmlformats.org/drawingml/2006/main" xmlns:r="http://schemas.openxmlformats.org/officeDocument/2006/relationships" xmlns:p="http://schemas.openxmlformats.org/presentationml/2006/main">
-  <p:cSld>
-    <p:spTree>
-      <p:nvGrpSpPr>
-        <p:cNvPr id="1" name=""/>
-        <p:cNvGrpSpPr/>
-        <p:nvPr/>
-      </p:nvGrpSpPr>
-      <p:grpSpPr>
-        <a:xfrm>
-          <a:off x="0" y="0"/>
-          <a:ext cx="0" cy="0"/>
-          <a:chOff x="0" y="0"/>
-          <a:chExt cx="0" cy="0"/>
-        </a:xfrm>
-      </p:grpSpPr>
-      <p:sp>
-        <p:nvSpPr>
-          <p:cNvPr id="2" name="온라인 이미지 개체 틀 1"/>
-          <p:cNvSpPr>
-            <a:spLocks noChangeAspect="1"/>
-          </p:cNvSpPr>
-          <p:nvPr>
-            <p:ph type="sldImg" idx="2"/>
-          </p:nvPr>
-        </p:nvSpPr>
-        <p:spPr>
-          <a:xfrm rot="0">
-            <a:off x="685800" y="1143000"/>
-            <a:ext cx="5487035" cy="3086735"/>
-          </a:xfrm>
-          <a:prstGeom prst="rect"/>
-          <a:noFill/>
-          <a:ln w="12700" cap="flat" cmpd="sng">
-            <a:solidFill>
-              <a:srgbClr val="000000">
-                <a:alpha val="100000"/>
-              </a:srgbClr>
-            </a:solidFill>
-            <a:prstDash val="solid"/>
-          </a:ln>
-        </p:spPr>
-        <p:txBody>
-          <a:bodyPr wrap="square" lIns="91440" tIns="45720" rIns="91440" bIns="45720" numCol="1" vert="horz" anchor="ctr">
-            <a:noAutofit/>
-          </a:bodyPr>
-          <a:lstStyle/>
-          <a:p>
-            <a:pPr marL="0" indent="0" defTabSz="508000">
-              <a:lnSpc>
-                <a:spcPct val="100000"/>
-              </a:lnSpc>
-              <a:spcBef>
-                <a:spcPts val="0"/>
-              </a:spcBef>
-              <a:spcAft>
-                <a:spcPts val="0"/>
-              </a:spcAft>
-              <a:buFontTx/>
-              <a:buNone/>
-            </a:pPr>
-            <a:endParaRPr lang="ko-KR" altLang="en-US"/>
-          </a:p>
-        </p:txBody>
-      </p:sp>
-      <p:sp>
-        <p:nvSpPr>
-          <p:cNvPr id="3" name="텍스트 개체 틀 2"/>
-          <p:cNvSpPr txBox="1">
-            <a:spLocks/>
-          </p:cNvSpPr>
-          <p:nvPr>
-            <p:ph type="body" idx="3"/>
-          </p:nvPr>
-        </p:nvSpPr>
-        <p:spPr>
-          <a:xfrm rot="0">
-            <a:off x="685800" y="4400550"/>
-            <a:ext cx="5487035" cy="3601085"/>
-          </a:xfrm>
-          <a:prstGeom prst="rect"/>
-        </p:spPr>
-        <p:txBody>
-          <a:bodyPr wrap="square" lIns="91440" tIns="45720" rIns="91440" bIns="45720" numCol="1" vert="horz" anchor="t">
-            <a:noAutofit/>
-          </a:bodyPr>
-          <a:lstStyle/>
-          <a:p>
-            <a:pPr marL="0" indent="0" defTabSz="508000">
-              <a:lnSpc>
-                <a:spcPct val="100000"/>
-              </a:lnSpc>
-              <a:spcBef>
-                <a:spcPts val="0"/>
-              </a:spcBef>
-              <a:spcAft>
-                <a:spcPts val="0"/>
-              </a:spcAft>
-              <a:buFontTx/>
-              <a:buNone/>
-            </a:pPr>
-            <a:endParaRPr lang="ko-KR" altLang="en-US"/>
-          </a:p>
-        </p:txBody>
-      </p:sp>
-    </p:spTree>
-  </p:cSld>
-  <p:clrMapOvr>
-    <a:masterClrMapping/>
-  </p:clrMapOvr>
-  <mc:AlternateContent xmlns:mc="http://schemas.openxmlformats.org/markup-compatibility/2006">
-    <mc:Choice xmlns:p14="http://schemas.microsoft.com/office/powerpoint/2010/main" Requires="p14">
-      <p:transition spd="slow" p14:dur="0"/>
-    </mc:Choice>
-    <mc:Fallback>
-      <p:transition spd="slow"/>
-    </mc:Fallback>
-  </mc:AlternateContent>
-</p:notes>
-</file>
-
-<file path=ppt/notesSlides/notesSlide9.xml><?xml version="1.0" encoding="utf-8"?>
 <p:notes xmlns:a="http://schemas.openxmlformats.org/drawingml/2006/main" xmlns:r="http://schemas.openxmlformats.org/officeDocument/2006/relationships" xmlns:p="http://schemas.openxmlformats.org/presentationml/2006/main">
   <p:cSld>
     <p:spTree>
@@ -5114,17 +5119,17 @@
   </p:cSld>
   <p:clrMap bg1="lt1" tx1="dk1" bg2="lt2" tx2="dk2" accent1="accent1" accent2="accent2" accent3="accent3" accent4="accent4" accent5="accent5" accent6="accent6" hlink="hlink" folHlink="folHlink"/>
   <p:sldLayoutIdLst>
-    <p:sldLayoutId id="2147484371" r:id="rId1"/>
-    <p:sldLayoutId id="2147484372" r:id="rId2"/>
-    <p:sldLayoutId id="2147484373" r:id="rId3"/>
-    <p:sldLayoutId id="2147484374" r:id="rId4"/>
-    <p:sldLayoutId id="2147484375" r:id="rId5"/>
-    <p:sldLayoutId id="2147484376" r:id="rId6"/>
-    <p:sldLayoutId id="2147484377" r:id="rId7"/>
-    <p:sldLayoutId id="2147484378" r:id="rId8"/>
-    <p:sldLayoutId id="2147484379" r:id="rId9"/>
-    <p:sldLayoutId id="2147484380" r:id="rId10"/>
-    <p:sldLayoutId id="2147484381" r:id="rId11"/>
+    <p:sldLayoutId id="2147484416" r:id="rId1"/>
+    <p:sldLayoutId id="2147484417" r:id="rId2"/>
+    <p:sldLayoutId id="2147484418" r:id="rId3"/>
+    <p:sldLayoutId id="2147484419" r:id="rId4"/>
+    <p:sldLayoutId id="2147484420" r:id="rId5"/>
+    <p:sldLayoutId id="2147484421" r:id="rId6"/>
+    <p:sldLayoutId id="2147484422" r:id="rId7"/>
+    <p:sldLayoutId id="2147484423" r:id="rId8"/>
+    <p:sldLayoutId id="2147484424" r:id="rId9"/>
+    <p:sldLayoutId id="2147484425" r:id="rId10"/>
+    <p:sldLayoutId id="2147484426" r:id="rId11"/>
   </p:sldLayoutIdLst>
   <mc:AlternateContent xmlns:mc="http://schemas.openxmlformats.org/markup-compatibility/2006">
     <mc:Choice xmlns:p14="http://schemas.microsoft.com/office/powerpoint/2010/main" Requires="p14">
@@ -5444,7 +5449,7 @@
       </p:grpSpPr>
       <p:pic>
         <p:nvPicPr>
-          <p:cNvPr id="4" name="그림 3" descr="C:/Users/student/AppData/Roaming/PolarisOffice/ETemp/7892_20571936/fImage1537691572269.png"/>
+          <p:cNvPr id="4" name="그림 3"/>
           <p:cNvPicPr>
             <a:picLocks noChangeAspect="1"/>
           </p:cNvPicPr>
@@ -5729,7 +5734,7 @@
       </p:grpSpPr>
       <p:sp>
         <p:nvSpPr>
-          <p:cNvPr id="2" name="텍스트 개체 틀 1"/>
+          <p:cNvPr id="2" name="제목 1"/>
           <p:cNvSpPr txBox="1">
             <a:spLocks/>
           </p:cNvSpPr>
@@ -5738,9 +5743,9 @@
           </p:nvPr>
         </p:nvSpPr>
         <p:spPr>
-          <a:xfrm>
+          <a:xfrm rot="0">
             <a:off x="838200" y="365125"/>
-            <a:ext cx="10517505" cy="1068705"/>
+            <a:ext cx="10517505" cy="1327785"/>
           </a:xfrm>
           <a:prstGeom prst="rect"/>
         </p:spPr>
@@ -5755,31 +5760,31 @@
                 <a:spcPct val="90000"/>
               </a:lnSpc>
               <a:spcBef>
-                <a:spcPts val="0"/>
-              </a:spcBef>
-              <a:spcAft>
-                <a:spcPts val="0"/>
-              </a:spcAft>
+                <a:spcPct val="0"/>
+              </a:spcBef>
               <a:buFontTx/>
               <a:buNone/>
             </a:pPr>
             <a:r>
-              <a:rPr sz="4800" b="1">
-                <a:latin typeface="맑은 고딕" charset="0"/>
-                <a:ea typeface="맑은 고딕" charset="0"/>
-              </a:rPr>
-              <a:t>구현 </a:t>
-            </a:r>
-            <a:r>
-              <a:rPr lang="ko-KR" sz="4800" b="1">
-                <a:latin typeface="맑은 고딕" charset="0"/>
-                <a:ea typeface="맑은 고딕" charset="0"/>
-              </a:rPr>
-              <a:t>내용 (시연 영상)</a:t>
-            </a:r>
-            <a:endParaRPr lang="ko-KR" altLang="en-US" sz="4800" b="1">
+              <a:rPr lang="ko-KR" altLang="en-US" sz="4400">
+                <a:latin typeface="맑은 고딕" charset="0"/>
+                <a:ea typeface="맑은 고딕" charset="0"/>
+                <a:cs typeface="+mj-cs"/>
+              </a:rPr>
+              <a:t>구현 과정</a:t>
+            </a:r>
+            <a:r>
+              <a:rPr lang="ko-KR" altLang="en-US" sz="4400">
+                <a:latin typeface="맑은 고딕" charset="0"/>
+                <a:ea typeface="맑은 고딕" charset="0"/>
+                <a:cs typeface="+mj-cs"/>
+              </a:rPr>
+              <a:t>1</a:t>
+            </a:r>
+            <a:endParaRPr lang="ko-KR" altLang="en-US" sz="4400">
               <a:latin typeface="맑은 고딕" charset="0"/>
               <a:ea typeface="맑은 고딕" charset="0"/>
+              <a:cs typeface="+mj-cs"/>
             </a:endParaRPr>
           </a:p>
         </p:txBody>
@@ -5795,9 +5800,9 @@
           </p:nvPr>
         </p:nvSpPr>
         <p:spPr>
-          <a:xfrm>
-            <a:off x="838200" y="1431925"/>
-            <a:ext cx="10517505" cy="4747260"/>
+          <a:xfrm rot="0">
+            <a:off x="838200" y="1825625"/>
+            <a:ext cx="10516870" cy="4352925"/>
           </a:xfrm>
           <a:prstGeom prst="rect"/>
         </p:spPr>
@@ -5814,30 +5819,21 @@
               <a:spcBef>
                 <a:spcPts val="1000"/>
               </a:spcBef>
-              <a:spcAft>
-                <a:spcPts val="0"/>
-              </a:spcAft>
               <a:buFont typeface="Arial"/>
               <a:buChar char="•"/>
             </a:pPr>
             <a:r>
               <a:rPr lang="ko-KR" altLang="en-US" sz="2800">
                 <a:latin typeface="맑은 고딕" charset="0"/>
-                <a:ea typeface="Arial" charset="0"/>
+                <a:ea typeface="맑은 고딕" charset="0"/>
                 <a:cs typeface="+mn-cs"/>
               </a:rPr>
-              <a:t> </a:t>
-            </a:r>
-            <a:r>
-              <a:rPr sz="2800" b="1">
-                <a:latin typeface="맑은 고딕" charset="0"/>
-                <a:ea typeface="맑은 고딕" charset="0"/>
-              </a:rPr>
-              <a:t>시연 영상</a:t>
-            </a:r>
-            <a:endParaRPr lang="ko-KR" altLang="en-US" sz="2800" b="1">
+              <a:t>A4용지에 적은 플로우차트, 클래스설계도, GUI구상도 사진들</a:t>
+            </a:r>
+            <a:endParaRPr lang="ko-KR" altLang="en-US" sz="2800">
               <a:latin typeface="맑은 고딕" charset="0"/>
               <a:ea typeface="맑은 고딕" charset="0"/>
+              <a:cs typeface="+mn-cs"/>
             </a:endParaRPr>
           </a:p>
           <a:p>
@@ -5848,248 +5844,64 @@
               <a:spcBef>
                 <a:spcPts val="1000"/>
               </a:spcBef>
-              <a:spcAft>
-                <a:spcPts val="0"/>
-              </a:spcAft>
               <a:buFont typeface="Arial"/>
               <a:buChar char="•"/>
             </a:pPr>
-            <a:r>
-              <a:rPr lang="ko-KR" sz="2800" b="1">
-                <a:latin typeface="맑은 고딕" charset="0"/>
-                <a:ea typeface="맑은 고딕" charset="0"/>
-              </a:rPr>
-              <a:t> 회원가입-&gt;로그인</a:t>
-            </a:r>
-            <a:endParaRPr lang="ko-KR" altLang="en-US" sz="2800" b="1">
+            <a:endParaRPr lang="ko-KR" altLang="en-US" sz="2800">
               <a:latin typeface="맑은 고딕" charset="0"/>
               <a:ea typeface="맑은 고딕" charset="0"/>
-            </a:endParaRPr>
-          </a:p>
-          <a:p>
-            <a:pPr marL="228600" indent="-228600" algn="l" defTabSz="914400" eaLnBrk="1" latinLnBrk="1" hangingPunct="1">
-              <a:lnSpc>
-                <a:spcPct val="90000"/>
-              </a:lnSpc>
-              <a:spcBef>
-                <a:spcPts val="1000"/>
-              </a:spcBef>
-              <a:spcAft>
-                <a:spcPts val="0"/>
-              </a:spcAft>
-              <a:buFont typeface="Arial"/>
-              <a:buChar char="•"/>
-            </a:pPr>
-            <a:r>
-              <a:rPr lang="ko-KR" sz="2800" b="1">
-                <a:latin typeface="맑은 고딕" charset="0"/>
-                <a:ea typeface="맑은 고딕" charset="0"/>
-              </a:rPr>
-              <a:t> 예매하기-&gt;출발지 목적지 선택</a:t>
-            </a:r>
-            <a:endParaRPr lang="ko-KR" altLang="en-US" sz="2800" b="1">
+              <a:cs typeface="+mn-cs"/>
+            </a:endParaRPr>
+          </a:p>
+        </p:txBody>
+      </p:sp>
+      <p:sp>
+        <p:nvSpPr>
+          <p:cNvPr id="4" name="바닥글 개체 틀 4"/>
+          <p:cNvSpPr txBox="1">
+            <a:spLocks/>
+          </p:cNvSpPr>
+          <p:nvPr>
+            <p:ph type="ftr" idx="11"/>
+          </p:nvPr>
+        </p:nvSpPr>
+        <p:spPr>
+          <a:xfrm rot="0">
+            <a:off x="4038600" y="6356350"/>
+            <a:ext cx="4116705" cy="367030"/>
+          </a:xfrm>
+          <a:prstGeom prst="rect"/>
+        </p:spPr>
+        <p:txBody>
+          <a:bodyPr wrap="square" lIns="91440" tIns="45720" rIns="91440" bIns="45720" numCol="1" vert="horz" anchor="ctr">
+            <a:noAutofit/>
+          </a:bodyPr>
+          <a:lstStyle/>
+          <a:p>
+            <a:pPr marL="0" indent="0" algn="ctr" defTabSz="508000" eaLnBrk="1" latinLnBrk="1" hangingPunct="1">
+              <a:lnSpc>
+                <a:spcPct val="100000"/>
+              </a:lnSpc>
+              <a:spcBef>
+                <a:spcPts val="0"/>
+              </a:spcBef>
+              <a:spcAft>
+                <a:spcPts val="0"/>
+              </a:spcAft>
+              <a:buFontTx/>
+              <a:buNone/>
+            </a:pPr>
+            <a:r>
+              <a:rPr lang="ko-KR" altLang="en-US" sz="1200">
+                <a:latin typeface="맑은 고딕" charset="0"/>
+                <a:ea typeface="맑은 고딕" charset="0"/>
+                <a:cs typeface="+mn-cs"/>
+              </a:rPr>
+              <a:t>국내 여행 스마트 예매 시스템 - 가보자</a:t>
+            </a:r>
+            <a:endParaRPr lang="ko-KR" altLang="en-US" sz="1200">
               <a:latin typeface="맑은 고딕" charset="0"/>
               <a:ea typeface="맑은 고딕" charset="0"/>
-            </a:endParaRPr>
-          </a:p>
-          <a:p>
-            <a:pPr marL="228600" indent="-228600" algn="l" defTabSz="914400" eaLnBrk="1" latinLnBrk="1" hangingPunct="1">
-              <a:lnSpc>
-                <a:spcPct val="90000"/>
-              </a:lnSpc>
-              <a:spcBef>
-                <a:spcPts val="1000"/>
-              </a:spcBef>
-              <a:spcAft>
-                <a:spcPts val="0"/>
-              </a:spcAft>
-              <a:buFont typeface="Arial"/>
-              <a:buChar char="•"/>
-            </a:pPr>
-            <a:r>
-              <a:rPr lang="ko-KR" sz="2800" b="1">
-                <a:latin typeface="맑은 고딕" charset="0"/>
-                <a:ea typeface="맑은 고딕" charset="0"/>
-              </a:rPr>
-              <a:t> 결제하기-&gt;DB에 연동</a:t>
-            </a:r>
-            <a:endParaRPr lang="ko-KR" altLang="en-US" sz="2800" b="1">
-              <a:latin typeface="맑은 고딕" charset="0"/>
-              <a:ea typeface="맑은 고딕" charset="0"/>
-            </a:endParaRPr>
-          </a:p>
-          <a:p>
-            <a:pPr marL="228600" indent="-228600" algn="l" defTabSz="914400" eaLnBrk="1" latinLnBrk="1" hangingPunct="1">
-              <a:lnSpc>
-                <a:spcPct val="90000"/>
-              </a:lnSpc>
-              <a:spcBef>
-                <a:spcPts val="1000"/>
-              </a:spcBef>
-              <a:spcAft>
-                <a:spcPts val="0"/>
-              </a:spcAft>
-              <a:buFont typeface="Arial"/>
-              <a:buChar char="•"/>
-            </a:pPr>
-            <a:r>
-              <a:rPr lang="ko-KR" sz="2800" b="1">
-                <a:latin typeface="맑은 고딕" charset="0"/>
-                <a:ea typeface="맑은 고딕" charset="0"/>
-              </a:rPr>
-              <a:t> 예매내용 확인 </a:t>
-            </a:r>
-            <a:endParaRPr lang="ko-KR" altLang="en-US" sz="2800" b="1">
-              <a:latin typeface="맑은 고딕" charset="0"/>
-              <a:ea typeface="맑은 고딕" charset="0"/>
-            </a:endParaRPr>
-          </a:p>
-          <a:p>
-            <a:pPr marL="228600" indent="-228600" algn="l" defTabSz="914400" eaLnBrk="1" latinLnBrk="1" hangingPunct="1">
-              <a:lnSpc>
-                <a:spcPct val="90000"/>
-              </a:lnSpc>
-              <a:spcBef>
-                <a:spcPts val="1000"/>
-              </a:spcBef>
-              <a:spcAft>
-                <a:spcPts val="0"/>
-              </a:spcAft>
-              <a:buFont typeface="Arial"/>
-              <a:buChar char="•"/>
-            </a:pPr>
-            <a:r>
-              <a:rPr lang="ko-KR" sz="2800" b="1">
-                <a:latin typeface="맑은 고딕" charset="0"/>
-                <a:ea typeface="맑은 고딕" charset="0"/>
-              </a:rPr>
-              <a:t> 예매취소</a:t>
-            </a:r>
-            <a:endParaRPr lang="ko-KR" altLang="en-US" sz="2800" b="1">
-              <a:latin typeface="맑은 고딕" charset="0"/>
-              <a:ea typeface="맑은 고딕" charset="0"/>
-            </a:endParaRPr>
-          </a:p>
-          <a:p>
-            <a:pPr marL="228600" indent="-228600" algn="l" defTabSz="914400" eaLnBrk="1" latinLnBrk="1" hangingPunct="1">
-              <a:lnSpc>
-                <a:spcPct val="90000"/>
-              </a:lnSpc>
-              <a:spcBef>
-                <a:spcPts val="1000"/>
-              </a:spcBef>
-              <a:spcAft>
-                <a:spcPts val="0"/>
-              </a:spcAft>
-              <a:buFont typeface="Arial"/>
-              <a:buChar char="•"/>
-            </a:pPr>
-            <a:r>
-              <a:rPr lang="ko-KR" sz="2800" b="1">
-                <a:latin typeface="맑은 고딕" charset="0"/>
-                <a:ea typeface="맑은 고딕" charset="0"/>
-              </a:rPr>
-              <a:t> 회원정보 수정</a:t>
-            </a:r>
-            <a:endParaRPr lang="ko-KR" altLang="en-US" sz="2800" b="1">
-              <a:latin typeface="맑은 고딕" charset="0"/>
-              <a:ea typeface="맑은 고딕" charset="0"/>
-            </a:endParaRPr>
-          </a:p>
-          <a:p>
-            <a:pPr marL="228600" indent="-228600" algn="l" defTabSz="914400" eaLnBrk="1" latinLnBrk="1" hangingPunct="1">
-              <a:lnSpc>
-                <a:spcPct val="90000"/>
-              </a:lnSpc>
-              <a:spcBef>
-                <a:spcPts val="1000"/>
-              </a:spcBef>
-              <a:spcAft>
-                <a:spcPts val="0"/>
-              </a:spcAft>
-              <a:buFont typeface="Arial"/>
-              <a:buChar char="•"/>
-            </a:pPr>
-            <a:r>
-              <a:rPr lang="ko-KR" sz="2800" b="1">
-                <a:latin typeface="맑은 고딕" charset="0"/>
-                <a:ea typeface="맑은 고딕" charset="0"/>
-              </a:rPr>
-              <a:t> 회원탈퇴</a:t>
-            </a:r>
-            <a:endParaRPr lang="ko-KR" altLang="en-US" sz="2800" b="1">
-              <a:latin typeface="맑은 고딕" charset="0"/>
-              <a:ea typeface="맑은 고딕" charset="0"/>
-            </a:endParaRPr>
-          </a:p>
-          <a:p>
-            <a:pPr marL="0" indent="0" algn="l" defTabSz="914400" eaLnBrk="1" latinLnBrk="1" hangingPunct="1">
-              <a:lnSpc>
-                <a:spcPct val="90000"/>
-              </a:lnSpc>
-              <a:spcBef>
-                <a:spcPts val="1000"/>
-              </a:spcBef>
-              <a:spcAft>
-                <a:spcPts val="0"/>
-              </a:spcAft>
-              <a:buFontTx/>
-              <a:buNone/>
-            </a:pPr>
-            <a:endParaRPr lang="ko-KR" altLang="en-US" sz="2800" b="1">
-              <a:latin typeface="맑은 고딕" charset="0"/>
-              <a:ea typeface="맑은 고딕" charset="0"/>
-            </a:endParaRPr>
-          </a:p>
-        </p:txBody>
-      </p:sp>
-      <p:sp>
-        <p:nvSpPr>
-          <p:cNvPr id="4" name="Rect 0"/>
-          <p:cNvSpPr txBox="1">
-            <a:spLocks/>
-          </p:cNvSpPr>
-          <p:nvPr>
-            <p:ph type="ftr" idx="11"/>
-          </p:nvPr>
-        </p:nvSpPr>
-        <p:spPr>
-          <a:xfrm rot="0">
-            <a:off x="4038600" y="6356350"/>
-            <a:ext cx="4116070" cy="366395"/>
-          </a:xfrm>
-          <a:prstGeom prst="rect"/>
-        </p:spPr>
-        <p:txBody>
-          <a:bodyPr wrap="square" lIns="91440" tIns="45720" rIns="91440" bIns="45720" vert="horz" anchor="ctr">
-            <a:noAutofit/>
-          </a:bodyPr>
-          <a:lstStyle/>
-          <a:p>
-            <a:pPr marL="0" indent="0" algn="ctr" defTabSz="914400" eaLnBrk="1" latinLnBrk="1" hangingPunct="1">
-              <a:lnSpc>
-                <a:spcPct val="100000"/>
-              </a:lnSpc>
-              <a:spcBef>
-                <a:spcPts val="0"/>
-              </a:spcBef>
-              <a:spcAft>
-                <a:spcPts val="0"/>
-              </a:spcAft>
-              <a:buFontTx/>
-              <a:buNone/>
-            </a:pPr>
-            <a:r>
-              <a:rPr sz="1200">
-                <a:latin typeface="맑은 고딕" charset="0"/>
-                <a:ea typeface="Arial" charset="0"/>
-                <a:cs typeface="+mn-cs"/>
-              </a:rPr>
-              <a:t>국내 여행 스마트 예매 시스템 - 가보자</a:t>
-            </a:r>
-            <a:endParaRPr lang="ko-KR" altLang="en-US" sz="1200">
-              <a:latin typeface="맑은 고딕" charset="0"/>
-              <a:ea typeface="Arial" charset="0"/>
               <a:cs typeface="+mn-cs"/>
             </a:endParaRPr>
           </a:p>
@@ -6146,9 +5958,9 @@
           </p:nvPr>
         </p:nvSpPr>
         <p:spPr>
-          <a:xfrm rot="0">
-            <a:off x="838200" y="201930"/>
-            <a:ext cx="10516870" cy="1092835"/>
+          <a:xfrm>
+            <a:off x="838200" y="137160"/>
+            <a:ext cx="10518140" cy="756285"/>
           </a:xfrm>
           <a:prstGeom prst="rect"/>
         </p:spPr>
@@ -6172,13 +5984,27 @@
               <a:buNone/>
             </a:pPr>
             <a:r>
-              <a:rPr sz="4800" b="1">
-                <a:latin typeface="맑은 고딕" charset="0"/>
-                <a:ea typeface="맑은 고딕" charset="0"/>
-              </a:rPr>
-              <a:t>기대효과 </a:t>
-            </a:r>
-            <a:endParaRPr lang="ko-KR" altLang="en-US" sz="4800" b="1">
+              <a:rPr sz="4400" b="1">
+                <a:latin typeface="맑은 고딕" charset="0"/>
+                <a:ea typeface="맑은 고딕" charset="0"/>
+              </a:rPr>
+              <a:t>구현 과정</a:t>
+            </a:r>
+            <a:r>
+              <a:rPr lang="ko-KR" sz="4400" b="1">
+                <a:latin typeface="맑은 고딕" charset="0"/>
+                <a:ea typeface="맑은 고딕" charset="0"/>
+              </a:rPr>
+              <a:t> </a:t>
+            </a:r>
+            <a:r>
+              <a:rPr lang="ko-KR" sz="4400" b="1">
+                <a:latin typeface="맑은 고딕" charset="0"/>
+                <a:ea typeface="맑은 고딕" charset="0"/>
+              </a:rPr>
+              <a:t>2</a:t>
+            </a:r>
+            <a:endParaRPr lang="ko-KR" altLang="en-US" sz="4400" b="1">
               <a:latin typeface="맑은 고딕" charset="0"/>
               <a:ea typeface="맑은 고딕" charset="0"/>
             </a:endParaRPr>
@@ -6196,15 +6022,15 @@
           </p:nvPr>
         </p:nvSpPr>
         <p:spPr>
-          <a:xfrm rot="0">
-            <a:off x="838200" y="1825625"/>
-            <a:ext cx="10516870" cy="4819015"/>
+          <a:xfrm>
+            <a:off x="437515" y="947420"/>
+            <a:ext cx="11321415" cy="4717415"/>
           </a:xfrm>
           <a:prstGeom prst="rect"/>
         </p:spPr>
         <p:txBody>
           <a:bodyPr wrap="square" lIns="91440" tIns="45720" rIns="91440" bIns="45720" numCol="1" vert="horz" anchor="t">
-            <a:normAutofit fontScale="100000" lnSpcReduction="0"/>
+            <a:normAutofit fontScale="92500" lnSpcReduction="0"/>
           </a:bodyPr>
           <a:lstStyle/>
           <a:p>
@@ -6222,19 +6048,26 @@
               <a:buChar char="•"/>
             </a:pPr>
             <a:r>
-              <a:rPr sz="3600" b="1">
-                <a:latin typeface="맑은 고딕" charset="0"/>
-                <a:ea typeface="맑은 고딕" charset="0"/>
-              </a:rPr>
-              <a:t> 추천 코스 제공</a:t>
-            </a:r>
-            <a:endParaRPr lang="ko-KR" altLang="en-US" sz="3600" b="1">
+              <a:rPr sz="2800" b="1">
+                <a:latin typeface="맑은 고딕" charset="0"/>
+                <a:ea typeface="맑은 고딕" charset="0"/>
+              </a:rPr>
+              <a:t> </a:t>
+            </a:r>
+            <a:r>
+              <a:rPr sz="2800" b="1">
+                <a:latin typeface="맑은 고딕" charset="0"/>
+                <a:ea typeface="맑은 고딕" charset="0"/>
+              </a:rPr>
+              <a:t>프로그램 구조를 MVC패턴으로 설계하여 객체지향적으로 구현함</a:t>
+            </a:r>
+            <a:endParaRPr lang="ko-KR" altLang="en-US" sz="2800" b="1">
               <a:latin typeface="맑은 고딕" charset="0"/>
               <a:ea typeface="맑은 고딕" charset="0"/>
             </a:endParaRPr>
           </a:p>
           <a:p>
-            <a:pPr marL="0" indent="0" algn="l" defTabSz="914400" eaLnBrk="1" latinLnBrk="1" hangingPunct="1">
+            <a:pPr marL="228600" indent="-228600" algn="l" defTabSz="914400" eaLnBrk="1" latinLnBrk="1" hangingPunct="1">
               <a:lnSpc>
                 <a:spcPct val="90000"/>
               </a:lnSpc>
@@ -6244,23 +6077,23 @@
               <a:spcAft>
                 <a:spcPts val="0"/>
               </a:spcAft>
-              <a:buFontTx/>
-              <a:buNone/>
-            </a:pPr>
-            <a:r>
-              <a:rPr sz="3600" b="1">
-                <a:latin typeface="맑은 고딕" charset="0"/>
-                <a:ea typeface="맑은 고딕" charset="0"/>
-              </a:rPr>
-              <a:t>      산업관광지 활성화</a:t>
-            </a:r>
-            <a:endParaRPr lang="ko-KR" altLang="en-US" sz="3600" b="1">
+              <a:buFont typeface="Arial"/>
+              <a:buChar char="•"/>
+            </a:pPr>
+            <a:r>
+              <a:rPr lang="ko-KR" altLang="en-US" sz="2800" b="1">
+                <a:latin typeface="맑은 고딕" charset="0"/>
+                <a:ea typeface="맑은 고딕" charset="0"/>
+              </a:rPr>
+              <a:t> 우리 프로젝트 디렉토리 화면 캡처 해서 꾸미기 </a:t>
+            </a:r>
+            <a:endParaRPr lang="ko-KR" altLang="en-US" sz="2800" b="1">
               <a:latin typeface="맑은 고딕" charset="0"/>
               <a:ea typeface="맑은 고딕" charset="0"/>
             </a:endParaRPr>
           </a:p>
           <a:p>
-            <a:pPr marL="0" indent="0" algn="l" defTabSz="914400" eaLnBrk="1" latinLnBrk="1" hangingPunct="1">
+            <a:pPr marL="228600" indent="-228600" algn="l" defTabSz="914400" eaLnBrk="1" latinLnBrk="1" hangingPunct="1">
               <a:lnSpc>
                 <a:spcPct val="90000"/>
               </a:lnSpc>
@@ -6270,10 +6103,17 @@
               <a:spcAft>
                 <a:spcPts val="0"/>
               </a:spcAft>
-              <a:buFontTx/>
-              <a:buNone/>
-            </a:pPr>
-            <a:endParaRPr lang="ko-KR" altLang="en-US" sz="3600" b="1">
+              <a:buFont typeface="Arial"/>
+              <a:buChar char="•"/>
+            </a:pPr>
+            <a:r>
+              <a:rPr lang="ko-KR" altLang="en-US" sz="2800" b="1">
+                <a:latin typeface="맑은 고딕" charset="0"/>
+                <a:ea typeface="맑은 고딕" charset="0"/>
+              </a:rPr>
+              <a:t>요런거</a:t>
+            </a:r>
+            <a:endParaRPr lang="ko-KR" altLang="en-US" sz="2800" b="1">
               <a:latin typeface="맑은 고딕" charset="0"/>
               <a:ea typeface="맑은 고딕" charset="0"/>
             </a:endParaRPr>
@@ -6292,20 +6132,13 @@
               <a:buFont typeface="Arial"/>
               <a:buChar char="•"/>
             </a:pPr>
-            <a:r>
-              <a:rPr sz="3600" b="1">
-                <a:latin typeface="맑은 고딕" charset="0"/>
-                <a:ea typeface="맑은 고딕" charset="0"/>
-              </a:rPr>
-              <a:t> 편리한 예매 시스템 이용</a:t>
-            </a:r>
-            <a:endParaRPr lang="ko-KR" altLang="en-US" sz="3600" b="1">
+            <a:endParaRPr lang="ko-KR" altLang="en-US" sz="2800" b="1">
               <a:latin typeface="맑은 고딕" charset="0"/>
               <a:ea typeface="맑은 고딕" charset="0"/>
             </a:endParaRPr>
           </a:p>
           <a:p>
-            <a:pPr marL="0" indent="0" algn="l" defTabSz="914400" eaLnBrk="1" latinLnBrk="1" hangingPunct="1">
+            <a:pPr marL="254000" indent="-254000" algn="l" defTabSz="914400" eaLnBrk="1" latinLnBrk="1" hangingPunct="1">
               <a:lnSpc>
                 <a:spcPct val="90000"/>
               </a:lnSpc>
@@ -6315,17 +6148,10 @@
               <a:spcAft>
                 <a:spcPts val="0"/>
               </a:spcAft>
-              <a:buFontTx/>
-              <a:buNone/>
-            </a:pPr>
-            <a:r>
-              <a:rPr sz="3600" b="1">
-                <a:latin typeface="맑은 고딕" charset="0"/>
-                <a:ea typeface="맑은 고딕" charset="0"/>
-              </a:rPr>
-              <a:t>      여행자들에게 편의제공</a:t>
-            </a:r>
-            <a:endParaRPr lang="ko-KR" altLang="en-US" sz="3600" b="1">
+              <a:buFont typeface="Wingdings"/>
+              <a:buChar char=""/>
+            </a:pPr>
+            <a:endParaRPr lang="ko-KR" altLang="en-US" sz="2800" b="1">
               <a:latin typeface="맑은 고딕" charset="0"/>
               <a:ea typeface="맑은 고딕" charset="0"/>
             </a:endParaRPr>
@@ -6344,47 +6170,6 @@
               <a:buFontTx/>
               <a:buNone/>
             </a:pPr>
-            <a:r>
-              <a:rPr sz="3600" b="1">
-                <a:latin typeface="맑은 고딕" charset="0"/>
-                <a:ea typeface="맑은 고딕" charset="0"/>
-              </a:rPr>
-              <a:t>                                 </a:t>
-            </a:r>
-            <a:r>
-              <a:rPr sz="4800" b="1">
-                <a:latin typeface="맑은 고딕" charset="0"/>
-                <a:ea typeface="맑은 고딕" charset="0"/>
-              </a:rPr>
-              <a:t>                                        </a:t>
-            </a:r>
-            <a:endParaRPr lang="ko-KR" altLang="en-US" sz="4800" b="1">
-              <a:latin typeface="맑은 고딕" charset="0"/>
-              <a:ea typeface="맑은 고딕" charset="0"/>
-            </a:endParaRPr>
-          </a:p>
-          <a:p>
-            <a:pPr marL="0" indent="0" algn="l" defTabSz="914400" eaLnBrk="1" latinLnBrk="1" hangingPunct="1">
-              <a:lnSpc>
-                <a:spcPct val="90000"/>
-              </a:lnSpc>
-              <a:spcBef>
-                <a:spcPts val="1000"/>
-              </a:spcBef>
-              <a:spcAft>
-                <a:spcPts val="0"/>
-              </a:spcAft>
-              <a:buFontTx/>
-              <a:buNone/>
-            </a:pPr>
-            <a:r>
-              <a:rPr lang="ko-KR" altLang="en-US" sz="2800">
-                <a:latin typeface="맑은 고딕" charset="0"/>
-                <a:ea typeface="Arial" charset="0"/>
-                <a:cs typeface="+mn-cs"/>
-              </a:rPr>
-              <a:t> </a:t>
-            </a:r>
             <a:endParaRPr lang="ko-KR" altLang="en-US" sz="2800">
               <a:latin typeface="맑은 고딕" charset="0"/>
               <a:ea typeface="Arial" charset="0"/>
@@ -6395,127 +6180,7 @@
       </p:sp>
       <p:sp>
         <p:nvSpPr>
-          <p:cNvPr id="4" name="도형 3"/>
-          <p:cNvSpPr>
-            <a:spLocks/>
-          </p:cNvSpPr>
-          <p:nvPr/>
-        </p:nvSpPr>
-        <p:spPr>
-          <a:xfrm rot="0">
-            <a:off x="840105" y="4441190"/>
-            <a:ext cx="846455" cy="480695"/>
-          </a:xfrm>
-          <a:prstGeom prst="rightArrow"/>
-          <a:solidFill>
-            <a:srgbClr val="000000"/>
-          </a:solidFill>
-        </p:spPr>
-        <p:style>
-          <a:lnRef idx="2">
-            <a:schemeClr val="accent1">
-              <a:shade val="50000"/>
-            </a:schemeClr>
-          </a:lnRef>
-          <a:fillRef idx="1">
-            <a:schemeClr val="accent1"/>
-          </a:fillRef>
-          <a:effectRef idx="0">
-            <a:schemeClr val="accent1"/>
-          </a:effectRef>
-          <a:fontRef idx="minor">
-            <a:schemeClr val="lt1"/>
-          </a:fontRef>
-        </p:style>
-        <p:txBody>
-          <a:bodyPr wrap="square" lIns="91440" tIns="45720" rIns="91440" bIns="45720" vert="horz" anchor="ctr">
-            <a:noAutofit/>
-          </a:bodyPr>
-          <a:lstStyle/>
-          <a:p>
-            <a:pPr marL="0" indent="0" algn="ctr" defTabSz="914400" eaLnBrk="1" latinLnBrk="1" hangingPunct="1">
-              <a:lnSpc>
-                <a:spcPct val="100000"/>
-              </a:lnSpc>
-              <a:spcBef>
-                <a:spcPts val="0"/>
-              </a:spcBef>
-              <a:spcAft>
-                <a:spcPts val="0"/>
-              </a:spcAft>
-              <a:buFontTx/>
-              <a:buNone/>
-            </a:pPr>
-            <a:endParaRPr lang="ko-KR" altLang="en-US" sz="1600">
-              <a:latin typeface="맑은 고딕" charset="0"/>
-              <a:ea typeface="맑은 고딕" charset="0"/>
-            </a:endParaRPr>
-          </a:p>
-        </p:txBody>
-      </p:sp>
-      <p:sp>
-        <p:nvSpPr>
-          <p:cNvPr id="5" name="도형 4"/>
-          <p:cNvSpPr>
-            <a:spLocks/>
-          </p:cNvSpPr>
-          <p:nvPr/>
-        </p:nvSpPr>
-        <p:spPr>
-          <a:xfrm rot="0">
-            <a:off x="843280" y="2494915"/>
-            <a:ext cx="846455" cy="506095"/>
-          </a:xfrm>
-          <a:prstGeom prst="rightArrow"/>
-          <a:solidFill>
-            <a:srgbClr val="000000"/>
-          </a:solidFill>
-        </p:spPr>
-        <p:style>
-          <a:lnRef idx="2">
-            <a:schemeClr val="accent1">
-              <a:shade val="50000"/>
-            </a:schemeClr>
-          </a:lnRef>
-          <a:fillRef idx="1">
-            <a:schemeClr val="accent1"/>
-          </a:fillRef>
-          <a:effectRef idx="0">
-            <a:schemeClr val="accent1"/>
-          </a:effectRef>
-          <a:fontRef idx="minor">
-            <a:schemeClr val="lt1"/>
-          </a:fontRef>
-        </p:style>
-        <p:txBody>
-          <a:bodyPr wrap="square" lIns="91440" tIns="45720" rIns="91440" bIns="45720" vert="horz" anchor="ctr">
-            <a:noAutofit/>
-          </a:bodyPr>
-          <a:lstStyle/>
-          <a:p>
-            <a:pPr marL="0" indent="0" algn="l" defTabSz="914400" eaLnBrk="1" latinLnBrk="1" hangingPunct="1">
-              <a:lnSpc>
-                <a:spcPct val="90000"/>
-              </a:lnSpc>
-              <a:spcBef>
-                <a:spcPts val="1000"/>
-              </a:spcBef>
-              <a:spcAft>
-                <a:spcPts val="0"/>
-              </a:spcAft>
-              <a:buFontTx/>
-              <a:buNone/>
-            </a:pPr>
-            <a:endParaRPr lang="ko-KR" altLang="en-US" sz="1600">
-              <a:latin typeface="맑은 고딕" charset="0"/>
-              <a:ea typeface="맑은 고딕" charset="0"/>
-            </a:endParaRPr>
-          </a:p>
-        </p:txBody>
-      </p:sp>
-      <p:sp>
-        <p:nvSpPr>
-          <p:cNvPr id="6" name="Rect 0"/>
+          <p:cNvPr id="4" name="Rect 0"/>
           <p:cNvSpPr txBox="1">
             <a:spLocks/>
           </p:cNvSpPr>
@@ -6565,6 +6230,35 @@
           </a:p>
         </p:txBody>
       </p:sp>
+      <p:pic>
+        <p:nvPicPr>
+          <p:cNvPr id="5" name="그림 4" descr="C:/Users/student/AppData/Roaming/PolarisOffice/ETemp/2392_13024640/fImage1198871846102.png"/>
+          <p:cNvPicPr>
+            <a:picLocks noChangeAspect="1"/>
+          </p:cNvPicPr>
+          <p:nvPr/>
+        </p:nvPicPr>
+        <p:blipFill rotWithShape="1">
+          <a:blip r:embed="rId6" cstate="print">
+            <a:extLst>
+              <a:ext uri="{28A0092B-C50C-407E-A947-70E740481C1C}">
+                <a14:useLocalDpi xmlns:a14="http://schemas.microsoft.com/office/drawing/2010/main" val="0"/>
+              </a:ext>
+            </a:extLst>
+          </a:blip>
+          <a:stretch>
+            <a:fillRect/>
+          </a:stretch>
+        </p:blipFill>
+        <p:spPr>
+          <a:xfrm rot="0">
+            <a:off x="2130425" y="1986280"/>
+            <a:ext cx="7182485" cy="3496310"/>
+          </a:xfrm>
+          <a:prstGeom prst="rect"/>
+          <a:noFill/>
+        </p:spPr>
+      </p:pic>
     </p:spTree>
   </p:cSld>
   <p:clrMapOvr>
@@ -6589,6 +6283,2149 @@
 </file>
 
 <file path=ppt/slides/slide12.xml><?xml version="1.0" encoding="utf-8"?>
+<p:sld xmlns:a="http://schemas.openxmlformats.org/drawingml/2006/main" xmlns:r="http://schemas.openxmlformats.org/officeDocument/2006/relationships" xmlns:p="http://schemas.openxmlformats.org/presentationml/2006/main" xmlns:p14="http://schemas.microsoft.com/office/powerpoint/2010/main">
+  <p:cSld>
+    <p:spTree>
+      <p:nvGrpSpPr>
+        <p:cNvPr id="1" name=""/>
+        <p:cNvGrpSpPr/>
+        <p:nvPr/>
+      </p:nvGrpSpPr>
+      <p:grpSpPr>
+        <a:xfrm>
+          <a:off x="0" y="0"/>
+          <a:ext cx="0" cy="0"/>
+          <a:chOff x="0" y="0"/>
+          <a:chExt cx="0" cy="0"/>
+        </a:xfrm>
+      </p:grpSpPr>
+      <p:sp>
+        <p:nvSpPr>
+          <p:cNvPr id="2" name="제목 1"/>
+          <p:cNvSpPr txBox="1">
+            <a:spLocks/>
+          </p:cNvSpPr>
+          <p:nvPr>
+            <p:ph type="title"/>
+          </p:nvPr>
+        </p:nvSpPr>
+        <p:spPr>
+          <a:xfrm>
+            <a:off x="838200" y="365125"/>
+            <a:ext cx="10517505" cy="1327785"/>
+          </a:xfrm>
+          <a:prstGeom prst="rect"/>
+        </p:spPr>
+        <p:txBody>
+          <a:bodyPr wrap="square" lIns="91440" tIns="45720" rIns="91440" bIns="45720" numCol="1" vert="horz" anchor="ctr">
+            <a:normAutofit fontScale="100000" lnSpcReduction="0"/>
+          </a:bodyPr>
+          <a:lstStyle/>
+          <a:p>
+            <a:pPr marL="0" indent="0" algn="l" defTabSz="914400" eaLnBrk="1" latinLnBrk="1" hangingPunct="1">
+              <a:lnSpc>
+                <a:spcPct val="90000"/>
+              </a:lnSpc>
+              <a:spcBef>
+                <a:spcPct val="0"/>
+              </a:spcBef>
+              <a:buFontTx/>
+              <a:buNone/>
+            </a:pPr>
+            <a:r>
+              <a:rPr lang="ko-KR" altLang="en-US" sz="4400">
+                <a:latin typeface="맑은 고딕" charset="0"/>
+                <a:ea typeface="맑은 고딕" charset="0"/>
+                <a:cs typeface="+mj-cs"/>
+              </a:rPr>
+              <a:t>구현과정2</a:t>
+            </a:r>
+            <a:r>
+              <a:rPr lang="ko-KR" altLang="en-US" sz="4400">
+                <a:latin typeface="맑은 고딕" charset="0"/>
+                <a:ea typeface="맑은 고딕" charset="0"/>
+                <a:cs typeface="+mj-cs"/>
+              </a:rPr>
+              <a:t> </a:t>
+            </a:r>
+            <a:endParaRPr lang="ko-KR" altLang="en-US" sz="4400">
+              <a:latin typeface="맑은 고딕" charset="0"/>
+              <a:ea typeface="맑은 고딕" charset="0"/>
+              <a:cs typeface="+mj-cs"/>
+            </a:endParaRPr>
+          </a:p>
+        </p:txBody>
+      </p:sp>
+      <p:sp>
+        <p:nvSpPr>
+          <p:cNvPr id="3" name="내용 개체 틀 2"/>
+          <p:cNvSpPr txBox="1">
+            <a:spLocks/>
+          </p:cNvSpPr>
+          <p:nvPr>
+            <p:ph type="obj" idx="1"/>
+          </p:nvPr>
+        </p:nvSpPr>
+        <p:spPr>
+          <a:xfrm rot="0">
+            <a:off x="838200" y="1437005"/>
+            <a:ext cx="10517505" cy="4353560"/>
+          </a:xfrm>
+          <a:prstGeom prst="rect"/>
+        </p:spPr>
+        <p:txBody>
+          <a:bodyPr wrap="square" lIns="91440" tIns="45720" rIns="91440" bIns="45720" numCol="1" vert="horz" anchor="t">
+            <a:normAutofit fontScale="100000" lnSpcReduction="0"/>
+          </a:bodyPr>
+          <a:lstStyle/>
+          <a:p>
+            <a:pPr marL="228600" indent="-228600" algn="l" defTabSz="914400" eaLnBrk="1" latinLnBrk="1" hangingPunct="1">
+              <a:lnSpc>
+                <a:spcPct val="90000"/>
+              </a:lnSpc>
+              <a:spcBef>
+                <a:spcPts val="1000"/>
+              </a:spcBef>
+              <a:buFont typeface="Arial"/>
+              <a:buChar char="•"/>
+            </a:pPr>
+            <a:r>
+              <a:rPr sz="2800" b="1">
+                <a:latin typeface="맑은 고딕" charset="0"/>
+                <a:ea typeface="맑은 고딕" charset="0"/>
+              </a:rPr>
+              <a:t> 객체지향적 구현을 연습하기위해 </a:t>
+            </a:r>
+            <a:endParaRPr lang="ko-KR" altLang="en-US" sz="2800" b="1">
+              <a:latin typeface="맑은 고딕" charset="0"/>
+              <a:ea typeface="맑은 고딕" charset="0"/>
+            </a:endParaRPr>
+          </a:p>
+          <a:p>
+            <a:pPr marL="228600" indent="-228600" algn="l" defTabSz="914400" eaLnBrk="1" latinLnBrk="1" hangingPunct="1">
+              <a:lnSpc>
+                <a:spcPct val="90000"/>
+              </a:lnSpc>
+              <a:spcBef>
+                <a:spcPts val="1000"/>
+              </a:spcBef>
+            </a:pPr>
+            <a:r>
+              <a:rPr sz="2800" b="1">
+                <a:latin typeface="맑은 고딕" charset="0"/>
+                <a:ea typeface="맑은 고딕" charset="0"/>
+              </a:rPr>
+              <a:t>   각자 클래스를 나눠 맡은 기능만 구현하여 최종적으로 통합</a:t>
+            </a:r>
+            <a:endParaRPr lang="ko-KR" altLang="en-US" sz="2800" b="1">
+              <a:latin typeface="맑은 고딕" charset="0"/>
+              <a:ea typeface="맑은 고딕" charset="0"/>
+            </a:endParaRPr>
+          </a:p>
+          <a:p>
+            <a:pPr marL="228600" indent="-228600" algn="l" defTabSz="914400" eaLnBrk="1" latinLnBrk="1" hangingPunct="1">
+              <a:lnSpc>
+                <a:spcPct val="90000"/>
+              </a:lnSpc>
+              <a:spcBef>
+                <a:spcPts val="1000"/>
+              </a:spcBef>
+            </a:pPr>
+            <a:endParaRPr lang="ko-KR" altLang="en-US" sz="2800">
+              <a:latin typeface="맑은 고딕" charset="0"/>
+              <a:ea typeface="맑은 고딕" charset="0"/>
+              <a:cs typeface="+mn-cs"/>
+            </a:endParaRPr>
+          </a:p>
+        </p:txBody>
+      </p:sp>
+      <p:sp>
+        <p:nvSpPr>
+          <p:cNvPr id="4" name="바닥글 개체 틀 4"/>
+          <p:cNvSpPr txBox="1">
+            <a:spLocks/>
+          </p:cNvSpPr>
+          <p:nvPr>
+            <p:ph type="ftr" idx="11"/>
+          </p:nvPr>
+        </p:nvSpPr>
+        <p:spPr>
+          <a:xfrm rot="0">
+            <a:off x="4038600" y="6356350"/>
+            <a:ext cx="4116705" cy="367030"/>
+          </a:xfrm>
+          <a:prstGeom prst="rect"/>
+        </p:spPr>
+        <p:txBody>
+          <a:bodyPr wrap="square" lIns="91440" tIns="45720" rIns="91440" bIns="45720" numCol="1" vert="horz" anchor="ctr">
+            <a:noAutofit/>
+          </a:bodyPr>
+          <a:lstStyle/>
+          <a:p>
+            <a:pPr marL="0" indent="0" algn="ctr" defTabSz="508000" eaLnBrk="1" latinLnBrk="1" hangingPunct="1">
+              <a:lnSpc>
+                <a:spcPct val="100000"/>
+              </a:lnSpc>
+              <a:spcBef>
+                <a:spcPts val="0"/>
+              </a:spcBef>
+              <a:spcAft>
+                <a:spcPts val="0"/>
+              </a:spcAft>
+              <a:buFontTx/>
+              <a:buNone/>
+            </a:pPr>
+            <a:r>
+              <a:rPr lang="ko-KR" altLang="en-US" sz="1200">
+                <a:latin typeface="맑은 고딕" charset="0"/>
+                <a:ea typeface="맑은 고딕" charset="0"/>
+                <a:cs typeface="+mn-cs"/>
+              </a:rPr>
+              <a:t>국내 여행 스마트 예매 시스템 - 가보자</a:t>
+            </a:r>
+            <a:endParaRPr lang="ko-KR" altLang="en-US" sz="1200">
+              <a:latin typeface="맑은 고딕" charset="0"/>
+              <a:ea typeface="맑은 고딕" charset="0"/>
+              <a:cs typeface="+mn-cs"/>
+            </a:endParaRPr>
+          </a:p>
+        </p:txBody>
+      </p:sp>
+      <p:pic>
+        <p:nvPicPr>
+          <p:cNvPr id="5" name="그림 4"/>
+          <p:cNvPicPr>
+            <a:picLocks noChangeAspect="1"/>
+          </p:cNvPicPr>
+          <p:nvPr/>
+        </p:nvPicPr>
+        <p:blipFill rotWithShape="1">
+          <a:blip r:embed="rId2" cstate="hqprint">
+            <a:extLst>
+              <a:ext uri="{28A0092B-C50C-407E-A947-70E740481C1C}">
+                <a14:useLocalDpi xmlns:a14="http://schemas.microsoft.com/office/drawing/2010/main"/>
+              </a:ext>
+            </a:extLst>
+          </a:blip>
+          <a:srcRect/>
+          <a:stretch>
+            <a:fillRect/>
+          </a:stretch>
+        </p:blipFill>
+        <p:spPr>
+          <a:xfrm rot="0">
+            <a:off x="1285875" y="4002405"/>
+            <a:ext cx="1734820" cy="1944370"/>
+          </a:xfrm>
+          <a:prstGeom prst="rect"/>
+          <a:noFill/>
+        </p:spPr>
+      </p:pic>
+      <p:pic>
+        <p:nvPicPr>
+          <p:cNvPr id="6" name="그림 5"/>
+          <p:cNvPicPr>
+            <a:picLocks noChangeAspect="1"/>
+          </p:cNvPicPr>
+          <p:nvPr/>
+        </p:nvPicPr>
+        <p:blipFill rotWithShape="1">
+          <a:blip r:embed="rId3" cstate="hqprint">
+            <a:extLst>
+              <a:ext uri="{28A0092B-C50C-407E-A947-70E740481C1C}">
+                <a14:useLocalDpi xmlns:a14="http://schemas.microsoft.com/office/drawing/2010/main"/>
+              </a:ext>
+            </a:extLst>
+          </a:blip>
+          <a:srcRect/>
+          <a:stretch>
+            <a:fillRect/>
+          </a:stretch>
+        </p:blipFill>
+        <p:spPr>
+          <a:xfrm rot="0">
+            <a:off x="5191125" y="3998595"/>
+            <a:ext cx="1801495" cy="2038350"/>
+          </a:xfrm>
+          <a:prstGeom prst="rect"/>
+          <a:noFill/>
+        </p:spPr>
+      </p:pic>
+      <p:pic>
+        <p:nvPicPr>
+          <p:cNvPr id="7" name="그림 6"/>
+          <p:cNvPicPr>
+            <a:picLocks noChangeAspect="1"/>
+          </p:cNvPicPr>
+          <p:nvPr/>
+        </p:nvPicPr>
+        <p:blipFill rotWithShape="1">
+          <a:blip r:embed="rId4" cstate="hqprint">
+            <a:extLst>
+              <a:ext uri="{28A0092B-C50C-407E-A947-70E740481C1C}">
+                <a14:useLocalDpi xmlns:a14="http://schemas.microsoft.com/office/drawing/2010/main"/>
+              </a:ext>
+            </a:extLst>
+          </a:blip>
+          <a:srcRect/>
+          <a:stretch>
+            <a:fillRect/>
+          </a:stretch>
+        </p:blipFill>
+        <p:spPr>
+          <a:xfrm rot="0">
+            <a:off x="9302750" y="4275455"/>
+            <a:ext cx="1801495" cy="1673225"/>
+          </a:xfrm>
+          <a:prstGeom prst="rect"/>
+          <a:noFill/>
+        </p:spPr>
+      </p:pic>
+      <p:sp>
+        <p:nvSpPr>
+          <p:cNvPr id="8" name="텍스트 상자 7"/>
+          <p:cNvSpPr txBox="1">
+            <a:spLocks/>
+          </p:cNvSpPr>
+          <p:nvPr/>
+        </p:nvSpPr>
+        <p:spPr>
+          <a:xfrm rot="0">
+            <a:off x="1165860" y="2581910"/>
+            <a:ext cx="2388870" cy="1195070"/>
+          </a:xfrm>
+          <a:prstGeom prst="rect"/>
+          <a:noFill/>
+          <a:ln w="0">
+            <a:noFill/>
+            <a:prstDash/>
+          </a:ln>
+        </p:spPr>
+        <p:txBody>
+          <a:bodyPr wrap="square" lIns="89535" tIns="46355" rIns="89535" bIns="46355" vert="horz" anchor="t">
+            <a:spAutoFit/>
+          </a:bodyPr>
+          <a:lstStyle/>
+          <a:p>
+            <a:pPr marL="0" indent="0" algn="l" defTabSz="914400" eaLnBrk="1" latinLnBrk="1" hangingPunct="1">
+              <a:buFontTx/>
+              <a:buNone/>
+            </a:pPr>
+            <a:endParaRPr lang="ko-KR" altLang="en-US" sz="1800">
+              <a:latin typeface="맑은 고딕" charset="0"/>
+              <a:ea typeface="맑은 고딕" charset="0"/>
+            </a:endParaRPr>
+          </a:p>
+        </p:txBody>
+      </p:sp>
+      <p:sp>
+        <p:nvSpPr>
+          <p:cNvPr id="9" name="텍스트 상자 8"/>
+          <p:cNvSpPr txBox="1">
+            <a:spLocks/>
+          </p:cNvSpPr>
+          <p:nvPr/>
+        </p:nvSpPr>
+        <p:spPr>
+          <a:xfrm rot="0">
+            <a:off x="1026795" y="2581910"/>
+            <a:ext cx="2638425" cy="1200785"/>
+          </a:xfrm>
+          <a:prstGeom prst="rect"/>
+        </p:spPr>
+        <p:style>
+          <a:lnRef idx="3">
+            <a:schemeClr val="lt1"/>
+          </a:lnRef>
+          <a:fillRef idx="1">
+            <a:schemeClr val="accent3"/>
+          </a:fillRef>
+          <a:effectRef idx="1">
+            <a:schemeClr val="accent3"/>
+          </a:effectRef>
+          <a:fontRef idx="minor">
+            <a:schemeClr val="lt1"/>
+          </a:fontRef>
+        </p:style>
+        <p:txBody>
+          <a:bodyPr wrap="square" lIns="89535" tIns="46355" rIns="89535" bIns="46355" vert="horz" anchor="t">
+            <a:spAutoFit/>
+          </a:bodyPr>
+          <a:lstStyle/>
+          <a:p>
+            <a:pPr marL="0" indent="0" algn="l" defTabSz="914400" eaLnBrk="1" latinLnBrk="1" hangingPunct="1">
+              <a:buFontTx/>
+              <a:buNone/>
+            </a:pPr>
+            <a:r>
+              <a:rPr lang="ko-KR" sz="1800">
+                <a:latin typeface="맑은 고딕" charset="0"/>
+                <a:ea typeface="맑은 고딕" charset="0"/>
+              </a:rPr>
+              <a:t>BookingCancle.class</a:t>
+            </a:r>
+            <a:endParaRPr lang="ko-KR" altLang="en-US" sz="1800">
+              <a:latin typeface="맑은 고딕" charset="0"/>
+              <a:ea typeface="맑은 고딕" charset="0"/>
+            </a:endParaRPr>
+          </a:p>
+          <a:p>
+            <a:pPr marL="0" indent="0" algn="l" defTabSz="914400" eaLnBrk="1" latinLnBrk="1" hangingPunct="1">
+              <a:buFontTx/>
+              <a:buNone/>
+            </a:pPr>
+            <a:r>
+              <a:rPr lang="ko-KR" sz="1800">
+                <a:latin typeface="맑은 고딕" charset="0"/>
+                <a:ea typeface="맑은 고딕" charset="0"/>
+              </a:rPr>
+              <a:t>BookingModify.class</a:t>
+            </a:r>
+            <a:endParaRPr lang="ko-KR" altLang="en-US" sz="1800">
+              <a:latin typeface="맑은 고딕" charset="0"/>
+              <a:ea typeface="맑은 고딕" charset="0"/>
+            </a:endParaRPr>
+          </a:p>
+          <a:p>
+            <a:pPr marL="0" indent="0" algn="l" defTabSz="914400" eaLnBrk="1" latinLnBrk="1" hangingPunct="1">
+              <a:buFontTx/>
+              <a:buNone/>
+            </a:pPr>
+            <a:r>
+              <a:rPr lang="ko-KR" sz="1800">
+                <a:latin typeface="맑은 고딕" charset="0"/>
+                <a:ea typeface="맑은 고딕" charset="0"/>
+              </a:rPr>
+              <a:t>BookingPayment.class</a:t>
+            </a:r>
+            <a:endParaRPr lang="ko-KR" altLang="en-US" sz="1800">
+              <a:latin typeface="맑은 고딕" charset="0"/>
+              <a:ea typeface="맑은 고딕" charset="0"/>
+            </a:endParaRPr>
+          </a:p>
+          <a:p>
+            <a:pPr marL="0" indent="0" algn="l" defTabSz="914400" eaLnBrk="1" latinLnBrk="1" hangingPunct="1">
+              <a:buFontTx/>
+              <a:buNone/>
+            </a:pPr>
+            <a:r>
+              <a:rPr lang="ko-KR" sz="1800">
+                <a:latin typeface="맑은 고딕" charset="0"/>
+                <a:ea typeface="맑은 고딕" charset="0"/>
+              </a:rPr>
+              <a:t>....</a:t>
+            </a:r>
+            <a:endParaRPr lang="ko-KR" altLang="en-US" sz="1800">
+              <a:latin typeface="맑은 고딕" charset="0"/>
+              <a:ea typeface="맑은 고딕" charset="0"/>
+            </a:endParaRPr>
+          </a:p>
+        </p:txBody>
+      </p:sp>
+      <p:sp>
+        <p:nvSpPr>
+          <p:cNvPr id="10" name="텍스트 상자 9"/>
+          <p:cNvSpPr txBox="1">
+            <a:spLocks/>
+          </p:cNvSpPr>
+          <p:nvPr/>
+        </p:nvSpPr>
+        <p:spPr>
+          <a:xfrm rot="0">
+            <a:off x="4831080" y="2595880"/>
+            <a:ext cx="2763520" cy="1200785"/>
+          </a:xfrm>
+          <a:prstGeom prst="rect"/>
+        </p:spPr>
+        <p:style>
+          <a:lnRef idx="3">
+            <a:schemeClr val="lt1"/>
+          </a:lnRef>
+          <a:fillRef idx="1">
+            <a:schemeClr val="accent5"/>
+          </a:fillRef>
+          <a:effectRef idx="1">
+            <a:schemeClr val="accent5"/>
+          </a:effectRef>
+          <a:fontRef idx="minor">
+            <a:schemeClr val="lt1"/>
+          </a:fontRef>
+        </p:style>
+        <p:txBody>
+          <a:bodyPr wrap="square" lIns="89535" tIns="46355" rIns="89535" bIns="46355" vert="horz" anchor="t">
+            <a:spAutoFit/>
+          </a:bodyPr>
+          <a:lstStyle/>
+          <a:p>
+            <a:pPr marL="0" indent="0" algn="l" defTabSz="914400" eaLnBrk="1" latinLnBrk="1" hangingPunct="1">
+              <a:buFontTx/>
+              <a:buNone/>
+            </a:pPr>
+            <a:r>
+              <a:rPr lang="ko-KR" sz="1800">
+                <a:latin typeface="맑은 고딕" charset="0"/>
+                <a:ea typeface="맑은 고딕" charset="0"/>
+              </a:rPr>
+              <a:t>MemberInfoModify.class</a:t>
+            </a:r>
+            <a:endParaRPr lang="ko-KR" altLang="en-US" sz="1800">
+              <a:latin typeface="맑은 고딕" charset="0"/>
+              <a:ea typeface="맑은 고딕" charset="0"/>
+            </a:endParaRPr>
+          </a:p>
+          <a:p>
+            <a:pPr marL="0" indent="0" algn="l" defTabSz="914400" eaLnBrk="1" latinLnBrk="1" hangingPunct="1">
+              <a:buFontTx/>
+              <a:buNone/>
+            </a:pPr>
+            <a:r>
+              <a:rPr lang="ko-KR" sz="1800">
+                <a:latin typeface="맑은 고딕" charset="0"/>
+                <a:ea typeface="맑은 고딕" charset="0"/>
+              </a:rPr>
+              <a:t>MemberInfoSelect.class</a:t>
+            </a:r>
+            <a:endParaRPr lang="ko-KR" altLang="en-US" sz="1800">
+              <a:latin typeface="맑은 고딕" charset="0"/>
+              <a:ea typeface="맑은 고딕" charset="0"/>
+            </a:endParaRPr>
+          </a:p>
+          <a:p>
+            <a:pPr marL="0" indent="0" algn="l" defTabSz="914400" eaLnBrk="1" latinLnBrk="1" hangingPunct="1">
+              <a:buFontTx/>
+              <a:buNone/>
+            </a:pPr>
+            <a:r>
+              <a:rPr lang="ko-KR" sz="1800">
+                <a:latin typeface="맑은 고딕" charset="0"/>
+                <a:ea typeface="맑은 고딕" charset="0"/>
+              </a:rPr>
+              <a:t>MemberJoin.class</a:t>
+            </a:r>
+            <a:endParaRPr lang="ko-KR" altLang="en-US" sz="1800">
+              <a:latin typeface="맑은 고딕" charset="0"/>
+              <a:ea typeface="맑은 고딕" charset="0"/>
+            </a:endParaRPr>
+          </a:p>
+          <a:p>
+            <a:pPr marL="0" indent="0" algn="l" defTabSz="914400" eaLnBrk="1" latinLnBrk="1" hangingPunct="1">
+              <a:buFontTx/>
+              <a:buNone/>
+            </a:pPr>
+            <a:r>
+              <a:rPr lang="ko-KR" sz="1800">
+                <a:latin typeface="맑은 고딕" charset="0"/>
+                <a:ea typeface="맑은 고딕" charset="0"/>
+              </a:rPr>
+              <a:t>...</a:t>
+            </a:r>
+            <a:endParaRPr lang="ko-KR" altLang="en-US" sz="1800">
+              <a:latin typeface="맑은 고딕" charset="0"/>
+              <a:ea typeface="맑은 고딕" charset="0"/>
+            </a:endParaRPr>
+          </a:p>
+        </p:txBody>
+      </p:sp>
+      <p:sp>
+        <p:nvSpPr>
+          <p:cNvPr id="11" name="텍스트 상자 10"/>
+          <p:cNvSpPr txBox="1">
+            <a:spLocks/>
+          </p:cNvSpPr>
+          <p:nvPr/>
+        </p:nvSpPr>
+        <p:spPr>
+          <a:xfrm rot="0">
+            <a:off x="8703945" y="2595880"/>
+            <a:ext cx="2513965" cy="1200785"/>
+          </a:xfrm>
+          <a:prstGeom prst="rect"/>
+        </p:spPr>
+        <p:style>
+          <a:lnRef idx="2">
+            <a:schemeClr val="accent6">
+              <a:shade val="50000"/>
+            </a:schemeClr>
+          </a:lnRef>
+          <a:fillRef idx="1">
+            <a:schemeClr val="accent6"/>
+          </a:fillRef>
+          <a:effectRef idx="0">
+            <a:schemeClr val="accent6"/>
+          </a:effectRef>
+          <a:fontRef idx="minor">
+            <a:schemeClr val="lt1"/>
+          </a:fontRef>
+        </p:style>
+        <p:txBody>
+          <a:bodyPr wrap="square" lIns="89535" tIns="46355" rIns="89535" bIns="46355" vert="horz" anchor="t">
+            <a:spAutoFit/>
+          </a:bodyPr>
+          <a:lstStyle/>
+          <a:p>
+            <a:pPr marL="0" indent="0" algn="l" defTabSz="914400" eaLnBrk="1" latinLnBrk="1" hangingPunct="1">
+              <a:buFontTx/>
+              <a:buNone/>
+            </a:pPr>
+            <a:r>
+              <a:rPr lang="ko-KR" sz="1800">
+                <a:latin typeface="맑은 고딕" charset="0"/>
+                <a:ea typeface="맑은 고딕" charset="0"/>
+              </a:rPr>
+              <a:t>Book.class</a:t>
+            </a:r>
+            <a:endParaRPr lang="ko-KR" altLang="en-US" sz="1800">
+              <a:latin typeface="맑은 고딕" charset="0"/>
+              <a:ea typeface="맑은 고딕" charset="0"/>
+            </a:endParaRPr>
+          </a:p>
+          <a:p>
+            <a:pPr marL="0" indent="0" algn="l" defTabSz="914400" eaLnBrk="1" latinLnBrk="1" hangingPunct="1">
+              <a:buFontTx/>
+              <a:buNone/>
+            </a:pPr>
+            <a:r>
+              <a:rPr lang="ko-KR" sz="1800">
+                <a:latin typeface="맑은 고딕" charset="0"/>
+                <a:ea typeface="맑은 고딕" charset="0"/>
+              </a:rPr>
+              <a:t>Member.class</a:t>
+            </a:r>
+            <a:endParaRPr lang="ko-KR" altLang="en-US" sz="1800">
+              <a:latin typeface="맑은 고딕" charset="0"/>
+              <a:ea typeface="맑은 고딕" charset="0"/>
+            </a:endParaRPr>
+          </a:p>
+          <a:p>
+            <a:pPr marL="0" indent="0" algn="l" defTabSz="914400" eaLnBrk="1" latinLnBrk="1" hangingPunct="1">
+              <a:buFontTx/>
+              <a:buNone/>
+            </a:pPr>
+            <a:r>
+              <a:rPr lang="ko-KR" sz="1800">
+                <a:latin typeface="맑은 고딕" charset="0"/>
+                <a:ea typeface="맑은 고딕" charset="0"/>
+              </a:rPr>
+              <a:t>TransInfo.class</a:t>
+            </a:r>
+            <a:endParaRPr lang="ko-KR" altLang="en-US" sz="1800">
+              <a:latin typeface="맑은 고딕" charset="0"/>
+              <a:ea typeface="맑은 고딕" charset="0"/>
+            </a:endParaRPr>
+          </a:p>
+          <a:p>
+            <a:pPr marL="0" indent="0" algn="l" defTabSz="914400" eaLnBrk="1" latinLnBrk="1" hangingPunct="1">
+              <a:buFontTx/>
+              <a:buNone/>
+            </a:pPr>
+            <a:r>
+              <a:rPr lang="ko-KR" sz="1800">
+                <a:latin typeface="맑은 고딕" charset="0"/>
+                <a:ea typeface="맑은 고딕" charset="0"/>
+              </a:rPr>
+              <a:t>...</a:t>
+            </a:r>
+            <a:endParaRPr lang="ko-KR" altLang="en-US" sz="1800">
+              <a:latin typeface="맑은 고딕" charset="0"/>
+              <a:ea typeface="맑은 고딕" charset="0"/>
+            </a:endParaRPr>
+          </a:p>
+        </p:txBody>
+      </p:sp>
+    </p:spTree>
+  </p:cSld>
+  <p:clrMapOvr>
+    <a:masterClrMapping/>
+  </p:clrMapOvr>
+  <mc:AlternateContent xmlns:mc="http://schemas.openxmlformats.org/markup-compatibility/2006">
+    <mc:Choice xmlns:p14="http://schemas.microsoft.com/office/powerpoint/2010/main" Requires="p14">
+      <p:transition spd="slow" p14:dur="2000"/>
+    </mc:Choice>
+    <mc:Fallback>
+      <p:transition spd="slow"/>
+    </mc:Fallback>
+  </mc:AlternateContent>
+  <p:timing>
+    <p:tnLst>
+      <p:par>
+        <p:cTn id="1" dur="indefinite" restart="never" nodeType="tmRoot"/>
+      </p:par>
+    </p:tnLst>
+  </p:timing>
+</p:sld>
+</file>
+
+<file path=ppt/slides/slide13.xml><?xml version="1.0" encoding="utf-8"?>
+<p:sld xmlns:a="http://schemas.openxmlformats.org/drawingml/2006/main" xmlns:r="http://schemas.openxmlformats.org/officeDocument/2006/relationships" xmlns:p="http://schemas.openxmlformats.org/presentationml/2006/main" xmlns:p14="http://schemas.microsoft.com/office/powerpoint/2010/main">
+  <p:cSld>
+    <p:spTree>
+      <p:nvGrpSpPr>
+        <p:cNvPr id="1" name=""/>
+        <p:cNvGrpSpPr/>
+        <p:nvPr/>
+      </p:nvGrpSpPr>
+      <p:grpSpPr>
+        <a:xfrm>
+          <a:off x="0" y="0"/>
+          <a:ext cx="0" cy="0"/>
+          <a:chOff x="0" y="0"/>
+          <a:chExt cx="0" cy="0"/>
+        </a:xfrm>
+      </p:grpSpPr>
+      <p:sp>
+        <p:nvSpPr>
+          <p:cNvPr id="2" name="텍스트 개체 틀 1"/>
+          <p:cNvSpPr txBox="1">
+            <a:spLocks/>
+          </p:cNvSpPr>
+          <p:nvPr>
+            <p:ph type="title"/>
+          </p:nvPr>
+        </p:nvSpPr>
+        <p:spPr>
+          <a:xfrm>
+            <a:off x="769620" y="188595"/>
+            <a:ext cx="10517505" cy="813435"/>
+          </a:xfrm>
+          <a:prstGeom prst="rect"/>
+        </p:spPr>
+        <p:txBody>
+          <a:bodyPr wrap="square" lIns="91440" tIns="45720" rIns="91440" bIns="45720" numCol="1" vert="horz" anchor="ctr">
+            <a:normAutofit fontScale="100000" lnSpcReduction="0"/>
+          </a:bodyPr>
+          <a:lstStyle/>
+          <a:p>
+            <a:pPr marL="0" indent="0" algn="ctr" defTabSz="914400" eaLnBrk="1" latinLnBrk="1" hangingPunct="1">
+              <a:lnSpc>
+                <a:spcPct val="90000"/>
+              </a:lnSpc>
+              <a:spcBef>
+                <a:spcPts val="0"/>
+              </a:spcBef>
+              <a:spcAft>
+                <a:spcPts val="0"/>
+              </a:spcAft>
+              <a:buFontTx/>
+              <a:buNone/>
+            </a:pPr>
+            <a:r>
+              <a:rPr lang="ko-KR" sz="2800" b="1">
+                <a:latin typeface="맑은 고딕" charset="0"/>
+                <a:ea typeface="맑은 고딕" charset="0"/>
+              </a:rPr>
+              <a:t>구현과정3</a:t>
+            </a:r>
+            <a:endParaRPr lang="ko-KR" altLang="en-US" sz="4400">
+              <a:latin typeface="맑은 고딕" charset="0"/>
+              <a:ea typeface="Arial" charset="0"/>
+              <a:cs typeface="+mj-cs"/>
+            </a:endParaRPr>
+          </a:p>
+        </p:txBody>
+      </p:sp>
+      <p:sp>
+        <p:nvSpPr>
+          <p:cNvPr id="3" name="내용 개체 틀 2"/>
+          <p:cNvSpPr txBox="1">
+            <a:spLocks/>
+          </p:cNvSpPr>
+          <p:nvPr>
+            <p:ph type="obj" idx="1"/>
+          </p:nvPr>
+        </p:nvSpPr>
+        <p:spPr>
+          <a:xfrm rot="0">
+            <a:off x="838200" y="1825625"/>
+            <a:ext cx="10516870" cy="4352925"/>
+          </a:xfrm>
+          <a:prstGeom prst="rect"/>
+        </p:spPr>
+        <p:txBody>
+          <a:bodyPr wrap="square" lIns="91440" tIns="45720" rIns="91440" bIns="45720" numCol="1" vert="horz" anchor="t">
+            <a:normAutofit fontScale="100000" lnSpcReduction="0"/>
+          </a:bodyPr>
+          <a:lstStyle/>
+          <a:p>
+            <a:pPr marL="228600" indent="-228600" algn="l" defTabSz="914400" eaLnBrk="1" latinLnBrk="1" hangingPunct="1">
+              <a:lnSpc>
+                <a:spcPct val="90000"/>
+              </a:lnSpc>
+              <a:spcBef>
+                <a:spcPts val="1000"/>
+              </a:spcBef>
+              <a:buFont typeface="Arial"/>
+              <a:buChar char="•"/>
+            </a:pPr>
+            <a:r>
+              <a:rPr lang="ko-KR" altLang="en-US" sz="2800">
+                <a:latin typeface="맑은 고딕" charset="0"/>
+                <a:ea typeface="맑은 고딕" charset="0"/>
+                <a:cs typeface="+mn-cs"/>
+              </a:rPr>
+              <a:t>객체지향 설계로 얻은 이점</a:t>
+            </a:r>
+            <a:endParaRPr lang="ko-KR" altLang="en-US" sz="2800">
+              <a:latin typeface="맑은 고딕" charset="0"/>
+              <a:ea typeface="맑은 고딕" charset="0"/>
+              <a:cs typeface="+mn-cs"/>
+            </a:endParaRPr>
+          </a:p>
+          <a:p>
+            <a:pPr marL="228600" indent="-228600" algn="l" defTabSz="914400" eaLnBrk="1" latinLnBrk="1" hangingPunct="1">
+              <a:lnSpc>
+                <a:spcPct val="90000"/>
+              </a:lnSpc>
+              <a:spcBef>
+                <a:spcPts val="1000"/>
+              </a:spcBef>
+              <a:buFont typeface="Arial"/>
+              <a:buChar char="•"/>
+            </a:pPr>
+            <a:endParaRPr lang="ko-KR" altLang="en-US" sz="2800">
+              <a:latin typeface="맑은 고딕" charset="0"/>
+              <a:ea typeface="맑은 고딕" charset="0"/>
+              <a:cs typeface="+mn-cs"/>
+            </a:endParaRPr>
+          </a:p>
+          <a:p>
+            <a:pPr marL="228600" indent="-228600" algn="l" defTabSz="914400" eaLnBrk="1" latinLnBrk="1" hangingPunct="1">
+              <a:lnSpc>
+                <a:spcPct val="90000"/>
+              </a:lnSpc>
+              <a:spcBef>
+                <a:spcPts val="1000"/>
+              </a:spcBef>
+              <a:buFont typeface="Arial"/>
+              <a:buChar char="•"/>
+            </a:pPr>
+            <a:r>
+              <a:rPr lang="ko-KR" altLang="en-US" sz="2800">
+                <a:latin typeface="맑은 고딕" charset="0"/>
+                <a:ea typeface="맑은 고딕" charset="0"/>
+                <a:cs typeface="+mn-cs"/>
+              </a:rPr>
+              <a:t>프로그램 구조가 체계적이고 구체적으로 되어있어 기능 추가, 오류 수정등이 간편함</a:t>
+            </a:r>
+            <a:endParaRPr lang="ko-KR" altLang="en-US" sz="2800">
+              <a:latin typeface="맑은 고딕" charset="0"/>
+              <a:ea typeface="맑은 고딕" charset="0"/>
+              <a:cs typeface="+mn-cs"/>
+            </a:endParaRPr>
+          </a:p>
+          <a:p>
+            <a:pPr marL="228600" indent="-228600" algn="l" defTabSz="914400" eaLnBrk="1" latinLnBrk="1" hangingPunct="1">
+              <a:lnSpc>
+                <a:spcPct val="90000"/>
+              </a:lnSpc>
+              <a:spcBef>
+                <a:spcPts val="1000"/>
+              </a:spcBef>
+              <a:buFont typeface="Arial"/>
+              <a:buChar char="•"/>
+            </a:pPr>
+            <a:endParaRPr lang="ko-KR" altLang="en-US" sz="2800">
+              <a:latin typeface="맑은 고딕" charset="0"/>
+              <a:ea typeface="맑은 고딕" charset="0"/>
+              <a:cs typeface="+mn-cs"/>
+            </a:endParaRPr>
+          </a:p>
+          <a:p>
+            <a:pPr marL="228600" indent="-228600" algn="l" defTabSz="914400" eaLnBrk="1" latinLnBrk="1" hangingPunct="1">
+              <a:lnSpc>
+                <a:spcPct val="90000"/>
+              </a:lnSpc>
+              <a:spcBef>
+                <a:spcPts val="1000"/>
+              </a:spcBef>
+              <a:buFont typeface="Arial"/>
+              <a:buChar char="•"/>
+            </a:pPr>
+            <a:r>
+              <a:rPr lang="ko-KR" altLang="en-US" sz="2800">
+                <a:latin typeface="맑은 고딕" charset="0"/>
+                <a:ea typeface="맑은 고딕" charset="0"/>
+                <a:cs typeface="+mn-cs"/>
+              </a:rPr>
+              <a:t>각자 기능을 맡아서 구현하기때문에 서로 충돌하거나 중복될일이 없어 효율적임</a:t>
+            </a:r>
+            <a:endParaRPr lang="ko-KR" altLang="en-US" sz="2800">
+              <a:latin typeface="맑은 고딕" charset="0"/>
+              <a:ea typeface="맑은 고딕" charset="0"/>
+              <a:cs typeface="+mn-cs"/>
+            </a:endParaRPr>
+          </a:p>
+        </p:txBody>
+      </p:sp>
+      <p:sp>
+        <p:nvSpPr>
+          <p:cNvPr id="14" name="Rect 0"/>
+          <p:cNvSpPr txBox="1">
+            <a:spLocks/>
+          </p:cNvSpPr>
+          <p:nvPr>
+            <p:ph type="ftr" idx="11"/>
+          </p:nvPr>
+        </p:nvSpPr>
+        <p:spPr>
+          <a:xfrm rot="0">
+            <a:off x="4038600" y="6356350"/>
+            <a:ext cx="4116070" cy="366395"/>
+          </a:xfrm>
+          <a:prstGeom prst="rect"/>
+        </p:spPr>
+        <p:txBody>
+          <a:bodyPr wrap="square" lIns="91440" tIns="45720" rIns="91440" bIns="45720" vert="horz" anchor="ctr">
+            <a:noAutofit/>
+          </a:bodyPr>
+          <a:lstStyle/>
+          <a:p>
+            <a:pPr marL="0" indent="0" algn="ctr" defTabSz="914400" eaLnBrk="1" latinLnBrk="1" hangingPunct="1">
+              <a:lnSpc>
+                <a:spcPct val="100000"/>
+              </a:lnSpc>
+              <a:spcBef>
+                <a:spcPts val="0"/>
+              </a:spcBef>
+              <a:spcAft>
+                <a:spcPts val="0"/>
+              </a:spcAft>
+              <a:buFontTx/>
+              <a:buNone/>
+            </a:pPr>
+            <a:r>
+              <a:rPr sz="1200">
+                <a:latin typeface="맑은 고딕" charset="0"/>
+                <a:ea typeface="Arial" charset="0"/>
+                <a:cs typeface="+mn-cs"/>
+              </a:rPr>
+              <a:t>국내 여행 스마트 예매 시스템 - 가보자</a:t>
+            </a:r>
+            <a:endParaRPr lang="ko-KR" altLang="en-US" sz="1200">
+              <a:latin typeface="맑은 고딕" charset="0"/>
+              <a:ea typeface="Arial" charset="0"/>
+              <a:cs typeface="+mn-cs"/>
+            </a:endParaRPr>
+          </a:p>
+        </p:txBody>
+      </p:sp>
+    </p:spTree>
+  </p:cSld>
+  <p:clrMapOvr>
+    <a:masterClrMapping/>
+  </p:clrMapOvr>
+  <mc:AlternateContent xmlns:mc="http://schemas.openxmlformats.org/markup-compatibility/2006">
+    <mc:Choice xmlns:p14="http://schemas.microsoft.com/office/powerpoint/2010/main" Requires="p14">
+      <p:transition spd="slow" p14:dur="2000"/>
+    </mc:Choice>
+    <mc:Fallback>
+      <p:transition spd="slow"/>
+    </mc:Fallback>
+  </mc:AlternateContent>
+  <p:timing>
+    <p:tnLst>
+      <p:par>
+        <p:cTn id="1" dur="indefinite" restart="never" nodeType="tmRoot"/>
+      </p:par>
+    </p:tnLst>
+  </p:timing>
+</p:sld>
+</file>
+
+<file path=ppt/slides/slide14.xml><?xml version="1.0" encoding="utf-8"?>
+<p:sld xmlns:a="http://schemas.openxmlformats.org/drawingml/2006/main" xmlns:r="http://schemas.openxmlformats.org/officeDocument/2006/relationships" xmlns:p="http://schemas.openxmlformats.org/presentationml/2006/main" xmlns:p14="http://schemas.microsoft.com/office/powerpoint/2010/main">
+  <p:cSld>
+    <p:spTree>
+      <p:nvGrpSpPr>
+        <p:cNvPr id="1" name=""/>
+        <p:cNvGrpSpPr/>
+        <p:nvPr/>
+      </p:nvGrpSpPr>
+      <p:grpSpPr>
+        <a:xfrm>
+          <a:off x="0" y="0"/>
+          <a:ext cx="0" cy="0"/>
+          <a:chOff x="0" y="0"/>
+          <a:chExt cx="0" cy="0"/>
+        </a:xfrm>
+      </p:grpSpPr>
+      <p:sp>
+        <p:nvSpPr>
+          <p:cNvPr id="2" name="텍스트 개체 틀 1"/>
+          <p:cNvSpPr txBox="1">
+            <a:spLocks/>
+          </p:cNvSpPr>
+          <p:nvPr>
+            <p:ph type="title"/>
+          </p:nvPr>
+        </p:nvSpPr>
+        <p:spPr>
+          <a:xfrm>
+            <a:off x="838200" y="365125"/>
+            <a:ext cx="10517505" cy="1068705"/>
+          </a:xfrm>
+          <a:prstGeom prst="rect"/>
+        </p:spPr>
+        <p:txBody>
+          <a:bodyPr wrap="square" lIns="91440" tIns="45720" rIns="91440" bIns="45720" numCol="1" vert="horz" anchor="ctr">
+            <a:normAutofit fontScale="100000" lnSpcReduction="0"/>
+          </a:bodyPr>
+          <a:lstStyle/>
+          <a:p>
+            <a:pPr marL="0" indent="0" algn="l" defTabSz="914400" eaLnBrk="1" latinLnBrk="1" hangingPunct="1">
+              <a:lnSpc>
+                <a:spcPct val="90000"/>
+              </a:lnSpc>
+              <a:spcBef>
+                <a:spcPts val="0"/>
+              </a:spcBef>
+              <a:spcAft>
+                <a:spcPts val="0"/>
+              </a:spcAft>
+              <a:buFontTx/>
+              <a:buNone/>
+            </a:pPr>
+            <a:r>
+              <a:rPr sz="4800" b="1">
+                <a:latin typeface="맑은 고딕" charset="0"/>
+                <a:ea typeface="맑은 고딕" charset="0"/>
+              </a:rPr>
+              <a:t>구현 </a:t>
+            </a:r>
+            <a:r>
+              <a:rPr lang="ko-KR" sz="4800" b="1">
+                <a:latin typeface="맑은 고딕" charset="0"/>
+                <a:ea typeface="맑은 고딕" charset="0"/>
+              </a:rPr>
+              <a:t>내용 (시연 영상)</a:t>
+            </a:r>
+            <a:endParaRPr lang="ko-KR" altLang="en-US" sz="4800" b="1">
+              <a:latin typeface="맑은 고딕" charset="0"/>
+              <a:ea typeface="맑은 고딕" charset="0"/>
+            </a:endParaRPr>
+          </a:p>
+        </p:txBody>
+      </p:sp>
+      <p:sp>
+        <p:nvSpPr>
+          <p:cNvPr id="3" name="내용 개체 틀 2"/>
+          <p:cNvSpPr txBox="1">
+            <a:spLocks/>
+          </p:cNvSpPr>
+          <p:nvPr>
+            <p:ph type="obj" idx="1"/>
+          </p:nvPr>
+        </p:nvSpPr>
+        <p:spPr>
+          <a:xfrm>
+            <a:off x="838200" y="1431925"/>
+            <a:ext cx="10517505" cy="4747260"/>
+          </a:xfrm>
+          <a:prstGeom prst="rect"/>
+        </p:spPr>
+        <p:txBody>
+          <a:bodyPr wrap="square" lIns="91440" tIns="45720" rIns="91440" bIns="45720" numCol="1" vert="horz" anchor="t">
+            <a:normAutofit fontScale="100000" lnSpcReduction="0"/>
+          </a:bodyPr>
+          <a:lstStyle/>
+          <a:p>
+            <a:pPr marL="228600" indent="-228600" algn="l" defTabSz="914400" eaLnBrk="1" latinLnBrk="1" hangingPunct="1">
+              <a:lnSpc>
+                <a:spcPct val="90000"/>
+              </a:lnSpc>
+              <a:spcBef>
+                <a:spcPts val="1000"/>
+              </a:spcBef>
+              <a:spcAft>
+                <a:spcPts val="0"/>
+              </a:spcAft>
+              <a:buFont typeface="Arial"/>
+              <a:buChar char="•"/>
+            </a:pPr>
+            <a:r>
+              <a:rPr lang="ko-KR" altLang="en-US" sz="2800">
+                <a:latin typeface="맑은 고딕" charset="0"/>
+                <a:ea typeface="Arial" charset="0"/>
+                <a:cs typeface="+mn-cs"/>
+              </a:rPr>
+              <a:t> </a:t>
+            </a:r>
+            <a:r>
+              <a:rPr sz="2800" b="1">
+                <a:latin typeface="맑은 고딕" charset="0"/>
+                <a:ea typeface="맑은 고딕" charset="0"/>
+              </a:rPr>
+              <a:t>시연 영상</a:t>
+            </a:r>
+            <a:endParaRPr lang="ko-KR" altLang="en-US" sz="2800" b="1">
+              <a:latin typeface="맑은 고딕" charset="0"/>
+              <a:ea typeface="맑은 고딕" charset="0"/>
+            </a:endParaRPr>
+          </a:p>
+          <a:p>
+            <a:pPr marL="228600" indent="-228600" algn="l" defTabSz="914400" eaLnBrk="1" latinLnBrk="1" hangingPunct="1">
+              <a:lnSpc>
+                <a:spcPct val="90000"/>
+              </a:lnSpc>
+              <a:spcBef>
+                <a:spcPts val="1000"/>
+              </a:spcBef>
+              <a:spcAft>
+                <a:spcPts val="0"/>
+              </a:spcAft>
+              <a:buFont typeface="Arial"/>
+              <a:buChar char="•"/>
+            </a:pPr>
+            <a:r>
+              <a:rPr lang="ko-KR" sz="2800" b="1">
+                <a:latin typeface="맑은 고딕" charset="0"/>
+                <a:ea typeface="맑은 고딕" charset="0"/>
+              </a:rPr>
+              <a:t> 회원가입-&gt;로그인</a:t>
+            </a:r>
+            <a:endParaRPr lang="ko-KR" altLang="en-US" sz="2800" b="1">
+              <a:latin typeface="맑은 고딕" charset="0"/>
+              <a:ea typeface="맑은 고딕" charset="0"/>
+            </a:endParaRPr>
+          </a:p>
+          <a:p>
+            <a:pPr marL="228600" indent="-228600" algn="l" defTabSz="914400" eaLnBrk="1" latinLnBrk="1" hangingPunct="1">
+              <a:lnSpc>
+                <a:spcPct val="90000"/>
+              </a:lnSpc>
+              <a:spcBef>
+                <a:spcPts val="1000"/>
+              </a:spcBef>
+              <a:spcAft>
+                <a:spcPts val="0"/>
+              </a:spcAft>
+              <a:buFont typeface="Arial"/>
+              <a:buChar char="•"/>
+            </a:pPr>
+            <a:r>
+              <a:rPr lang="ko-KR" sz="2800" b="1">
+                <a:latin typeface="맑은 고딕" charset="0"/>
+                <a:ea typeface="맑은 고딕" charset="0"/>
+              </a:rPr>
+              <a:t> 예매하기-&gt;출발지 목적지 선택</a:t>
+            </a:r>
+            <a:endParaRPr lang="ko-KR" altLang="en-US" sz="2800" b="1">
+              <a:latin typeface="맑은 고딕" charset="0"/>
+              <a:ea typeface="맑은 고딕" charset="0"/>
+            </a:endParaRPr>
+          </a:p>
+          <a:p>
+            <a:pPr marL="228600" indent="-228600" algn="l" defTabSz="914400" eaLnBrk="1" latinLnBrk="1" hangingPunct="1">
+              <a:lnSpc>
+                <a:spcPct val="90000"/>
+              </a:lnSpc>
+              <a:spcBef>
+                <a:spcPts val="1000"/>
+              </a:spcBef>
+              <a:spcAft>
+                <a:spcPts val="0"/>
+              </a:spcAft>
+              <a:buFont typeface="Arial"/>
+              <a:buChar char="•"/>
+            </a:pPr>
+            <a:r>
+              <a:rPr lang="ko-KR" sz="2800" b="1">
+                <a:latin typeface="맑은 고딕" charset="0"/>
+                <a:ea typeface="맑은 고딕" charset="0"/>
+              </a:rPr>
+              <a:t> 결제하기-&gt;DB에 연동</a:t>
+            </a:r>
+            <a:endParaRPr lang="ko-KR" altLang="en-US" sz="2800" b="1">
+              <a:latin typeface="맑은 고딕" charset="0"/>
+              <a:ea typeface="맑은 고딕" charset="0"/>
+            </a:endParaRPr>
+          </a:p>
+          <a:p>
+            <a:pPr marL="228600" indent="-228600" algn="l" defTabSz="914400" eaLnBrk="1" latinLnBrk="1" hangingPunct="1">
+              <a:lnSpc>
+                <a:spcPct val="90000"/>
+              </a:lnSpc>
+              <a:spcBef>
+                <a:spcPts val="1000"/>
+              </a:spcBef>
+              <a:spcAft>
+                <a:spcPts val="0"/>
+              </a:spcAft>
+              <a:buFont typeface="Arial"/>
+              <a:buChar char="•"/>
+            </a:pPr>
+            <a:r>
+              <a:rPr lang="ko-KR" sz="2800" b="1">
+                <a:latin typeface="맑은 고딕" charset="0"/>
+                <a:ea typeface="맑은 고딕" charset="0"/>
+              </a:rPr>
+              <a:t> 예매내용 확인 </a:t>
+            </a:r>
+            <a:endParaRPr lang="ko-KR" altLang="en-US" sz="2800" b="1">
+              <a:latin typeface="맑은 고딕" charset="0"/>
+              <a:ea typeface="맑은 고딕" charset="0"/>
+            </a:endParaRPr>
+          </a:p>
+          <a:p>
+            <a:pPr marL="228600" indent="-228600" algn="l" defTabSz="914400" eaLnBrk="1" latinLnBrk="1" hangingPunct="1">
+              <a:lnSpc>
+                <a:spcPct val="90000"/>
+              </a:lnSpc>
+              <a:spcBef>
+                <a:spcPts val="1000"/>
+              </a:spcBef>
+              <a:spcAft>
+                <a:spcPts val="0"/>
+              </a:spcAft>
+              <a:buFont typeface="Arial"/>
+              <a:buChar char="•"/>
+            </a:pPr>
+            <a:r>
+              <a:rPr lang="ko-KR" sz="2800" b="1">
+                <a:latin typeface="맑은 고딕" charset="0"/>
+                <a:ea typeface="맑은 고딕" charset="0"/>
+              </a:rPr>
+              <a:t> 예매취소</a:t>
+            </a:r>
+            <a:endParaRPr lang="ko-KR" altLang="en-US" sz="2800" b="1">
+              <a:latin typeface="맑은 고딕" charset="0"/>
+              <a:ea typeface="맑은 고딕" charset="0"/>
+            </a:endParaRPr>
+          </a:p>
+          <a:p>
+            <a:pPr marL="228600" indent="-228600" algn="l" defTabSz="914400" eaLnBrk="1" latinLnBrk="1" hangingPunct="1">
+              <a:lnSpc>
+                <a:spcPct val="90000"/>
+              </a:lnSpc>
+              <a:spcBef>
+                <a:spcPts val="1000"/>
+              </a:spcBef>
+              <a:spcAft>
+                <a:spcPts val="0"/>
+              </a:spcAft>
+              <a:buFont typeface="Arial"/>
+              <a:buChar char="•"/>
+            </a:pPr>
+            <a:r>
+              <a:rPr lang="ko-KR" sz="2800" b="1">
+                <a:latin typeface="맑은 고딕" charset="0"/>
+                <a:ea typeface="맑은 고딕" charset="0"/>
+              </a:rPr>
+              <a:t> 회원정보 수정</a:t>
+            </a:r>
+            <a:endParaRPr lang="ko-KR" altLang="en-US" sz="2800" b="1">
+              <a:latin typeface="맑은 고딕" charset="0"/>
+              <a:ea typeface="맑은 고딕" charset="0"/>
+            </a:endParaRPr>
+          </a:p>
+          <a:p>
+            <a:pPr marL="228600" indent="-228600" algn="l" defTabSz="914400" eaLnBrk="1" latinLnBrk="1" hangingPunct="1">
+              <a:lnSpc>
+                <a:spcPct val="90000"/>
+              </a:lnSpc>
+              <a:spcBef>
+                <a:spcPts val="1000"/>
+              </a:spcBef>
+              <a:spcAft>
+                <a:spcPts val="0"/>
+              </a:spcAft>
+              <a:buFont typeface="Arial"/>
+              <a:buChar char="•"/>
+            </a:pPr>
+            <a:r>
+              <a:rPr lang="ko-KR" sz="2800" b="1">
+                <a:latin typeface="맑은 고딕" charset="0"/>
+                <a:ea typeface="맑은 고딕" charset="0"/>
+              </a:rPr>
+              <a:t> 회원탈퇴</a:t>
+            </a:r>
+            <a:endParaRPr lang="ko-KR" altLang="en-US" sz="2800" b="1">
+              <a:latin typeface="맑은 고딕" charset="0"/>
+              <a:ea typeface="맑은 고딕" charset="0"/>
+            </a:endParaRPr>
+          </a:p>
+          <a:p>
+            <a:pPr marL="0" indent="0" algn="l" defTabSz="914400" eaLnBrk="1" latinLnBrk="1" hangingPunct="1">
+              <a:lnSpc>
+                <a:spcPct val="90000"/>
+              </a:lnSpc>
+              <a:spcBef>
+                <a:spcPts val="1000"/>
+              </a:spcBef>
+              <a:spcAft>
+                <a:spcPts val="0"/>
+              </a:spcAft>
+              <a:buFontTx/>
+              <a:buNone/>
+            </a:pPr>
+            <a:endParaRPr lang="ko-KR" altLang="en-US" sz="2800" b="1">
+              <a:latin typeface="맑은 고딕" charset="0"/>
+              <a:ea typeface="맑은 고딕" charset="0"/>
+            </a:endParaRPr>
+          </a:p>
+        </p:txBody>
+      </p:sp>
+      <p:sp>
+        <p:nvSpPr>
+          <p:cNvPr id="4" name="Rect 0"/>
+          <p:cNvSpPr txBox="1">
+            <a:spLocks/>
+          </p:cNvSpPr>
+          <p:nvPr>
+            <p:ph type="ftr" idx="11"/>
+          </p:nvPr>
+        </p:nvSpPr>
+        <p:spPr>
+          <a:xfrm rot="0">
+            <a:off x="4038600" y="6356350"/>
+            <a:ext cx="4116070" cy="366395"/>
+          </a:xfrm>
+          <a:prstGeom prst="rect"/>
+        </p:spPr>
+        <p:txBody>
+          <a:bodyPr wrap="square" lIns="91440" tIns="45720" rIns="91440" bIns="45720" vert="horz" anchor="ctr">
+            <a:noAutofit/>
+          </a:bodyPr>
+          <a:lstStyle/>
+          <a:p>
+            <a:pPr marL="0" indent="0" algn="ctr" defTabSz="914400" eaLnBrk="1" latinLnBrk="1" hangingPunct="1">
+              <a:lnSpc>
+                <a:spcPct val="100000"/>
+              </a:lnSpc>
+              <a:spcBef>
+                <a:spcPts val="0"/>
+              </a:spcBef>
+              <a:spcAft>
+                <a:spcPts val="0"/>
+              </a:spcAft>
+              <a:buFontTx/>
+              <a:buNone/>
+            </a:pPr>
+            <a:r>
+              <a:rPr sz="1200">
+                <a:latin typeface="맑은 고딕" charset="0"/>
+                <a:ea typeface="Arial" charset="0"/>
+                <a:cs typeface="+mn-cs"/>
+              </a:rPr>
+              <a:t>국내 여행 스마트 예매 시스템 - 가보자</a:t>
+            </a:r>
+            <a:endParaRPr lang="ko-KR" altLang="en-US" sz="1200">
+              <a:latin typeface="맑은 고딕" charset="0"/>
+              <a:ea typeface="Arial" charset="0"/>
+              <a:cs typeface="+mn-cs"/>
+            </a:endParaRPr>
+          </a:p>
+        </p:txBody>
+      </p:sp>
+    </p:spTree>
+  </p:cSld>
+  <p:clrMapOvr>
+    <a:masterClrMapping/>
+  </p:clrMapOvr>
+  <mc:AlternateContent xmlns:mc="http://schemas.openxmlformats.org/markup-compatibility/2006">
+    <mc:Choice xmlns:p14="http://schemas.microsoft.com/office/powerpoint/2010/main" Requires="p14">
+      <p:transition spd="slow" p14:dur="2000"/>
+    </mc:Choice>
+    <mc:Fallback>
+      <p:transition spd="slow"/>
+    </mc:Fallback>
+  </mc:AlternateContent>
+  <p:timing>
+    <p:tnLst>
+      <p:par>
+        <p:cTn id="1" dur="indefinite" restart="never" nodeType="tmRoot"/>
+      </p:par>
+    </p:tnLst>
+  </p:timing>
+</p:sld>
+</file>
+
+<file path=ppt/slides/slide15.xml><?xml version="1.0" encoding="utf-8"?>
+<p:sld xmlns:a="http://schemas.openxmlformats.org/drawingml/2006/main" xmlns:r="http://schemas.openxmlformats.org/officeDocument/2006/relationships" xmlns:p="http://schemas.openxmlformats.org/presentationml/2006/main" xmlns:p14="http://schemas.microsoft.com/office/powerpoint/2010/main">
+  <p:cSld>
+    <p:spTree>
+      <p:nvGrpSpPr>
+        <p:cNvPr id="1" name=""/>
+        <p:cNvGrpSpPr/>
+        <p:nvPr/>
+      </p:nvGrpSpPr>
+      <p:grpSpPr>
+        <a:xfrm>
+          <a:off x="0" y="0"/>
+          <a:ext cx="0" cy="0"/>
+          <a:chOff x="0" y="0"/>
+          <a:chExt cx="0" cy="0"/>
+        </a:xfrm>
+      </p:grpSpPr>
+      <p:sp>
+        <p:nvSpPr>
+          <p:cNvPr id="2" name="텍스트 개체 틀 1"/>
+          <p:cNvSpPr txBox="1">
+            <a:spLocks/>
+          </p:cNvSpPr>
+          <p:nvPr>
+            <p:ph type="title"/>
+          </p:nvPr>
+        </p:nvSpPr>
+        <p:spPr>
+          <a:xfrm rot="0">
+            <a:off x="838200" y="201930"/>
+            <a:ext cx="10516870" cy="1092835"/>
+          </a:xfrm>
+          <a:prstGeom prst="rect"/>
+        </p:spPr>
+        <p:txBody>
+          <a:bodyPr wrap="square" lIns="91440" tIns="45720" rIns="91440" bIns="45720" numCol="1" vert="horz" anchor="ctr">
+            <a:normAutofit fontScale="100000" lnSpcReduction="0"/>
+          </a:bodyPr>
+          <a:lstStyle/>
+          <a:p>
+            <a:pPr marL="0" indent="0" algn="l" defTabSz="914400" eaLnBrk="1" latinLnBrk="1" hangingPunct="1">
+              <a:lnSpc>
+                <a:spcPct val="90000"/>
+              </a:lnSpc>
+              <a:spcBef>
+                <a:spcPts val="0"/>
+              </a:spcBef>
+              <a:spcAft>
+                <a:spcPts val="0"/>
+              </a:spcAft>
+              <a:buFontTx/>
+              <a:buNone/>
+            </a:pPr>
+            <a:r>
+              <a:rPr sz="4800" b="1">
+                <a:latin typeface="맑은 고딕" charset="0"/>
+                <a:ea typeface="맑은 고딕" charset="0"/>
+              </a:rPr>
+              <a:t>기대효과 </a:t>
+            </a:r>
+            <a:endParaRPr lang="ko-KR" altLang="en-US" sz="4800" b="1">
+              <a:latin typeface="맑은 고딕" charset="0"/>
+              <a:ea typeface="맑은 고딕" charset="0"/>
+            </a:endParaRPr>
+          </a:p>
+        </p:txBody>
+      </p:sp>
+      <p:sp>
+        <p:nvSpPr>
+          <p:cNvPr id="3" name="내용 개체 틀 2"/>
+          <p:cNvSpPr txBox="1">
+            <a:spLocks/>
+          </p:cNvSpPr>
+          <p:nvPr>
+            <p:ph type="obj" idx="1"/>
+          </p:nvPr>
+        </p:nvSpPr>
+        <p:spPr>
+          <a:xfrm rot="0">
+            <a:off x="838200" y="1825625"/>
+            <a:ext cx="10516870" cy="4819015"/>
+          </a:xfrm>
+          <a:prstGeom prst="rect"/>
+        </p:spPr>
+        <p:txBody>
+          <a:bodyPr wrap="square" lIns="91440" tIns="45720" rIns="91440" bIns="45720" numCol="1" vert="horz" anchor="t">
+            <a:normAutofit fontScale="100000" lnSpcReduction="0"/>
+          </a:bodyPr>
+          <a:lstStyle/>
+          <a:p>
+            <a:pPr marL="228600" indent="-228600" algn="l" defTabSz="914400" eaLnBrk="1" latinLnBrk="1" hangingPunct="1">
+              <a:lnSpc>
+                <a:spcPct val="90000"/>
+              </a:lnSpc>
+              <a:spcBef>
+                <a:spcPts val="1000"/>
+              </a:spcBef>
+              <a:spcAft>
+                <a:spcPts val="0"/>
+              </a:spcAft>
+              <a:buFont typeface="Arial"/>
+              <a:buChar char="•"/>
+            </a:pPr>
+            <a:r>
+              <a:rPr sz="3600" b="1">
+                <a:latin typeface="맑은 고딕" charset="0"/>
+                <a:ea typeface="맑은 고딕" charset="0"/>
+              </a:rPr>
+              <a:t> 추천 코스 제공</a:t>
+            </a:r>
+            <a:endParaRPr lang="ko-KR" altLang="en-US" sz="3600" b="1">
+              <a:latin typeface="맑은 고딕" charset="0"/>
+              <a:ea typeface="맑은 고딕" charset="0"/>
+            </a:endParaRPr>
+          </a:p>
+          <a:p>
+            <a:pPr marL="0" indent="0" algn="l" defTabSz="914400" eaLnBrk="1" latinLnBrk="1" hangingPunct="1">
+              <a:lnSpc>
+                <a:spcPct val="90000"/>
+              </a:lnSpc>
+              <a:spcBef>
+                <a:spcPts val="1000"/>
+              </a:spcBef>
+              <a:spcAft>
+                <a:spcPts val="0"/>
+              </a:spcAft>
+              <a:buFontTx/>
+              <a:buNone/>
+            </a:pPr>
+            <a:r>
+              <a:rPr sz="3600" b="1">
+                <a:latin typeface="맑은 고딕" charset="0"/>
+                <a:ea typeface="맑은 고딕" charset="0"/>
+              </a:rPr>
+              <a:t>      산업관광지 활성화</a:t>
+            </a:r>
+            <a:endParaRPr lang="ko-KR" altLang="en-US" sz="3600" b="1">
+              <a:latin typeface="맑은 고딕" charset="0"/>
+              <a:ea typeface="맑은 고딕" charset="0"/>
+            </a:endParaRPr>
+          </a:p>
+          <a:p>
+            <a:pPr marL="0" indent="0" algn="l" defTabSz="914400" eaLnBrk="1" latinLnBrk="1" hangingPunct="1">
+              <a:lnSpc>
+                <a:spcPct val="90000"/>
+              </a:lnSpc>
+              <a:spcBef>
+                <a:spcPts val="1000"/>
+              </a:spcBef>
+              <a:spcAft>
+                <a:spcPts val="0"/>
+              </a:spcAft>
+              <a:buFontTx/>
+              <a:buNone/>
+            </a:pPr>
+            <a:endParaRPr lang="ko-KR" altLang="en-US" sz="3600" b="1">
+              <a:latin typeface="맑은 고딕" charset="0"/>
+              <a:ea typeface="맑은 고딕" charset="0"/>
+            </a:endParaRPr>
+          </a:p>
+          <a:p>
+            <a:pPr marL="228600" indent="-228600" algn="l" defTabSz="914400" eaLnBrk="1" latinLnBrk="1" hangingPunct="1">
+              <a:lnSpc>
+                <a:spcPct val="90000"/>
+              </a:lnSpc>
+              <a:spcBef>
+                <a:spcPts val="1000"/>
+              </a:spcBef>
+              <a:spcAft>
+                <a:spcPts val="0"/>
+              </a:spcAft>
+              <a:buFont typeface="Arial"/>
+              <a:buChar char="•"/>
+            </a:pPr>
+            <a:r>
+              <a:rPr sz="3600" b="1">
+                <a:latin typeface="맑은 고딕" charset="0"/>
+                <a:ea typeface="맑은 고딕" charset="0"/>
+              </a:rPr>
+              <a:t> 편리한 예매 시스템 이용</a:t>
+            </a:r>
+            <a:endParaRPr lang="ko-KR" altLang="en-US" sz="3600" b="1">
+              <a:latin typeface="맑은 고딕" charset="0"/>
+              <a:ea typeface="맑은 고딕" charset="0"/>
+            </a:endParaRPr>
+          </a:p>
+          <a:p>
+            <a:pPr marL="0" indent="0" algn="l" defTabSz="914400" eaLnBrk="1" latinLnBrk="1" hangingPunct="1">
+              <a:lnSpc>
+                <a:spcPct val="90000"/>
+              </a:lnSpc>
+              <a:spcBef>
+                <a:spcPts val="1000"/>
+              </a:spcBef>
+              <a:spcAft>
+                <a:spcPts val="0"/>
+              </a:spcAft>
+              <a:buFontTx/>
+              <a:buNone/>
+            </a:pPr>
+            <a:r>
+              <a:rPr sz="3600" b="1">
+                <a:latin typeface="맑은 고딕" charset="0"/>
+                <a:ea typeface="맑은 고딕" charset="0"/>
+              </a:rPr>
+              <a:t>      여행자들에게 편의제공</a:t>
+            </a:r>
+            <a:endParaRPr lang="ko-KR" altLang="en-US" sz="3600" b="1">
+              <a:latin typeface="맑은 고딕" charset="0"/>
+              <a:ea typeface="맑은 고딕" charset="0"/>
+            </a:endParaRPr>
+          </a:p>
+          <a:p>
+            <a:pPr marL="0" indent="0" algn="l" defTabSz="914400" eaLnBrk="1" latinLnBrk="1" hangingPunct="1">
+              <a:lnSpc>
+                <a:spcPct val="90000"/>
+              </a:lnSpc>
+              <a:spcBef>
+                <a:spcPts val="1000"/>
+              </a:spcBef>
+              <a:spcAft>
+                <a:spcPts val="0"/>
+              </a:spcAft>
+              <a:buFontTx/>
+              <a:buNone/>
+            </a:pPr>
+            <a:r>
+              <a:rPr sz="3600" b="1">
+                <a:latin typeface="맑은 고딕" charset="0"/>
+                <a:ea typeface="맑은 고딕" charset="0"/>
+              </a:rPr>
+              <a:t>                                 </a:t>
+            </a:r>
+            <a:r>
+              <a:rPr sz="4800" b="1">
+                <a:latin typeface="맑은 고딕" charset="0"/>
+                <a:ea typeface="맑은 고딕" charset="0"/>
+              </a:rPr>
+              <a:t>                                        </a:t>
+            </a:r>
+            <a:endParaRPr lang="ko-KR" altLang="en-US" sz="4800" b="1">
+              <a:latin typeface="맑은 고딕" charset="0"/>
+              <a:ea typeface="맑은 고딕" charset="0"/>
+            </a:endParaRPr>
+          </a:p>
+          <a:p>
+            <a:pPr marL="0" indent="0" algn="l" defTabSz="914400" eaLnBrk="1" latinLnBrk="1" hangingPunct="1">
+              <a:lnSpc>
+                <a:spcPct val="90000"/>
+              </a:lnSpc>
+              <a:spcBef>
+                <a:spcPts val="1000"/>
+              </a:spcBef>
+              <a:spcAft>
+                <a:spcPts val="0"/>
+              </a:spcAft>
+              <a:buFontTx/>
+              <a:buNone/>
+            </a:pPr>
+            <a:r>
+              <a:rPr lang="ko-KR" altLang="en-US" sz="2800">
+                <a:latin typeface="맑은 고딕" charset="0"/>
+                <a:ea typeface="Arial" charset="0"/>
+                <a:cs typeface="+mn-cs"/>
+              </a:rPr>
+              <a:t> </a:t>
+            </a:r>
+            <a:endParaRPr lang="ko-KR" altLang="en-US" sz="2800">
+              <a:latin typeface="맑은 고딕" charset="0"/>
+              <a:ea typeface="Arial" charset="0"/>
+              <a:cs typeface="+mn-cs"/>
+            </a:endParaRPr>
+          </a:p>
+        </p:txBody>
+      </p:sp>
+      <p:sp>
+        <p:nvSpPr>
+          <p:cNvPr id="4" name="도형 3"/>
+          <p:cNvSpPr>
+            <a:spLocks/>
+          </p:cNvSpPr>
+          <p:nvPr/>
+        </p:nvSpPr>
+        <p:spPr>
+          <a:xfrm rot="0">
+            <a:off x="840105" y="4441190"/>
+            <a:ext cx="846455" cy="480695"/>
+          </a:xfrm>
+          <a:prstGeom prst="rightArrow"/>
+          <a:solidFill>
+            <a:srgbClr val="000000"/>
+          </a:solidFill>
+        </p:spPr>
+        <p:style>
+          <a:lnRef idx="2">
+            <a:schemeClr val="accent1">
+              <a:shade val="50000"/>
+            </a:schemeClr>
+          </a:lnRef>
+          <a:fillRef idx="1">
+            <a:schemeClr val="accent1"/>
+          </a:fillRef>
+          <a:effectRef idx="0">
+            <a:schemeClr val="accent1"/>
+          </a:effectRef>
+          <a:fontRef idx="minor">
+            <a:schemeClr val="lt1"/>
+          </a:fontRef>
+        </p:style>
+        <p:txBody>
+          <a:bodyPr wrap="square" lIns="91440" tIns="45720" rIns="91440" bIns="45720" vert="horz" anchor="ctr">
+            <a:noAutofit/>
+          </a:bodyPr>
+          <a:lstStyle/>
+          <a:p>
+            <a:pPr marL="0" indent="0" algn="ctr" defTabSz="914400" eaLnBrk="1" latinLnBrk="1" hangingPunct="1">
+              <a:lnSpc>
+                <a:spcPct val="100000"/>
+              </a:lnSpc>
+              <a:spcBef>
+                <a:spcPts val="0"/>
+              </a:spcBef>
+              <a:spcAft>
+                <a:spcPts val="0"/>
+              </a:spcAft>
+              <a:buFontTx/>
+              <a:buNone/>
+            </a:pPr>
+            <a:endParaRPr lang="ko-KR" altLang="en-US" sz="1600">
+              <a:latin typeface="맑은 고딕" charset="0"/>
+              <a:ea typeface="맑은 고딕" charset="0"/>
+            </a:endParaRPr>
+          </a:p>
+        </p:txBody>
+      </p:sp>
+      <p:sp>
+        <p:nvSpPr>
+          <p:cNvPr id="5" name="도형 4"/>
+          <p:cNvSpPr>
+            <a:spLocks/>
+          </p:cNvSpPr>
+          <p:nvPr/>
+        </p:nvSpPr>
+        <p:spPr>
+          <a:xfrm rot="0">
+            <a:off x="843280" y="2494915"/>
+            <a:ext cx="846455" cy="506095"/>
+          </a:xfrm>
+          <a:prstGeom prst="rightArrow"/>
+          <a:solidFill>
+            <a:srgbClr val="000000"/>
+          </a:solidFill>
+        </p:spPr>
+        <p:style>
+          <a:lnRef idx="2">
+            <a:schemeClr val="accent1">
+              <a:shade val="50000"/>
+            </a:schemeClr>
+          </a:lnRef>
+          <a:fillRef idx="1">
+            <a:schemeClr val="accent1"/>
+          </a:fillRef>
+          <a:effectRef idx="0">
+            <a:schemeClr val="accent1"/>
+          </a:effectRef>
+          <a:fontRef idx="minor">
+            <a:schemeClr val="lt1"/>
+          </a:fontRef>
+        </p:style>
+        <p:txBody>
+          <a:bodyPr wrap="square" lIns="91440" tIns="45720" rIns="91440" bIns="45720" vert="horz" anchor="ctr">
+            <a:noAutofit/>
+          </a:bodyPr>
+          <a:lstStyle/>
+          <a:p>
+            <a:pPr marL="0" indent="0" algn="l" defTabSz="914400" eaLnBrk="1" latinLnBrk="1" hangingPunct="1">
+              <a:lnSpc>
+                <a:spcPct val="90000"/>
+              </a:lnSpc>
+              <a:spcBef>
+                <a:spcPts val="1000"/>
+              </a:spcBef>
+              <a:spcAft>
+                <a:spcPts val="0"/>
+              </a:spcAft>
+              <a:buFontTx/>
+              <a:buNone/>
+            </a:pPr>
+            <a:endParaRPr lang="ko-KR" altLang="en-US" sz="1600">
+              <a:latin typeface="맑은 고딕" charset="0"/>
+              <a:ea typeface="맑은 고딕" charset="0"/>
+            </a:endParaRPr>
+          </a:p>
+        </p:txBody>
+      </p:sp>
+      <p:sp>
+        <p:nvSpPr>
+          <p:cNvPr id="6" name="Rect 0"/>
+          <p:cNvSpPr txBox="1">
+            <a:spLocks/>
+          </p:cNvSpPr>
+          <p:nvPr>
+            <p:ph type="ftr" idx="11"/>
+          </p:nvPr>
+        </p:nvSpPr>
+        <p:spPr>
+          <a:xfrm rot="0">
+            <a:off x="4038600" y="6356350"/>
+            <a:ext cx="4116070" cy="366395"/>
+          </a:xfrm>
+          <a:prstGeom prst="rect"/>
+        </p:spPr>
+        <p:txBody>
+          <a:bodyPr wrap="square" lIns="91440" tIns="45720" rIns="91440" bIns="45720" vert="horz" anchor="ctr">
+            <a:noAutofit/>
+          </a:bodyPr>
+          <a:lstStyle/>
+          <a:p>
+            <a:pPr marL="0" indent="0" algn="ctr" defTabSz="914400" eaLnBrk="1" latinLnBrk="1" hangingPunct="1">
+              <a:lnSpc>
+                <a:spcPct val="100000"/>
+              </a:lnSpc>
+              <a:spcBef>
+                <a:spcPts val="0"/>
+              </a:spcBef>
+              <a:spcAft>
+                <a:spcPts val="0"/>
+              </a:spcAft>
+              <a:buFontTx/>
+              <a:buNone/>
+            </a:pPr>
+            <a:r>
+              <a:rPr sz="1200">
+                <a:latin typeface="맑은 고딕" charset="0"/>
+                <a:ea typeface="Arial" charset="0"/>
+                <a:cs typeface="+mn-cs"/>
+              </a:rPr>
+              <a:t>국내 여행 스마트 예매 시스템 - 가보자</a:t>
+            </a:r>
+            <a:endParaRPr lang="ko-KR" altLang="en-US" sz="1200">
+              <a:latin typeface="맑은 고딕" charset="0"/>
+              <a:ea typeface="Arial" charset="0"/>
+              <a:cs typeface="+mn-cs"/>
+            </a:endParaRPr>
+          </a:p>
+        </p:txBody>
+      </p:sp>
+    </p:spTree>
+  </p:cSld>
+  <p:clrMapOvr>
+    <a:masterClrMapping/>
+  </p:clrMapOvr>
+  <mc:AlternateContent xmlns:mc="http://schemas.openxmlformats.org/markup-compatibility/2006">
+    <mc:Choice xmlns:p14="http://schemas.microsoft.com/office/powerpoint/2010/main" Requires="p14">
+      <p:transition spd="slow" p14:dur="2000"/>
+    </mc:Choice>
+    <mc:Fallback>
+      <p:transition spd="slow"/>
+    </mc:Fallback>
+  </mc:AlternateContent>
+  <p:timing>
+    <p:tnLst>
+      <p:par>
+        <p:cTn id="1" dur="indefinite" restart="never" nodeType="tmRoot"/>
+      </p:par>
+    </p:tnLst>
+  </p:timing>
+</p:sld>
+</file>
+
+<file path=ppt/slides/slide16.xml><?xml version="1.0" encoding="utf-8"?>
+<p:sld xmlns:a="http://schemas.openxmlformats.org/drawingml/2006/main" xmlns:r="http://schemas.openxmlformats.org/officeDocument/2006/relationships" xmlns:p="http://schemas.openxmlformats.org/presentationml/2006/main" xmlns:p14="http://schemas.microsoft.com/office/powerpoint/2010/main">
+  <p:cSld>
+    <p:spTree>
+      <p:nvGrpSpPr>
+        <p:cNvPr id="1" name=""/>
+        <p:cNvGrpSpPr/>
+        <p:nvPr/>
+      </p:nvGrpSpPr>
+      <p:grpSpPr>
+        <a:xfrm>
+          <a:off x="0" y="0"/>
+          <a:ext cx="0" cy="0"/>
+          <a:chOff x="0" y="0"/>
+          <a:chExt cx="0" cy="0"/>
+        </a:xfrm>
+      </p:grpSpPr>
+      <p:sp>
+        <p:nvSpPr>
+          <p:cNvPr id="2" name="제목 1"/>
+          <p:cNvSpPr txBox="1">
+            <a:spLocks/>
+          </p:cNvSpPr>
+          <p:nvPr>
+            <p:ph type="title"/>
+          </p:nvPr>
+        </p:nvSpPr>
+        <p:spPr>
+          <a:xfrm rot="0">
+            <a:off x="838200" y="365125"/>
+            <a:ext cx="10516870" cy="1327150"/>
+          </a:xfrm>
+          <a:prstGeom prst="rect"/>
+        </p:spPr>
+        <p:txBody>
+          <a:bodyPr wrap="square" lIns="91440" tIns="45720" rIns="91440" bIns="45720" numCol="1" vert="horz" anchor="ctr">
+            <a:normAutofit fontScale="100000" lnSpcReduction="0"/>
+          </a:bodyPr>
+          <a:lstStyle/>
+          <a:p>
+            <a:pPr marL="0" indent="0" algn="l" defTabSz="914400" eaLnBrk="1" latinLnBrk="1" hangingPunct="1">
+              <a:lnSpc>
+                <a:spcPct val="90000"/>
+              </a:lnSpc>
+              <a:spcBef>
+                <a:spcPct val="0"/>
+              </a:spcBef>
+              <a:buFontTx/>
+              <a:buNone/>
+            </a:pPr>
+            <a:r>
+              <a:rPr lang="ko-KR" altLang="en-US" sz="4400">
+                <a:latin typeface="맑은 고딕" charset="0"/>
+                <a:ea typeface="맑은 고딕" charset="0"/>
+                <a:cs typeface="+mj-cs"/>
+              </a:rPr>
+              <a:t>시행착오, 아쉬운점, 프로젝트소감 </a:t>
+            </a:r>
+            <a:endParaRPr lang="ko-KR" altLang="en-US" sz="4400">
+              <a:latin typeface="맑은 고딕" charset="0"/>
+              <a:ea typeface="맑은 고딕" charset="0"/>
+              <a:cs typeface="+mj-cs"/>
+            </a:endParaRPr>
+          </a:p>
+        </p:txBody>
+      </p:sp>
+      <p:sp>
+        <p:nvSpPr>
+          <p:cNvPr id="3" name="내용 개체 틀 2"/>
+          <p:cNvSpPr txBox="1">
+            <a:spLocks/>
+          </p:cNvSpPr>
+          <p:nvPr>
+            <p:ph type="obj" idx="1"/>
+          </p:nvPr>
+        </p:nvSpPr>
+        <p:spPr>
+          <a:xfrm>
+            <a:off x="838200" y="1825625"/>
+            <a:ext cx="10517505" cy="4353560"/>
+          </a:xfrm>
+          <a:prstGeom prst="rect"/>
+        </p:spPr>
+        <p:txBody>
+          <a:bodyPr wrap="square" lIns="91440" tIns="45720" rIns="91440" bIns="45720" numCol="1" vert="horz" anchor="t">
+            <a:normAutofit fontScale="100000" lnSpcReduction="0"/>
+          </a:bodyPr>
+          <a:lstStyle/>
+          <a:p>
+            <a:pPr marL="228600" indent="-228600" algn="l" defTabSz="914400" eaLnBrk="1" latinLnBrk="1" hangingPunct="1">
+              <a:lnSpc>
+                <a:spcPct val="90000"/>
+              </a:lnSpc>
+              <a:spcBef>
+                <a:spcPts val="1000"/>
+              </a:spcBef>
+              <a:buFont typeface="Arial"/>
+              <a:buChar char="•"/>
+            </a:pPr>
+            <a:r>
+              <a:rPr lang="ko-KR" altLang="en-US" sz="2800">
+                <a:latin typeface="맑은 고딕" charset="0"/>
+                <a:ea typeface="맑은 고딕" charset="0"/>
+                <a:cs typeface="+mn-cs"/>
+              </a:rPr>
+              <a:t>아쉬운점: 프로그램의 디테일한 요소들을 더 수정하고 퀄리티를 높이고 싶었지만 시간이 부족해 아쉬웠다</a:t>
+            </a:r>
+            <a:endParaRPr lang="ko-KR" altLang="en-US" sz="2800">
+              <a:latin typeface="맑은 고딕" charset="0"/>
+              <a:ea typeface="맑은 고딕" charset="0"/>
+              <a:cs typeface="+mn-cs"/>
+            </a:endParaRPr>
+          </a:p>
+          <a:p>
+            <a:pPr marL="228600" indent="-228600" algn="l" defTabSz="914400" eaLnBrk="1" latinLnBrk="1" hangingPunct="1">
+              <a:lnSpc>
+                <a:spcPct val="90000"/>
+              </a:lnSpc>
+              <a:spcBef>
+                <a:spcPts val="1000"/>
+              </a:spcBef>
+              <a:buFont typeface="Arial"/>
+              <a:buChar char="•"/>
+            </a:pPr>
+            <a:endParaRPr lang="ko-KR" altLang="en-US" sz="2800">
+              <a:latin typeface="맑은 고딕" charset="0"/>
+              <a:ea typeface="맑은 고딕" charset="0"/>
+              <a:cs typeface="+mn-cs"/>
+            </a:endParaRPr>
+          </a:p>
+          <a:p>
+            <a:pPr marL="228600" indent="-228600" algn="l" defTabSz="914400" eaLnBrk="1" latinLnBrk="1" hangingPunct="1">
+              <a:lnSpc>
+                <a:spcPct val="90000"/>
+              </a:lnSpc>
+              <a:spcBef>
+                <a:spcPts val="1000"/>
+              </a:spcBef>
+              <a:buFont typeface="Arial"/>
+              <a:buChar char="•"/>
+            </a:pPr>
+            <a:r>
+              <a:rPr lang="ko-KR" altLang="en-US" sz="2800">
+                <a:latin typeface="맑은 고딕" charset="0"/>
+                <a:ea typeface="맑은 고딕" charset="0"/>
+                <a:cs typeface="+mn-cs"/>
+              </a:rPr>
+              <a:t>소감: 실제로 실무에서 진행하는 프로젝트처럼 팀단위로 역할을 나누어 진행해서 좋은 경험이 되었던거 같다.</a:t>
+            </a:r>
+            <a:endParaRPr lang="ko-KR" altLang="en-US" sz="2800">
+              <a:latin typeface="맑은 고딕" charset="0"/>
+              <a:ea typeface="맑은 고딕" charset="0"/>
+              <a:cs typeface="+mn-cs"/>
+            </a:endParaRPr>
+          </a:p>
+          <a:p>
+            <a:pPr marL="228600" indent="-228600" algn="l" defTabSz="914400" eaLnBrk="1" latinLnBrk="1" hangingPunct="1">
+              <a:lnSpc>
+                <a:spcPct val="90000"/>
+              </a:lnSpc>
+              <a:spcBef>
+                <a:spcPts val="1000"/>
+              </a:spcBef>
+              <a:buFont typeface="Arial"/>
+              <a:buChar char="•"/>
+            </a:pPr>
+            <a:endParaRPr lang="ko-KR" altLang="en-US" sz="2800">
+              <a:latin typeface="맑은 고딕" charset="0"/>
+              <a:ea typeface="맑은 고딕" charset="0"/>
+              <a:cs typeface="+mn-cs"/>
+            </a:endParaRPr>
+          </a:p>
+          <a:p>
+            <a:pPr marL="228600" indent="-228600" algn="l" defTabSz="914400" eaLnBrk="1" latinLnBrk="1" hangingPunct="1">
+              <a:lnSpc>
+                <a:spcPct val="90000"/>
+              </a:lnSpc>
+              <a:spcBef>
+                <a:spcPts val="1000"/>
+              </a:spcBef>
+              <a:buFont typeface="Arial"/>
+              <a:buChar char="•"/>
+            </a:pPr>
+            <a:r>
+              <a:rPr lang="ko-KR" altLang="en-US" sz="2800">
+                <a:latin typeface="맑은 고딕" charset="0"/>
+                <a:ea typeface="맑은 고딕" charset="0"/>
+                <a:cs typeface="+mn-cs"/>
+              </a:rPr>
+              <a:t>말로 설명할꺼니까 </a:t>
+            </a:r>
+            <a:endParaRPr lang="ko-KR" altLang="en-US" sz="2800">
+              <a:latin typeface="맑은 고딕" charset="0"/>
+              <a:ea typeface="맑은 고딕" charset="0"/>
+              <a:cs typeface="+mn-cs"/>
+            </a:endParaRPr>
+          </a:p>
+          <a:p>
+            <a:pPr marL="228600" indent="-228600" algn="l" defTabSz="914400" eaLnBrk="1" latinLnBrk="1" hangingPunct="1">
+              <a:lnSpc>
+                <a:spcPct val="90000"/>
+              </a:lnSpc>
+              <a:spcBef>
+                <a:spcPts val="1000"/>
+              </a:spcBef>
+              <a:buFont typeface="Arial"/>
+              <a:buChar char="•"/>
+            </a:pPr>
+            <a:r>
+              <a:rPr lang="ko-KR" altLang="en-US" sz="2800">
+                <a:latin typeface="맑은 고딕" charset="0"/>
+                <a:ea typeface="맑은 고딕" charset="0"/>
+                <a:cs typeface="+mn-cs"/>
+              </a:rPr>
+              <a:t>다적지 말고 요약만!</a:t>
+            </a:r>
+            <a:endParaRPr lang="ko-KR" altLang="en-US" sz="2800">
+              <a:latin typeface="맑은 고딕" charset="0"/>
+              <a:ea typeface="맑은 고딕" charset="0"/>
+              <a:cs typeface="+mn-cs"/>
+            </a:endParaRPr>
+          </a:p>
+          <a:p>
+            <a:pPr marL="0" indent="0" algn="l" defTabSz="914400" eaLnBrk="1" latinLnBrk="1" hangingPunct="1">
+              <a:lnSpc>
+                <a:spcPct val="90000"/>
+              </a:lnSpc>
+              <a:spcBef>
+                <a:spcPts val="1000"/>
+              </a:spcBef>
+              <a:buFontTx/>
+              <a:buNone/>
+            </a:pPr>
+            <a:endParaRPr lang="ko-KR" altLang="en-US" sz="2800">
+              <a:latin typeface="맑은 고딕" charset="0"/>
+              <a:ea typeface="맑은 고딕" charset="0"/>
+              <a:cs typeface="+mn-cs"/>
+            </a:endParaRPr>
+          </a:p>
+        </p:txBody>
+      </p:sp>
+      <p:sp>
+        <p:nvSpPr>
+          <p:cNvPr id="4" name="바닥글 개체 틀 4"/>
+          <p:cNvSpPr txBox="1">
+            <a:spLocks/>
+          </p:cNvSpPr>
+          <p:nvPr>
+            <p:ph type="ftr" idx="11"/>
+          </p:nvPr>
+        </p:nvSpPr>
+        <p:spPr>
+          <a:xfrm rot="0">
+            <a:off x="4038600" y="6356350"/>
+            <a:ext cx="4116705" cy="367030"/>
+          </a:xfrm>
+          <a:prstGeom prst="rect"/>
+        </p:spPr>
+        <p:txBody>
+          <a:bodyPr wrap="square" lIns="91440" tIns="45720" rIns="91440" bIns="45720" numCol="1" vert="horz" anchor="ctr">
+            <a:noAutofit/>
+          </a:bodyPr>
+          <a:lstStyle/>
+          <a:p>
+            <a:pPr marL="0" indent="0" algn="ctr" defTabSz="508000" eaLnBrk="1" latinLnBrk="1" hangingPunct="1">
+              <a:lnSpc>
+                <a:spcPct val="100000"/>
+              </a:lnSpc>
+              <a:spcBef>
+                <a:spcPts val="0"/>
+              </a:spcBef>
+              <a:spcAft>
+                <a:spcPts val="0"/>
+              </a:spcAft>
+              <a:buFontTx/>
+              <a:buNone/>
+            </a:pPr>
+            <a:r>
+              <a:rPr lang="ko-KR" altLang="en-US" sz="1200">
+                <a:latin typeface="맑은 고딕" charset="0"/>
+                <a:ea typeface="맑은 고딕" charset="0"/>
+                <a:cs typeface="+mn-cs"/>
+              </a:rPr>
+              <a:t>국내 여행 스마트 예매 시스템 - 가보자</a:t>
+            </a:r>
+            <a:endParaRPr lang="ko-KR" altLang="en-US" sz="1200">
+              <a:latin typeface="맑은 고딕" charset="0"/>
+              <a:ea typeface="맑은 고딕" charset="0"/>
+              <a:cs typeface="+mn-cs"/>
+            </a:endParaRPr>
+          </a:p>
+        </p:txBody>
+      </p:sp>
+    </p:spTree>
+  </p:cSld>
+  <p:clrMapOvr>
+    <a:masterClrMapping/>
+  </p:clrMapOvr>
+  <mc:AlternateContent xmlns:mc="http://schemas.openxmlformats.org/markup-compatibility/2006">
+    <mc:Choice xmlns:p14="http://schemas.microsoft.com/office/powerpoint/2010/main" Requires="p14">
+      <p:transition spd="slow" p14:dur="2000"/>
+    </mc:Choice>
+    <mc:Fallback>
+      <p:transition spd="slow"/>
+    </mc:Fallback>
+  </mc:AlternateContent>
+  <p:timing>
+    <p:tnLst>
+      <p:par>
+        <p:cTn id="1" dur="indefinite" restart="never" nodeType="tmRoot"/>
+      </p:par>
+    </p:tnLst>
+  </p:timing>
+</p:sld>
+</file>
+
+<file path=ppt/slides/slide17.xml><?xml version="1.0" encoding="utf-8"?>
 <p:sld xmlns:a="http://schemas.openxmlformats.org/drawingml/2006/main" xmlns:r="http://schemas.openxmlformats.org/officeDocument/2006/relationships" xmlns:p="http://schemas.openxmlformats.org/presentationml/2006/main">
   <p:cSld>
     <p:spTree>
@@ -7712,7 +9549,7 @@
 </p:sld>
 </file>
 
-<file path=ppt/slides/slide13.xml><?xml version="1.0" encoding="utf-8"?>
+<file path=ppt/slides/slide18.xml><?xml version="1.0" encoding="utf-8"?>
 <p:sld xmlns:a="http://schemas.openxmlformats.org/drawingml/2006/main" xmlns:r="http://schemas.openxmlformats.org/officeDocument/2006/relationships" xmlns:p="http://schemas.openxmlformats.org/presentationml/2006/main" xmlns:p14="http://schemas.microsoft.com/office/powerpoint/2010/main">
   <p:cSld>
     <p:spTree>
@@ -9735,7 +11572,7 @@
         <p:spPr>
           <a:xfrm rot="0">
             <a:off x="838200" y="365125"/>
-            <a:ext cx="10516870" cy="1327150"/>
+            <a:ext cx="10517505" cy="1327785"/>
           </a:xfrm>
           <a:prstGeom prst="rect"/>
         </p:spPr>
@@ -9765,6 +11602,13 @@
               </a:rPr>
               <a:t>기능 소개</a:t>
             </a:r>
+            <a:r>
+              <a:rPr lang="ko-KR" sz="5500" b="1">
+                <a:latin typeface="맑은 고딕" charset="0"/>
+                <a:ea typeface="맑은 고딕" charset="0"/>
+              </a:rPr>
+              <a:t> 슬라이드2~3개 </a:t>
+            </a:r>
             <a:endParaRPr lang="ko-KR" altLang="en-US" sz="5500" b="1">
               <a:latin typeface="맑은 고딕" charset="0"/>
               <a:ea typeface="맑은 고딕" charset="0"/>
@@ -9785,13 +11629,13 @@
         <p:spPr>
           <a:xfrm>
             <a:off x="838200" y="2126615"/>
-            <a:ext cx="10517505" cy="3435350"/>
+            <a:ext cx="10518775" cy="3436620"/>
           </a:xfrm>
           <a:prstGeom prst="rect"/>
         </p:spPr>
         <p:txBody>
           <a:bodyPr wrap="square" lIns="91440" tIns="45720" rIns="91440" bIns="45720" numCol="1" vert="horz" anchor="t">
-            <a:normAutofit fontScale="85000" lnSpcReduction="0"/>
+            <a:normAutofit fontScale="62500" lnSpcReduction="0"/>
           </a:bodyPr>
           <a:lstStyle/>
           <a:p>
@@ -9820,14 +11664,7 @@
                 <a:latin typeface="맑은 고딕" charset="0"/>
                 <a:ea typeface="맑은 고딕" charset="0"/>
               </a:rPr>
-              <a:t>출발지,목적지, 기간선택-&gt; DB 운행데이터</a:t>
-            </a:r>
-            <a:r>
-              <a:rPr sz="4800" b="1">
-                <a:latin typeface="맑은 고딕" charset="0"/>
-                <a:ea typeface="맑은 고딕" charset="0"/>
-              </a:rPr>
-              <a:t> 조회</a:t>
+              <a:t>회원가입,로그인,회원정보수정, 회원탈퇴</a:t>
             </a:r>
             <a:endParaRPr lang="ko-KR" altLang="en-US" sz="4800" b="1">
               <a:latin typeface="맑은 고딕" charset="0"/>
@@ -9849,18 +11686,18 @@
               <a:buChar char="•"/>
             </a:pPr>
             <a:r>
+              <a:rPr lang="ko-KR" sz="4800" b="1">
+                <a:latin typeface="맑은 고딕" charset="0"/>
+                <a:ea typeface="맑은 고딕" charset="0"/>
+              </a:rPr>
+              <a:t>출발지,목적지, 기간선택-&gt; DB 운행데이터</a:t>
+            </a:r>
+            <a:r>
               <a:rPr sz="4800" b="1">
                 <a:latin typeface="맑은 고딕" charset="0"/>
                 <a:ea typeface="맑은 고딕" charset="0"/>
               </a:rPr>
-              <a:t> 예매하기</a:t>
-            </a:r>
-            <a:r>
-              <a:rPr lang="ko-KR" sz="4800" b="1">
-                <a:latin typeface="맑은 고딕" charset="0"/>
-                <a:ea typeface="맑은 고딕" charset="0"/>
-              </a:rPr>
-              <a:t> -&gt;예매한 내용 DB 데이터 저장</a:t>
+              <a:t> 조회</a:t>
             </a:r>
             <a:endParaRPr lang="ko-KR" altLang="en-US" sz="4800" b="1">
               <a:latin typeface="맑은 고딕" charset="0"/>
@@ -9886,14 +11723,14 @@
                 <a:latin typeface="맑은 고딕" charset="0"/>
                 <a:ea typeface="맑은 고딕" charset="0"/>
               </a:rPr>
-              <a:t> 예매조회</a:t>
+              <a:t> 예매하기</a:t>
             </a:r>
             <a:r>
               <a:rPr lang="ko-KR" sz="4800" b="1">
                 <a:latin typeface="맑은 고딕" charset="0"/>
                 <a:ea typeface="맑은 고딕" charset="0"/>
               </a:rPr>
-              <a:t> -&gt;DB 데이터를 가져와서 출력</a:t>
+              <a:t> -&gt;예매한 내용 DB 데이터 저장</a:t>
             </a:r>
             <a:endParaRPr lang="ko-KR" altLang="en-US" sz="4800" b="1">
               <a:latin typeface="맑은 고딕" charset="0"/>
@@ -9919,6 +11756,39 @@
                 <a:latin typeface="맑은 고딕" charset="0"/>
                 <a:ea typeface="맑은 고딕" charset="0"/>
               </a:rPr>
+              <a:t> 예매조회</a:t>
+            </a:r>
+            <a:r>
+              <a:rPr lang="ko-KR" sz="4800" b="1">
+                <a:latin typeface="맑은 고딕" charset="0"/>
+                <a:ea typeface="맑은 고딕" charset="0"/>
+              </a:rPr>
+              <a:t> -&gt;DB 데이터를 가져와서 출력</a:t>
+            </a:r>
+            <a:endParaRPr lang="ko-KR" altLang="en-US" sz="4800" b="1">
+              <a:latin typeface="맑은 고딕" charset="0"/>
+              <a:ea typeface="맑은 고딕" charset="0"/>
+            </a:endParaRPr>
+          </a:p>
+          <a:p>
+            <a:pPr marL="228600" indent="-228600" algn="l" defTabSz="914400" eaLnBrk="1" latinLnBrk="1" hangingPunct="1">
+              <a:lnSpc>
+                <a:spcPct val="90000"/>
+              </a:lnSpc>
+              <a:spcBef>
+                <a:spcPts val="1000"/>
+              </a:spcBef>
+              <a:spcAft>
+                <a:spcPts val="0"/>
+              </a:spcAft>
+              <a:buFont typeface="Arial"/>
+              <a:buChar char="•"/>
+            </a:pPr>
+            <a:r>
+              <a:rPr sz="4800" b="1">
+                <a:latin typeface="맑은 고딕" charset="0"/>
+                <a:ea typeface="맑은 고딕" charset="0"/>
+              </a:rPr>
               <a:t> 예매취소</a:t>
             </a:r>
             <a:r>
@@ -9927,6 +11797,51 @@
                 <a:ea typeface="맑은 고딕" charset="0"/>
               </a:rPr>
               <a:t> </a:t>
+            </a:r>
+            <a:endParaRPr lang="ko-KR" altLang="en-US" sz="4800" b="1">
+              <a:latin typeface="맑은 고딕" charset="0"/>
+              <a:ea typeface="맑은 고딕" charset="0"/>
+            </a:endParaRPr>
+          </a:p>
+          <a:p>
+            <a:pPr marL="228600" indent="-228600" algn="l" defTabSz="914400" eaLnBrk="1" latinLnBrk="1" hangingPunct="1">
+              <a:lnSpc>
+                <a:spcPct val="90000"/>
+              </a:lnSpc>
+              <a:spcBef>
+                <a:spcPts val="1000"/>
+              </a:spcBef>
+              <a:spcAft>
+                <a:spcPts val="0"/>
+              </a:spcAft>
+              <a:buFont typeface="Arial"/>
+              <a:buChar char="•"/>
+            </a:pPr>
+            <a:endParaRPr lang="ko-KR" altLang="en-US" sz="4800" b="1">
+              <a:latin typeface="맑은 고딕" charset="0"/>
+              <a:ea typeface="맑은 고딕" charset="0"/>
+            </a:endParaRPr>
+          </a:p>
+          <a:p>
+            <a:pPr marL="228600" indent="-228600" algn="l" defTabSz="914400" eaLnBrk="1" latinLnBrk="1" hangingPunct="1">
+              <a:lnSpc>
+                <a:spcPct val="90000"/>
+              </a:lnSpc>
+              <a:spcBef>
+                <a:spcPts val="1000"/>
+              </a:spcBef>
+              <a:spcAft>
+                <a:spcPts val="0"/>
+              </a:spcAft>
+              <a:buFont typeface="Arial"/>
+              <a:buChar char="•"/>
+            </a:pPr>
+            <a:r>
+              <a:rPr lang="ko-KR" sz="4800" b="1">
+                <a:latin typeface="맑은 고딕" charset="0"/>
+                <a:ea typeface="맑은 고딕" charset="0"/>
+              </a:rPr>
+              <a:t>이 슬라이드는 삭제..? 아니면 간단하게 3줄정도로 정리 </a:t>
             </a:r>
             <a:endParaRPr lang="ko-KR" altLang="en-US" sz="4800" b="1">
               <a:latin typeface="맑은 고딕" charset="0"/>
@@ -10029,7 +11944,7 @@
       </p:grpSpPr>
       <p:sp>
         <p:nvSpPr>
-          <p:cNvPr id="2" name="텍스트 개체 틀 1"/>
+          <p:cNvPr id="2" name="제목 1"/>
           <p:cNvSpPr txBox="1">
             <a:spLocks/>
           </p:cNvSpPr>
@@ -10039,8 +11954,8 @@
         </p:nvSpPr>
         <p:spPr>
           <a:xfrm rot="0">
-            <a:off x="838200" y="137160"/>
-            <a:ext cx="10516870" cy="755015"/>
+            <a:off x="838200" y="365125"/>
+            <a:ext cx="10516870" cy="1327150"/>
           </a:xfrm>
           <a:prstGeom prst="rect"/>
         </p:spPr>
@@ -10055,24 +11970,23 @@
                 <a:spcPct val="90000"/>
               </a:lnSpc>
               <a:spcBef>
-                <a:spcPts val="0"/>
-              </a:spcBef>
-              <a:spcAft>
-                <a:spcPts val="0"/>
-              </a:spcAft>
+                <a:spcPct val="0"/>
+              </a:spcBef>
               <a:buFontTx/>
               <a:buNone/>
             </a:pPr>
             <a:r>
-              <a:rPr sz="4400" b="1">
-                <a:latin typeface="맑은 고딕" charset="0"/>
-                <a:ea typeface="맑은 고딕" charset="0"/>
-              </a:rPr>
-              <a:t>구현 과정</a:t>
-            </a:r>
-            <a:endParaRPr lang="ko-KR" altLang="en-US" sz="4400" b="1">
+              <a:rPr lang="ko-KR" altLang="en-US" sz="4400">
+                <a:latin typeface="맑은 고딕" charset="0"/>
+                <a:ea typeface="맑은 고딕" charset="0"/>
+                <a:cs typeface="+mj-cs"/>
+              </a:rPr>
+              <a:t>기능소개</a:t>
+            </a:r>
+            <a:endParaRPr lang="ko-KR" altLang="en-US" sz="4400">
               <a:latin typeface="맑은 고딕" charset="0"/>
               <a:ea typeface="맑은 고딕" charset="0"/>
+              <a:cs typeface="+mj-cs"/>
             </a:endParaRPr>
           </a:p>
         </p:txBody>
@@ -10089,14 +12003,14 @@
         </p:nvSpPr>
         <p:spPr>
           <a:xfrm rot="0">
-            <a:off x="437515" y="947420"/>
-            <a:ext cx="11320780" cy="4716780"/>
+            <a:off x="838200" y="1825625"/>
+            <a:ext cx="10516870" cy="4352925"/>
           </a:xfrm>
           <a:prstGeom prst="rect"/>
         </p:spPr>
         <p:txBody>
           <a:bodyPr wrap="square" lIns="91440" tIns="45720" rIns="91440" bIns="45720" numCol="1" vert="horz" anchor="t">
-            <a:normAutofit fontScale="92500" lnSpcReduction="0"/>
+            <a:normAutofit fontScale="100000" lnSpcReduction="0"/>
           </a:bodyPr>
           <a:lstStyle/>
           <a:p>
@@ -10107,29 +12021,21 @@
               <a:spcBef>
                 <a:spcPts val="1000"/>
               </a:spcBef>
-              <a:spcAft>
-                <a:spcPts val="0"/>
-              </a:spcAft>
               <a:buFont typeface="Arial"/>
               <a:buChar char="•"/>
             </a:pPr>
             <a:r>
-              <a:rPr sz="2800" b="1">
-                <a:latin typeface="맑은 고딕" charset="0"/>
-                <a:ea typeface="맑은 고딕" charset="0"/>
-              </a:rPr>
-              <a:t> </a:t>
-            </a:r>
-            <a:r>
-              <a:rPr sz="2800" b="1">
-                <a:latin typeface="맑은 고딕" charset="0"/>
-                <a:ea typeface="맑은 고딕" charset="0"/>
-              </a:rPr>
-              <a:t>프로그램 구조를 MVC패턴으로 설계하여 객체지향적으로 구현함</a:t>
-            </a:r>
-            <a:endParaRPr lang="ko-KR" altLang="en-US" sz="2800" b="1">
+              <a:rPr lang="ko-KR" altLang="en-US" sz="2800">
+                <a:latin typeface="맑은 고딕" charset="0"/>
+                <a:ea typeface="맑은 고딕" charset="0"/>
+                <a:cs typeface="+mn-cs"/>
+              </a:rPr>
+              <a:t>출발지, 도착지 선택 화면  &lt;-패키지의 장점</a:t>
+            </a:r>
+            <a:endParaRPr lang="ko-KR" altLang="en-US" sz="2800">
               <a:latin typeface="맑은 고딕" charset="0"/>
               <a:ea typeface="맑은 고딕" charset="0"/>
+              <a:cs typeface="+mn-cs"/>
             </a:endParaRPr>
           </a:p>
           <a:p>
@@ -10140,15 +12046,21 @@
               <a:spcBef>
                 <a:spcPts val="1000"/>
               </a:spcBef>
-              <a:spcAft>
-                <a:spcPts val="0"/>
-              </a:spcAft>
               <a:buFont typeface="Arial"/>
               <a:buChar char="•"/>
             </a:pPr>
-            <a:endParaRPr lang="ko-KR" altLang="en-US" sz="2800" b="1">
+            <a:r>
+              <a:rPr lang="ko-KR" altLang="en-US" sz="2800">
+                <a:latin typeface="맑은 고딕" charset="0"/>
+                <a:ea typeface="맑은 고딕" charset="0"/>
+                <a:cs typeface="+mn-cs"/>
+              </a:rPr>
+              <a:t>각지역의 관광정보제공 이미지를 보여주는 화면 &lt;-자율여행의 장점</a:t>
+            </a:r>
+            <a:endParaRPr lang="ko-KR" altLang="en-US" sz="2800">
               <a:latin typeface="맑은 고딕" charset="0"/>
               <a:ea typeface="맑은 고딕" charset="0"/>
+              <a:cs typeface="+mn-cs"/>
             </a:endParaRPr>
           </a:p>
           <a:p>
@@ -10159,190 +12071,20 @@
               <a:spcBef>
                 <a:spcPts val="1000"/>
               </a:spcBef>
-              <a:spcAft>
-                <a:spcPts val="0"/>
-              </a:spcAft>
               <a:buFont typeface="Arial"/>
               <a:buChar char="•"/>
             </a:pPr>
             <a:r>
-              <a:rPr sz="2800" b="1">
-                <a:latin typeface="맑은 고딕" charset="0"/>
-                <a:ea typeface="맑은 고딕" charset="0"/>
-              </a:rPr>
-              <a:t> </a:t>
-            </a:r>
-            <a:r>
-              <a:rPr sz="2800" b="1">
-                <a:latin typeface="맑은 고딕" charset="0"/>
-                <a:ea typeface="맑은 고딕" charset="0"/>
-              </a:rPr>
-              <a:t>객체지향적 구현을 연습하기위해 </a:t>
-            </a:r>
-            <a:endParaRPr lang="ko-KR" altLang="en-US" sz="2800" b="1">
+              <a:rPr lang="ko-KR" altLang="en-US" sz="2800">
+                <a:latin typeface="맑은 고딕" charset="0"/>
+                <a:ea typeface="맑은 고딕" charset="0"/>
+                <a:cs typeface="+mn-cs"/>
+              </a:rPr>
+              <a:t>조회된 교통편 장면  &lt;-기차와 버스운행을 한번에 조회하여 보여줌</a:t>
+            </a:r>
+            <a:endParaRPr lang="ko-KR" altLang="en-US" sz="2800">
               <a:latin typeface="맑은 고딕" charset="0"/>
               <a:ea typeface="맑은 고딕" charset="0"/>
-            </a:endParaRPr>
-          </a:p>
-          <a:p>
-            <a:pPr marL="0" indent="0" algn="l" defTabSz="914400" eaLnBrk="1" latinLnBrk="1" hangingPunct="1">
-              <a:lnSpc>
-                <a:spcPct val="90000"/>
-              </a:lnSpc>
-              <a:spcBef>
-                <a:spcPts val="1000"/>
-              </a:spcBef>
-              <a:spcAft>
-                <a:spcPts val="0"/>
-              </a:spcAft>
-              <a:buFontTx/>
-              <a:buNone/>
-            </a:pPr>
-            <a:r>
-              <a:rPr sz="2800" b="1">
-                <a:latin typeface="맑은 고딕" charset="0"/>
-                <a:ea typeface="맑은 고딕" charset="0"/>
-              </a:rPr>
-              <a:t>   각자 클래스를 나눠 맡은 기능만 구현하여 최종적으로 통합</a:t>
-            </a:r>
-            <a:endParaRPr lang="ko-KR" altLang="en-US" sz="2800" b="1">
-              <a:latin typeface="맑은 고딕" charset="0"/>
-              <a:ea typeface="맑은 고딕" charset="0"/>
-            </a:endParaRPr>
-          </a:p>
-          <a:p>
-            <a:pPr marL="0" indent="0" algn="l" defTabSz="914400" eaLnBrk="1" latinLnBrk="1" hangingPunct="1">
-              <a:lnSpc>
-                <a:spcPct val="90000"/>
-              </a:lnSpc>
-              <a:spcBef>
-                <a:spcPts val="1000"/>
-              </a:spcBef>
-              <a:spcAft>
-                <a:spcPts val="0"/>
-              </a:spcAft>
-              <a:buFontTx/>
-              <a:buNone/>
-            </a:pPr>
-            <a:endParaRPr lang="ko-KR" altLang="en-US" sz="2800" b="1">
-              <a:latin typeface="맑은 고딕" charset="0"/>
-              <a:ea typeface="맑은 고딕" charset="0"/>
-            </a:endParaRPr>
-          </a:p>
-          <a:p>
-            <a:pPr marL="254000" indent="-254000" algn="l" defTabSz="914400" eaLnBrk="1" latinLnBrk="1" hangingPunct="1">
-              <a:lnSpc>
-                <a:spcPct val="90000"/>
-              </a:lnSpc>
-              <a:spcBef>
-                <a:spcPts val="1000"/>
-              </a:spcBef>
-              <a:spcAft>
-                <a:spcPts val="0"/>
-              </a:spcAft>
-              <a:buFont typeface="Wingdings"/>
-              <a:buChar char=""/>
-            </a:pPr>
-            <a:r>
-              <a:rPr sz="2800" b="1">
-                <a:latin typeface="맑은 고딕" charset="0"/>
-                <a:ea typeface="맑은 고딕" charset="0"/>
-              </a:rPr>
-              <a:t> MVC패턴을 사용하여 얻은 이점</a:t>
-            </a:r>
-            <a:endParaRPr lang="ko-KR" altLang="en-US" sz="2800" b="1">
-              <a:latin typeface="맑은 고딕" charset="0"/>
-              <a:ea typeface="맑은 고딕" charset="0"/>
-            </a:endParaRPr>
-          </a:p>
-          <a:p>
-            <a:pPr marL="0" indent="0" algn="l" defTabSz="914400" eaLnBrk="1" latinLnBrk="1" hangingPunct="1">
-              <a:lnSpc>
-                <a:spcPct val="90000"/>
-              </a:lnSpc>
-              <a:spcBef>
-                <a:spcPts val="1000"/>
-              </a:spcBef>
-              <a:spcAft>
-                <a:spcPts val="0"/>
-              </a:spcAft>
-              <a:buFontTx/>
-              <a:buNone/>
-            </a:pPr>
-            <a:r>
-              <a:rPr sz="2800" b="1">
-                <a:latin typeface="맑은 고딕" charset="0"/>
-                <a:ea typeface="맑은 고딕" charset="0"/>
-              </a:rPr>
-              <a:t> - 역할 분담이 확실하고 효율적인 프로젝트 진행 </a:t>
-            </a:r>
-            <a:endParaRPr lang="ko-KR" altLang="en-US" sz="2800" b="1">
-              <a:latin typeface="맑은 고딕" charset="0"/>
-              <a:ea typeface="맑은 고딕" charset="0"/>
-            </a:endParaRPr>
-          </a:p>
-          <a:p>
-            <a:pPr marL="0" indent="0" algn="l" defTabSz="914400" eaLnBrk="1" latinLnBrk="1" hangingPunct="1">
-              <a:lnSpc>
-                <a:spcPct val="90000"/>
-              </a:lnSpc>
-              <a:spcBef>
-                <a:spcPts val="1000"/>
-              </a:spcBef>
-              <a:spcAft>
-                <a:spcPts val="0"/>
-              </a:spcAft>
-              <a:buFontTx/>
-              <a:buNone/>
-            </a:pPr>
-            <a:r>
-              <a:rPr sz="2800" b="1">
-                <a:latin typeface="맑은 고딕" charset="0"/>
-                <a:ea typeface="맑은 고딕" charset="0"/>
-              </a:rPr>
-              <a:t> - 오류 수정이나 기능 추가 등이 쉬움</a:t>
-            </a:r>
-            <a:endParaRPr lang="ko-KR" altLang="en-US" sz="2800" b="1">
-              <a:latin typeface="맑은 고딕" charset="0"/>
-              <a:ea typeface="맑은 고딕" charset="0"/>
-            </a:endParaRPr>
-          </a:p>
-          <a:p>
-            <a:pPr marL="0" indent="0" algn="l" defTabSz="914400" eaLnBrk="1" latinLnBrk="1" hangingPunct="1">
-              <a:lnSpc>
-                <a:spcPct val="90000"/>
-              </a:lnSpc>
-              <a:spcBef>
-                <a:spcPts val="1000"/>
-              </a:spcBef>
-              <a:spcAft>
-                <a:spcPts val="0"/>
-              </a:spcAft>
-              <a:buFontTx/>
-              <a:buNone/>
-            </a:pPr>
-            <a:endParaRPr lang="ko-KR" altLang="en-US" sz="2800" b="1">
-              <a:latin typeface="맑은 고딕" charset="0"/>
-              <a:ea typeface="맑은 고딕" charset="0"/>
-            </a:endParaRPr>
-          </a:p>
-          <a:p>
-            <a:pPr marL="0" indent="0" algn="l" defTabSz="914400" eaLnBrk="1" latinLnBrk="1" hangingPunct="1">
-              <a:lnSpc>
-                <a:spcPct val="90000"/>
-              </a:lnSpc>
-              <a:spcBef>
-                <a:spcPts val="1000"/>
-              </a:spcBef>
-              <a:spcAft>
-                <a:spcPts val="0"/>
-              </a:spcAft>
-              <a:buFontTx/>
-              <a:buNone/>
-            </a:pPr>
-            <a:endParaRPr lang="ko-KR" altLang="en-US" sz="2800">
-              <a:latin typeface="맑은 고딕" charset="0"/>
-              <a:ea typeface="Arial" charset="0"/>
               <a:cs typeface="+mn-cs"/>
             </a:endParaRPr>
           </a:p>
@@ -10350,7 +12092,7 @@
       </p:sp>
       <p:sp>
         <p:nvSpPr>
-          <p:cNvPr id="4" name="Rect 0"/>
+          <p:cNvPr id="4" name="바닥글 개체 틀 4"/>
           <p:cNvSpPr txBox="1">
             <a:spLocks/>
           </p:cNvSpPr>
@@ -10361,17 +12103,17 @@
         <p:spPr>
           <a:xfrm rot="0">
             <a:off x="4038600" y="6356350"/>
-            <a:ext cx="4116070" cy="366395"/>
+            <a:ext cx="4116705" cy="367030"/>
           </a:xfrm>
           <a:prstGeom prst="rect"/>
         </p:spPr>
         <p:txBody>
-          <a:bodyPr wrap="square" lIns="91440" tIns="45720" rIns="91440" bIns="45720" vert="horz" anchor="ctr">
+          <a:bodyPr wrap="square" lIns="91440" tIns="45720" rIns="91440" bIns="45720" numCol="1" vert="horz" anchor="ctr">
             <a:noAutofit/>
           </a:bodyPr>
           <a:lstStyle/>
           <a:p>
-            <a:pPr marL="0" indent="0" algn="ctr" defTabSz="914400" eaLnBrk="1" latinLnBrk="1" hangingPunct="1">
+            <a:pPr marL="0" indent="0" algn="ctr" defTabSz="508000" eaLnBrk="1" latinLnBrk="1" hangingPunct="1">
               <a:lnSpc>
                 <a:spcPct val="100000"/>
               </a:lnSpc>
@@ -10385,696 +12127,17 @@
               <a:buNone/>
             </a:pPr>
             <a:r>
-              <a:rPr sz="1200">
-                <a:latin typeface="맑은 고딕" charset="0"/>
-                <a:ea typeface="Arial" charset="0"/>
+              <a:rPr lang="ko-KR" altLang="en-US" sz="1200">
+                <a:latin typeface="맑은 고딕" charset="0"/>
+                <a:ea typeface="맑은 고딕" charset="0"/>
                 <a:cs typeface="+mn-cs"/>
               </a:rPr>
               <a:t>국내 여행 스마트 예매 시스템 - 가보자</a:t>
-            </a:r>
-            <a:endParaRPr lang="ko-KR" altLang="en-US" sz="1200">
-              <a:latin typeface="맑은 고딕" charset="0"/>
-              <a:ea typeface="Arial" charset="0"/>
-              <a:cs typeface="+mn-cs"/>
-            </a:endParaRPr>
-          </a:p>
-        </p:txBody>
-      </p:sp>
-      <p:pic>
-        <p:nvPicPr>
-          <p:cNvPr id="5" name="그림 4" descr="C:/Users/SM007/AppData/Roaming/PolarisOffice/ETemp/26116_23767024/fImage18535522651.png"/>
-          <p:cNvPicPr>
-            <a:picLocks noChangeAspect="1"/>
-          </p:cNvPicPr>
-          <p:nvPr/>
-        </p:nvPicPr>
-        <p:blipFill rotWithShape="1">
-          <a:blip r:embed="rId2" cstate="print">
-            <a:extLst>
-              <a:ext uri="{28A0092B-C50C-407E-A947-70E740481C1C}">
-                <a14:useLocalDpi xmlns:a14="http://schemas.microsoft.com/office/drawing/2010/main" val="0"/>
-              </a:ext>
-            </a:extLst>
-          </a:blip>
-          <a:stretch>
-            <a:fillRect/>
-          </a:stretch>
-        </p:blipFill>
-        <p:spPr>
-          <a:xfrm rot="0">
-            <a:off x="8578850" y="5460365"/>
-            <a:ext cx="1448435" cy="876935"/>
-          </a:xfrm>
-          <a:prstGeom prst="rect"/>
-          <a:noFill/>
-        </p:spPr>
-      </p:pic>
-      <p:pic>
-        <p:nvPicPr>
-          <p:cNvPr id="6" name="그림 5" descr="C:/Users/SM007/AppData/Roaming/PolarisOffice/ETemp/26116_23767024/fImage18535531788.png"/>
-          <p:cNvPicPr>
-            <a:picLocks noChangeAspect="1"/>
-          </p:cNvPicPr>
-          <p:nvPr/>
-        </p:nvPicPr>
-        <p:blipFill rotWithShape="1">
-          <a:blip r:embed="rId3" cstate="print">
-            <a:extLst>
-              <a:ext uri="{28A0092B-C50C-407E-A947-70E740481C1C}">
-                <a14:useLocalDpi xmlns:a14="http://schemas.microsoft.com/office/drawing/2010/main" val="0"/>
-              </a:ext>
-            </a:extLst>
-          </a:blip>
-          <a:stretch>
-            <a:fillRect/>
-          </a:stretch>
-        </p:blipFill>
-        <p:spPr>
-          <a:xfrm rot="0">
-            <a:off x="4804410" y="5459095"/>
-            <a:ext cx="1448435" cy="876935"/>
-          </a:xfrm>
-          <a:prstGeom prst="rect"/>
-          <a:noFill/>
-        </p:spPr>
-      </p:pic>
-      <p:pic>
-        <p:nvPicPr>
-          <p:cNvPr id="7" name="그림 6" descr="C:/Users/SM007/AppData/Roaming/PolarisOffice/ETemp/26116_23767024/fImage18535544524.png"/>
-          <p:cNvPicPr>
-            <a:picLocks noChangeAspect="1"/>
-          </p:cNvPicPr>
-          <p:nvPr/>
-        </p:nvPicPr>
-        <p:blipFill rotWithShape="1">
-          <a:blip r:embed="rId4" cstate="print">
-            <a:extLst>
-              <a:ext uri="{28A0092B-C50C-407E-A947-70E740481C1C}">
-                <a14:useLocalDpi xmlns:a14="http://schemas.microsoft.com/office/drawing/2010/main" val="0"/>
-              </a:ext>
-            </a:extLst>
-          </a:blip>
-          <a:stretch>
-            <a:fillRect/>
-          </a:stretch>
-        </p:blipFill>
-        <p:spPr>
-          <a:xfrm rot="0">
-            <a:off x="920115" y="5458460"/>
-            <a:ext cx="1448435" cy="876935"/>
-          </a:xfrm>
-          <a:prstGeom prst="rect"/>
-          <a:noFill/>
-        </p:spPr>
-      </p:pic>
-      <p:sp>
-        <p:nvSpPr>
-          <p:cNvPr id="8" name="도형 7"/>
-          <p:cNvSpPr>
-            <a:spLocks/>
-          </p:cNvSpPr>
-          <p:nvPr/>
-        </p:nvSpPr>
-        <p:spPr>
-          <a:xfrm rot="480000">
-            <a:off x="1899285" y="4727575"/>
-            <a:ext cx="2429510" cy="815975"/>
-          </a:xfrm>
-          <a:prstGeom prst="wedgeEllipseCallout"/>
-          <a:ln w="12700" cap="flat" cmpd="sng">
-            <a:solidFill>
-              <a:schemeClr val="tx1">
-                <a:alpha val="100000"/>
-              </a:schemeClr>
-            </a:solidFill>
-            <a:prstDash val="solid"/>
-          </a:ln>
-        </p:spPr>
-        <p:style>
-          <a:lnRef idx="2">
-            <a:schemeClr val="accent1">
-              <a:shade val="50000"/>
-            </a:schemeClr>
-          </a:lnRef>
-          <a:fillRef idx="1">
-            <a:schemeClr val="accent1"/>
-          </a:fillRef>
-          <a:effectRef idx="0">
-            <a:schemeClr val="accent1"/>
-          </a:effectRef>
-          <a:fontRef idx="minor">
-            <a:schemeClr val="lt1"/>
-          </a:fontRef>
-        </p:style>
-        <p:txBody>
-          <a:bodyPr wrap="square" lIns="91440" tIns="45720" rIns="91440" bIns="45720" vert="horz" anchor="ctr">
-            <a:noAutofit/>
-          </a:bodyPr>
-          <a:lstStyle/>
-          <a:p>
-            <a:pPr marL="0" indent="0" algn="ctr" defTabSz="914400" eaLnBrk="1" latinLnBrk="1" hangingPunct="1">
-              <a:lnSpc>
-                <a:spcPct val="100000"/>
-              </a:lnSpc>
-              <a:spcBef>
-                <a:spcPts val="0"/>
-              </a:spcBef>
-              <a:spcAft>
-                <a:spcPts val="0"/>
-              </a:spcAft>
-              <a:buFontTx/>
-              <a:buNone/>
-            </a:pPr>
-            <a:r>
-              <a:rPr sz="1200">
-                <a:latin typeface="맑은 고딕" charset="0"/>
-                <a:ea typeface="맑은 고딕" charset="0"/>
-              </a:rPr>
-              <a:t>MemberManagementService.class</a:t>
             </a:r>
             <a:endParaRPr lang="ko-KR" altLang="en-US" sz="1200">
               <a:latin typeface="맑은 고딕" charset="0"/>
               <a:ea typeface="맑은 고딕" charset="0"/>
-            </a:endParaRPr>
-          </a:p>
-          <a:p>
-            <a:pPr marL="0" indent="0" algn="ctr" defTabSz="914400" eaLnBrk="1" latinLnBrk="1" hangingPunct="1">
-              <a:lnSpc>
-                <a:spcPct val="100000"/>
-              </a:lnSpc>
-              <a:spcBef>
-                <a:spcPts val="0"/>
-              </a:spcBef>
-              <a:spcAft>
-                <a:spcPts val="0"/>
-              </a:spcAft>
-              <a:buFontTx/>
-              <a:buNone/>
-            </a:pPr>
-            <a:r>
-              <a:rPr sz="1200">
-                <a:latin typeface="맑은 고딕" charset="0"/>
-                <a:ea typeface="맑은 고딕" charset="0"/>
-              </a:rPr>
-              <a:t>.</a:t>
-            </a:r>
-            <a:endParaRPr lang="ko-KR" altLang="en-US" sz="1200">
-              <a:latin typeface="맑은 고딕" charset="0"/>
-              <a:ea typeface="맑은 고딕" charset="0"/>
-            </a:endParaRPr>
-          </a:p>
-          <a:p>
-            <a:pPr marL="0" indent="0" algn="ctr" defTabSz="914400" eaLnBrk="1" latinLnBrk="1" hangingPunct="1">
-              <a:lnSpc>
-                <a:spcPct val="100000"/>
-              </a:lnSpc>
-              <a:spcBef>
-                <a:spcPts val="0"/>
-              </a:spcBef>
-              <a:spcAft>
-                <a:spcPts val="0"/>
-              </a:spcAft>
-              <a:buFontTx/>
-              <a:buNone/>
-            </a:pPr>
-            <a:r>
-              <a:rPr sz="1200">
-                <a:latin typeface="맑은 고딕" charset="0"/>
-                <a:ea typeface="맑은 고딕" charset="0"/>
-              </a:rPr>
-              <a:t>.</a:t>
-            </a:r>
-            <a:endParaRPr lang="ko-KR" altLang="en-US" sz="1200">
-              <a:latin typeface="맑은 고딕" charset="0"/>
-              <a:ea typeface="맑은 고딕" charset="0"/>
-            </a:endParaRPr>
-          </a:p>
-        </p:txBody>
-      </p:sp>
-      <p:sp>
-        <p:nvSpPr>
-          <p:cNvPr id="9" name="도형 8"/>
-          <p:cNvSpPr>
-            <a:spLocks/>
-          </p:cNvSpPr>
-          <p:nvPr/>
-        </p:nvSpPr>
-        <p:spPr>
-          <a:xfrm rot="360000">
-            <a:off x="6106795" y="4226560"/>
-            <a:ext cx="2483485" cy="1317625"/>
-          </a:xfrm>
-          <a:prstGeom prst="wedgeEllipseCallout"/>
-          <a:ln w="12700" cap="flat" cmpd="sng">
-            <a:solidFill>
-              <a:schemeClr val="tx1">
-                <a:alpha val="100000"/>
-              </a:schemeClr>
-            </a:solidFill>
-            <a:prstDash val="solid"/>
-          </a:ln>
-        </p:spPr>
-        <p:style>
-          <a:lnRef idx="2">
-            <a:schemeClr val="accent1">
-              <a:shade val="50000"/>
-            </a:schemeClr>
-          </a:lnRef>
-          <a:fillRef idx="1">
-            <a:schemeClr val="accent1"/>
-          </a:fillRef>
-          <a:effectRef idx="0">
-            <a:schemeClr val="accent1"/>
-          </a:effectRef>
-          <a:fontRef idx="minor">
-            <a:schemeClr val="lt1"/>
-          </a:fontRef>
-        </p:style>
-        <p:txBody>
-          <a:bodyPr wrap="square" lIns="91440" tIns="45720" rIns="91440" bIns="45720" vert="horz" anchor="ctr">
-            <a:noAutofit/>
-          </a:bodyPr>
-          <a:lstStyle/>
-          <a:p>
-            <a:pPr marL="0" indent="0" algn="ctr" defTabSz="914400" eaLnBrk="1" latinLnBrk="1" hangingPunct="1">
-              <a:lnSpc>
-                <a:spcPct val="100000"/>
-              </a:lnSpc>
-              <a:spcBef>
-                <a:spcPts val="0"/>
-              </a:spcBef>
-              <a:spcAft>
-                <a:spcPts val="0"/>
-              </a:spcAft>
-              <a:buFontTx/>
-              <a:buNone/>
-            </a:pPr>
-            <a:endParaRPr lang="ko-KR" altLang="en-US" sz="1200">
-              <a:latin typeface="맑은 고딕" charset="0"/>
-              <a:ea typeface="맑은 고딕" charset="0"/>
-            </a:endParaRPr>
-          </a:p>
-          <a:p>
-            <a:pPr marL="0" indent="0" algn="ctr" defTabSz="914400" eaLnBrk="1" latinLnBrk="1" hangingPunct="1">
-              <a:lnSpc>
-                <a:spcPct val="100000"/>
-              </a:lnSpc>
-              <a:spcBef>
-                <a:spcPts val="0"/>
-              </a:spcBef>
-              <a:spcAft>
-                <a:spcPts val="0"/>
-              </a:spcAft>
-              <a:buFontTx/>
-              <a:buNone/>
-            </a:pPr>
-            <a:r>
-              <a:rPr sz="1200">
-                <a:latin typeface="맑은 고딕" charset="0"/>
-                <a:ea typeface="맑은 고딕" charset="0"/>
-              </a:rPr>
-              <a:t>Member.class</a:t>
-            </a:r>
-            <a:endParaRPr lang="ko-KR" altLang="en-US" sz="1200">
-              <a:latin typeface="맑은 고딕" charset="0"/>
-              <a:ea typeface="맑은 고딕" charset="0"/>
-            </a:endParaRPr>
-          </a:p>
-          <a:p>
-            <a:pPr marL="0" indent="0" algn="ctr" defTabSz="914400" eaLnBrk="1" latinLnBrk="1" hangingPunct="1">
-              <a:lnSpc>
-                <a:spcPct val="100000"/>
-              </a:lnSpc>
-              <a:spcBef>
-                <a:spcPts val="0"/>
-              </a:spcBef>
-              <a:spcAft>
-                <a:spcPts val="0"/>
-              </a:spcAft>
-              <a:buFontTx/>
-              <a:buNone/>
-            </a:pPr>
-            <a:r>
-              <a:rPr sz="1200">
-                <a:latin typeface="맑은 고딕" charset="0"/>
-                <a:ea typeface="맑은 고딕" charset="0"/>
-              </a:rPr>
-              <a:t>MemberDAO.class</a:t>
-            </a:r>
-            <a:endParaRPr lang="ko-KR" altLang="en-US" sz="1200">
-              <a:latin typeface="맑은 고딕" charset="0"/>
-              <a:ea typeface="맑은 고딕" charset="0"/>
-            </a:endParaRPr>
-          </a:p>
-          <a:p>
-            <a:pPr marL="0" indent="0" algn="ctr" defTabSz="914400" eaLnBrk="1" latinLnBrk="1" hangingPunct="1">
-              <a:lnSpc>
-                <a:spcPct val="100000"/>
-              </a:lnSpc>
-              <a:spcBef>
-                <a:spcPts val="0"/>
-              </a:spcBef>
-              <a:spcAft>
-                <a:spcPts val="0"/>
-              </a:spcAft>
-              <a:buFontTx/>
-              <a:buNone/>
-            </a:pPr>
-            <a:r>
-              <a:rPr sz="1200">
-                <a:latin typeface="맑은 고딕" charset="0"/>
-                <a:ea typeface="맑은 고딕" charset="0"/>
-              </a:rPr>
-              <a:t>BookingPayment.class</a:t>
-            </a:r>
-            <a:endParaRPr lang="ko-KR" altLang="en-US" sz="1200">
-              <a:latin typeface="맑은 고딕" charset="0"/>
-              <a:ea typeface="맑은 고딕" charset="0"/>
-            </a:endParaRPr>
-          </a:p>
-          <a:p>
-            <a:pPr marL="0" indent="0" algn="ctr" defTabSz="914400" eaLnBrk="1" latinLnBrk="1" hangingPunct="1">
-              <a:lnSpc>
-                <a:spcPct val="100000"/>
-              </a:lnSpc>
-              <a:spcBef>
-                <a:spcPts val="0"/>
-              </a:spcBef>
-              <a:spcAft>
-                <a:spcPts val="0"/>
-              </a:spcAft>
-              <a:buFontTx/>
-              <a:buNone/>
-            </a:pPr>
-            <a:r>
-              <a:rPr sz="1200">
-                <a:latin typeface="맑은 고딕" charset="0"/>
-                <a:ea typeface="맑은 고딕" charset="0"/>
-              </a:rPr>
-              <a:t>.</a:t>
-            </a:r>
-            <a:endParaRPr lang="ko-KR" altLang="en-US" sz="1200">
-              <a:latin typeface="맑은 고딕" charset="0"/>
-              <a:ea typeface="맑은 고딕" charset="0"/>
-            </a:endParaRPr>
-          </a:p>
-          <a:p>
-            <a:pPr marL="0" indent="0" algn="ctr" defTabSz="914400" eaLnBrk="1" latinLnBrk="1" hangingPunct="1">
-              <a:lnSpc>
-                <a:spcPct val="100000"/>
-              </a:lnSpc>
-              <a:spcBef>
-                <a:spcPts val="0"/>
-              </a:spcBef>
-              <a:spcAft>
-                <a:spcPts val="0"/>
-              </a:spcAft>
-              <a:buFontTx/>
-              <a:buNone/>
-            </a:pPr>
-            <a:r>
-              <a:rPr sz="1200">
-                <a:latin typeface="맑은 고딕" charset="0"/>
-                <a:ea typeface="맑은 고딕" charset="0"/>
-              </a:rPr>
-              <a:t>.</a:t>
-            </a:r>
-            <a:endParaRPr lang="ko-KR" altLang="en-US" sz="1200">
-              <a:latin typeface="맑은 고딕" charset="0"/>
-              <a:ea typeface="맑은 고딕" charset="0"/>
-            </a:endParaRPr>
-          </a:p>
-          <a:p>
-            <a:pPr marL="0" indent="0" algn="ctr" defTabSz="914400" eaLnBrk="1" latinLnBrk="1" hangingPunct="1">
-              <a:lnSpc>
-                <a:spcPct val="100000"/>
-              </a:lnSpc>
-              <a:spcBef>
-                <a:spcPts val="0"/>
-              </a:spcBef>
-              <a:spcAft>
-                <a:spcPts val="0"/>
-              </a:spcAft>
-              <a:buFontTx/>
-              <a:buNone/>
-            </a:pPr>
-            <a:r>
-              <a:rPr sz="1200">
-                <a:latin typeface="맑은 고딕" charset="0"/>
-                <a:ea typeface="맑은 고딕" charset="0"/>
-              </a:rPr>
-              <a:t>.</a:t>
-            </a:r>
-            <a:endParaRPr lang="ko-KR" altLang="en-US" sz="1200">
-              <a:latin typeface="맑은 고딕" charset="0"/>
-              <a:ea typeface="맑은 고딕" charset="0"/>
-            </a:endParaRPr>
-          </a:p>
-          <a:p>
-            <a:pPr marL="0" indent="0" algn="ctr" defTabSz="914400" eaLnBrk="1" latinLnBrk="1" hangingPunct="1">
-              <a:lnSpc>
-                <a:spcPct val="100000"/>
-              </a:lnSpc>
-              <a:spcBef>
-                <a:spcPts val="0"/>
-              </a:spcBef>
-              <a:spcAft>
-                <a:spcPts val="0"/>
-              </a:spcAft>
-              <a:buFontTx/>
-              <a:buNone/>
-            </a:pPr>
-            <a:endParaRPr lang="ko-KR" altLang="en-US" sz="1200">
-              <a:latin typeface="맑은 고딕" charset="0"/>
-              <a:ea typeface="맑은 고딕" charset="0"/>
-            </a:endParaRPr>
-          </a:p>
-        </p:txBody>
-      </p:sp>
-      <p:sp>
-        <p:nvSpPr>
-          <p:cNvPr id="10" name="도형 9"/>
-          <p:cNvSpPr>
-            <a:spLocks/>
-          </p:cNvSpPr>
-          <p:nvPr/>
-        </p:nvSpPr>
-        <p:spPr>
-          <a:xfrm rot="480000">
-            <a:off x="9874250" y="4072890"/>
-            <a:ext cx="2465070" cy="1495425"/>
-          </a:xfrm>
-          <a:prstGeom prst="wedgeEllipseCallout"/>
-          <a:ln w="12700" cap="flat" cmpd="sng">
-            <a:solidFill>
-              <a:schemeClr val="tx1">
-                <a:alpha val="100000"/>
-              </a:schemeClr>
-            </a:solidFill>
-            <a:prstDash val="solid"/>
-          </a:ln>
-        </p:spPr>
-        <p:style>
-          <a:lnRef idx="2">
-            <a:schemeClr val="accent1">
-              <a:shade val="50000"/>
-            </a:schemeClr>
-          </a:lnRef>
-          <a:fillRef idx="1">
-            <a:schemeClr val="accent1"/>
-          </a:fillRef>
-          <a:effectRef idx="0">
-            <a:schemeClr val="accent1"/>
-          </a:effectRef>
-          <a:fontRef idx="minor">
-            <a:schemeClr val="lt1"/>
-          </a:fontRef>
-        </p:style>
-        <p:txBody>
-          <a:bodyPr wrap="square" lIns="91440" tIns="45720" rIns="91440" bIns="45720" vert="horz" anchor="ctr">
-            <a:noAutofit/>
-          </a:bodyPr>
-          <a:lstStyle/>
-          <a:p>
-            <a:pPr marL="0" indent="0" algn="ctr" defTabSz="914400" eaLnBrk="1" latinLnBrk="1" hangingPunct="1">
-              <a:lnSpc>
-                <a:spcPct val="100000"/>
-              </a:lnSpc>
-              <a:spcBef>
-                <a:spcPts val="0"/>
-              </a:spcBef>
-              <a:spcAft>
-                <a:spcPts val="0"/>
-              </a:spcAft>
-              <a:buFontTx/>
-              <a:buNone/>
-            </a:pPr>
-            <a:r>
-              <a:rPr sz="1100">
-                <a:latin typeface="맑은 고딕" charset="0"/>
-                <a:ea typeface="맑은 고딕" charset="0"/>
-              </a:rPr>
-              <a:t>GUI_BookingInfo.class</a:t>
-            </a:r>
-            <a:endParaRPr lang="ko-KR" altLang="en-US" sz="1100">
-              <a:latin typeface="맑은 고딕" charset="0"/>
-              <a:ea typeface="맑은 고딕" charset="0"/>
-            </a:endParaRPr>
-          </a:p>
-          <a:p>
-            <a:pPr marL="0" indent="0" algn="ctr" defTabSz="914400" eaLnBrk="1" latinLnBrk="1" hangingPunct="1">
-              <a:lnSpc>
-                <a:spcPct val="100000"/>
-              </a:lnSpc>
-              <a:spcBef>
-                <a:spcPts val="0"/>
-              </a:spcBef>
-              <a:spcAft>
-                <a:spcPts val="0"/>
-              </a:spcAft>
-              <a:buFontTx/>
-              <a:buNone/>
-            </a:pPr>
-            <a:r>
-              <a:rPr sz="1100">
-                <a:latin typeface="맑은 고딕" charset="0"/>
-                <a:ea typeface="맑은 고딕" charset="0"/>
-              </a:rPr>
-              <a:t>GUI_MainMenu.class</a:t>
-            </a:r>
-            <a:endParaRPr lang="ko-KR" altLang="en-US" sz="1100">
-              <a:latin typeface="맑은 고딕" charset="0"/>
-              <a:ea typeface="맑은 고딕" charset="0"/>
-            </a:endParaRPr>
-          </a:p>
-          <a:p>
-            <a:pPr marL="0" indent="0" algn="ctr" defTabSz="914400" eaLnBrk="1" latinLnBrk="1" hangingPunct="1">
-              <a:lnSpc>
-                <a:spcPct val="100000"/>
-              </a:lnSpc>
-              <a:spcBef>
-                <a:spcPts val="0"/>
-              </a:spcBef>
-              <a:spcAft>
-                <a:spcPts val="0"/>
-              </a:spcAft>
-              <a:buFontTx/>
-              <a:buNone/>
-            </a:pPr>
-            <a:r>
-              <a:rPr sz="1100">
-                <a:latin typeface="맑은 고딕" charset="0"/>
-                <a:ea typeface="맑은 고딕" charset="0"/>
-              </a:rPr>
-              <a:t>GUI_Join.class</a:t>
-            </a:r>
-            <a:endParaRPr lang="ko-KR" altLang="en-US" sz="1100">
-              <a:latin typeface="맑은 고딕" charset="0"/>
-              <a:ea typeface="맑은 고딕" charset="0"/>
-            </a:endParaRPr>
-          </a:p>
-          <a:p>
-            <a:pPr marL="0" indent="0" algn="ctr" defTabSz="914400" eaLnBrk="1" latinLnBrk="1" hangingPunct="1">
-              <a:lnSpc>
-                <a:spcPct val="100000"/>
-              </a:lnSpc>
-              <a:spcBef>
-                <a:spcPts val="0"/>
-              </a:spcBef>
-              <a:spcAft>
-                <a:spcPts val="0"/>
-              </a:spcAft>
-              <a:buFontTx/>
-              <a:buNone/>
-            </a:pPr>
-            <a:r>
-              <a:rPr sz="1100">
-                <a:latin typeface="맑은 고딕" charset="0"/>
-                <a:ea typeface="맑은 고딕" charset="0"/>
-              </a:rPr>
-              <a:t>GUI_pay.class</a:t>
-            </a:r>
-            <a:endParaRPr lang="ko-KR" altLang="en-US" sz="1100">
-              <a:latin typeface="맑은 고딕" charset="0"/>
-              <a:ea typeface="맑은 고딕" charset="0"/>
-            </a:endParaRPr>
-          </a:p>
-          <a:p>
-            <a:pPr marL="0" indent="0" algn="ctr" defTabSz="914400" eaLnBrk="1" latinLnBrk="1" hangingPunct="1">
-              <a:lnSpc>
-                <a:spcPct val="100000"/>
-              </a:lnSpc>
-              <a:spcBef>
-                <a:spcPts val="0"/>
-              </a:spcBef>
-              <a:spcAft>
-                <a:spcPts val="0"/>
-              </a:spcAft>
-              <a:buFontTx/>
-              <a:buNone/>
-            </a:pPr>
-            <a:r>
-              <a:rPr sz="1100">
-                <a:latin typeface="맑은 고딕" charset="0"/>
-                <a:ea typeface="맑은 고딕" charset="0"/>
-              </a:rPr>
-              <a:t>.</a:t>
-            </a:r>
-            <a:endParaRPr lang="ko-KR" altLang="en-US" sz="1100">
-              <a:latin typeface="맑은 고딕" charset="0"/>
-              <a:ea typeface="맑은 고딕" charset="0"/>
-            </a:endParaRPr>
-          </a:p>
-          <a:p>
-            <a:pPr marL="0" indent="0" algn="ctr" defTabSz="914400" eaLnBrk="1" latinLnBrk="1" hangingPunct="1">
-              <a:lnSpc>
-                <a:spcPct val="100000"/>
-              </a:lnSpc>
-              <a:spcBef>
-                <a:spcPts val="0"/>
-              </a:spcBef>
-              <a:spcAft>
-                <a:spcPts val="0"/>
-              </a:spcAft>
-              <a:buFontTx/>
-              <a:buNone/>
-            </a:pPr>
-            <a:r>
-              <a:rPr sz="1100">
-                <a:latin typeface="맑은 고딕" charset="0"/>
-                <a:ea typeface="맑은 고딕" charset="0"/>
-              </a:rPr>
-              <a:t>.</a:t>
-            </a:r>
-            <a:endParaRPr lang="ko-KR" altLang="en-US" sz="1100">
-              <a:latin typeface="맑은 고딕" charset="0"/>
-              <a:ea typeface="맑은 고딕" charset="0"/>
-            </a:endParaRPr>
-          </a:p>
-          <a:p>
-            <a:pPr marL="0" indent="0" algn="ctr" defTabSz="914400" eaLnBrk="1" latinLnBrk="1" hangingPunct="1">
-              <a:lnSpc>
-                <a:spcPct val="100000"/>
-              </a:lnSpc>
-              <a:spcBef>
-                <a:spcPts val="0"/>
-              </a:spcBef>
-              <a:spcAft>
-                <a:spcPts val="0"/>
-              </a:spcAft>
-              <a:buFontTx/>
-              <a:buNone/>
-            </a:pPr>
-            <a:r>
-              <a:rPr sz="1100">
-                <a:latin typeface="맑은 고딕" charset="0"/>
-                <a:ea typeface="맑은 고딕" charset="0"/>
-              </a:rPr>
-              <a:t>.</a:t>
-            </a:r>
-            <a:endParaRPr lang="ko-KR" altLang="en-US" sz="1100">
-              <a:latin typeface="맑은 고딕" charset="0"/>
-              <a:ea typeface="맑은 고딕" charset="0"/>
+              <a:cs typeface="+mn-cs"/>
             </a:endParaRPr>
           </a:p>
         </p:txBody>
@@ -11096,7 +12159,7 @@
 </file>
 
 <file path=ppt/slides/slide9.xml><?xml version="1.0" encoding="utf-8"?>
-<p:sld xmlns:a="http://schemas.openxmlformats.org/drawingml/2006/main" xmlns:r="http://schemas.openxmlformats.org/officeDocument/2006/relationships" xmlns:p="http://schemas.openxmlformats.org/presentationml/2006/main">
+<p:sld xmlns:a="http://schemas.openxmlformats.org/drawingml/2006/main" xmlns:r="http://schemas.openxmlformats.org/officeDocument/2006/relationships" xmlns:p="http://schemas.openxmlformats.org/presentationml/2006/main" xmlns:p14="http://schemas.microsoft.com/office/powerpoint/2010/main">
   <p:cSld>
     <p:spTree>
       <p:nvGrpSpPr>
@@ -11114,7 +12177,7 @@
       </p:grpSpPr>
       <p:sp>
         <p:nvSpPr>
-          <p:cNvPr id="2" name="텍스트 개체 틀 1"/>
+          <p:cNvPr id="2" name="제목 1"/>
           <p:cNvSpPr txBox="1">
             <a:spLocks/>
           </p:cNvSpPr>
@@ -11124,8 +12187,8 @@
         </p:nvSpPr>
         <p:spPr>
           <a:xfrm rot="0">
-            <a:off x="769620" y="188595"/>
-            <a:ext cx="10516870" cy="812800"/>
+            <a:off x="838200" y="365125"/>
+            <a:ext cx="10516870" cy="1327150"/>
           </a:xfrm>
           <a:prstGeom prst="rect"/>
         </p:spPr>
@@ -11135,419 +12198,105 @@
           </a:bodyPr>
           <a:lstStyle/>
           <a:p>
-            <a:pPr marL="0" indent="0" algn="ctr" defTabSz="914400" eaLnBrk="1" latinLnBrk="1" hangingPunct="1">
+            <a:pPr marL="0" indent="0" algn="l" defTabSz="914400" eaLnBrk="1" latinLnBrk="1" hangingPunct="1">
               <a:lnSpc>
                 <a:spcPct val="90000"/>
               </a:lnSpc>
               <a:spcBef>
-                <a:spcPts val="0"/>
-              </a:spcBef>
-              <a:spcAft>
-                <a:spcPts val="0"/>
-              </a:spcAft>
+                <a:spcPct val="0"/>
+              </a:spcBef>
               <a:buFontTx/>
               <a:buNone/>
             </a:pPr>
             <a:r>
-              <a:rPr sz="2800" b="1">
-                <a:latin typeface="맑은 고딕" charset="0"/>
-                <a:ea typeface="맑은 고딕" charset="0"/>
-              </a:rPr>
-              <a:t>프로그램 구조(MVC 패턴 사용)</a:t>
-            </a:r>
-            <a:endParaRPr lang="ko-KR" altLang="en-US" sz="2800" b="1">
+              <a:rPr lang="ko-KR" altLang="en-US" sz="4400">
+                <a:latin typeface="맑은 고딕" charset="0"/>
+                <a:ea typeface="맑은 고딕" charset="0"/>
+                <a:cs typeface="+mj-cs"/>
+              </a:rPr>
+              <a:t>기능소개</a:t>
+            </a:r>
+            <a:endParaRPr lang="ko-KR" altLang="en-US" sz="4400">
               <a:latin typeface="맑은 고딕" charset="0"/>
               <a:ea typeface="맑은 고딕" charset="0"/>
-            </a:endParaRPr>
-          </a:p>
-        </p:txBody>
-      </p:sp>
-      <p:pic>
-        <p:nvPicPr>
-          <p:cNvPr id="3" name="내용 개체 틀 2" descr="C:/Users/SM007/AppData/Roaming/PolarisOffice/ETemp/26116_23767024/fImage117602125892.png"/>
-          <p:cNvPicPr>
-            <a:picLocks noChangeAspect="1"/>
-          </p:cNvPicPr>
-          <p:nvPr>
-            <p:ph type="obj" idx="1"/>
-          </p:nvPr>
-        </p:nvPicPr>
-        <p:blipFill rotWithShape="1">
-          <a:blip r:embed="rId2" cstate="print">
-            <a:extLst>
-              <a:ext uri="{28A0092B-C50C-407E-A947-70E740481C1C}">
-                <a14:useLocalDpi xmlns:a14="http://schemas.microsoft.com/office/drawing/2010/main" val="0"/>
-              </a:ext>
-            </a:extLst>
-          </a:blip>
-          <a:srcRect/>
-          <a:stretch>
-            <a:fillRect/>
-          </a:stretch>
-        </p:blipFill>
-        <p:spPr>
-          <a:xfrm rot="0">
-            <a:off x="3749040" y="1490980"/>
-            <a:ext cx="4272915" cy="3521075"/>
-          </a:xfrm>
-          <a:prstGeom prst="rect"/>
-          <a:noFill/>
-        </p:spPr>
-      </p:pic>
-      <p:pic>
-        <p:nvPicPr>
-          <p:cNvPr id="4" name="그림 3" descr="C:/Users/SM007/AppData/Roaming/PolarisOffice/ETemp/26116_23767024/fImage23712134926.png"/>
-          <p:cNvPicPr>
-            <a:picLocks noChangeAspect="1"/>
-          </p:cNvPicPr>
-          <p:nvPr/>
-        </p:nvPicPr>
-        <p:blipFill rotWithShape="1">
-          <a:blip r:embed="rId3" cstate="print">
-            <a:extLst>
-              <a:ext uri="{28A0092B-C50C-407E-A947-70E740481C1C}">
-                <a14:useLocalDpi xmlns:a14="http://schemas.microsoft.com/office/drawing/2010/main" val="0"/>
-              </a:ext>
-            </a:extLst>
-          </a:blip>
-          <a:stretch>
-            <a:fillRect/>
-          </a:stretch>
-        </p:blipFill>
-        <p:spPr>
-          <a:xfrm rot="0">
-            <a:off x="8595360" y="1245870"/>
-            <a:ext cx="3352165" cy="495935"/>
-          </a:xfrm>
-          <a:prstGeom prst="rect"/>
-          <a:noFill/>
-        </p:spPr>
-      </p:pic>
-      <p:pic>
-        <p:nvPicPr>
-          <p:cNvPr id="5" name="그림 4" descr="C:/Users/SM007/AppData/Roaming/PolarisOffice/ETemp/26116_23767024/fImage11062142124.png"/>
-          <p:cNvPicPr>
-            <a:picLocks noChangeAspect="1"/>
-          </p:cNvPicPr>
-          <p:nvPr/>
-        </p:nvPicPr>
-        <p:blipFill rotWithShape="1">
-          <a:blip r:embed="rId4" cstate="print">
-            <a:extLst>
-              <a:ext uri="{28A0092B-C50C-407E-A947-70E740481C1C}">
-                <a14:useLocalDpi xmlns:a14="http://schemas.microsoft.com/office/drawing/2010/main" val="0"/>
-              </a:ext>
-            </a:extLst>
-          </a:blip>
-          <a:stretch>
-            <a:fillRect/>
-          </a:stretch>
-        </p:blipFill>
-        <p:spPr>
-          <a:xfrm rot="0">
-            <a:off x="8589010" y="2326640"/>
-            <a:ext cx="2897505" cy="362585"/>
-          </a:xfrm>
-          <a:prstGeom prst="rect"/>
-          <a:noFill/>
-        </p:spPr>
-      </p:pic>
-      <p:pic>
-        <p:nvPicPr>
-          <p:cNvPr id="6" name="그림 5" descr="C:/Users/SM007/AppData/Roaming/PolarisOffice/ETemp/26116_23767024/fImage80612158863.png"/>
-          <p:cNvPicPr>
-            <a:picLocks noChangeAspect="1"/>
-          </p:cNvPicPr>
-          <p:nvPr/>
-        </p:nvPicPr>
-        <p:blipFill rotWithShape="1">
-          <a:blip r:embed="rId5" cstate="print">
-            <a:extLst>
-              <a:ext uri="{28A0092B-C50C-407E-A947-70E740481C1C}">
-                <a14:useLocalDpi xmlns:a14="http://schemas.microsoft.com/office/drawing/2010/main" val="0"/>
-              </a:ext>
-            </a:extLst>
-          </a:blip>
-          <a:stretch>
-            <a:fillRect/>
-          </a:stretch>
-        </p:blipFill>
-        <p:spPr>
-          <a:xfrm rot="0">
-            <a:off x="8582660" y="3246755"/>
-            <a:ext cx="2442845" cy="3159125"/>
-          </a:xfrm>
-          <a:prstGeom prst="rect"/>
-          <a:noFill/>
-        </p:spPr>
-      </p:pic>
-      <p:pic>
-        <p:nvPicPr>
-          <p:cNvPr id="7" name="그림 6" descr="C:/Users/SM007/AppData/Roaming/PolarisOffice/ETemp/26116_23767024/fImage78682162946.png"/>
-          <p:cNvPicPr>
-            <a:picLocks noChangeAspect="1"/>
-          </p:cNvPicPr>
-          <p:nvPr/>
-        </p:nvPicPr>
-        <p:blipFill rotWithShape="1">
-          <a:blip r:embed="rId6" cstate="print">
-            <a:extLst>
-              <a:ext uri="{28A0092B-C50C-407E-A947-70E740481C1C}">
-                <a14:useLocalDpi xmlns:a14="http://schemas.microsoft.com/office/drawing/2010/main" val="0"/>
-              </a:ext>
-            </a:extLst>
-          </a:blip>
-          <a:stretch>
-            <a:fillRect/>
-          </a:stretch>
-        </p:blipFill>
-        <p:spPr>
-          <a:xfrm rot="0">
-            <a:off x="664845" y="586105"/>
-            <a:ext cx="2749550" cy="2621915"/>
-          </a:xfrm>
-          <a:prstGeom prst="rect"/>
-          <a:noFill/>
-        </p:spPr>
-      </p:pic>
-      <p:pic>
-        <p:nvPicPr>
-          <p:cNvPr id="8" name="그림 7" descr="C:/Users/SM007/AppData/Roaming/PolarisOffice/ETemp/26116_23767024/fImage86302171379.png"/>
-          <p:cNvPicPr>
-            <a:picLocks noChangeAspect="1"/>
-          </p:cNvPicPr>
-          <p:nvPr/>
-        </p:nvPicPr>
-        <p:blipFill rotWithShape="1">
-          <a:blip r:embed="rId7" cstate="print">
-            <a:extLst>
-              <a:ext uri="{28A0092B-C50C-407E-A947-70E740481C1C}">
-                <a14:useLocalDpi xmlns:a14="http://schemas.microsoft.com/office/drawing/2010/main" val="0"/>
-              </a:ext>
-            </a:extLst>
-          </a:blip>
-          <a:stretch>
-            <a:fillRect/>
-          </a:stretch>
-        </p:blipFill>
-        <p:spPr>
-          <a:xfrm rot="0">
-            <a:off x="652780" y="3531870"/>
-            <a:ext cx="2731770" cy="2971800"/>
-          </a:xfrm>
-          <a:prstGeom prst="rect"/>
-          <a:noFill/>
-        </p:spPr>
-      </p:pic>
-      <p:cxnSp>
-        <p:nvCxnSpPr>
-          <p:cNvPr id="9" name="도형 8"/>
-          <p:cNvCxnSpPr/>
-          <p:nvPr/>
-        </p:nvCxnSpPr>
-        <p:spPr>
-          <a:xfrm rot="0" flipV="1">
-            <a:off x="5512435" y="1461770"/>
-            <a:ext cx="2903855" cy="1363980"/>
-          </a:xfrm>
-          <a:prstGeom prst="bentConnector3">
-            <a:avLst>
-              <a:gd name="adj1" fmla="val 49995"/>
-            </a:avLst>
-          </a:prstGeom>
-          <a:ln w="6350" cap="flat" cmpd="sng">
-            <a:prstDash/>
-            <a:headEnd type="none" w="med" len="med"/>
-            <a:tailEnd type="triangle" w="med" len="med"/>
-          </a:ln>
-        </p:spPr>
-        <p:style>
-          <a:lnRef idx="1">
-            <a:schemeClr val="accent1"/>
-          </a:lnRef>
-          <a:fillRef idx="0">
-            <a:schemeClr val="accent1"/>
-          </a:fillRef>
-          <a:effectRef idx="0">
-            <a:schemeClr val="accent1"/>
-          </a:effectRef>
-          <a:fontRef idx="minor">
-            <a:schemeClr val="tx1"/>
-          </a:fontRef>
-        </p:style>
-      </p:cxnSp>
-      <p:cxnSp>
-        <p:nvCxnSpPr>
-          <p:cNvPr id="10" name="도형 9"/>
-          <p:cNvCxnSpPr/>
-          <p:nvPr/>
-        </p:nvCxnSpPr>
-        <p:spPr>
-          <a:xfrm rot="0" flipV="1">
-            <a:off x="5188585" y="2402840"/>
-            <a:ext cx="3247390" cy="619125"/>
-          </a:xfrm>
-          <a:prstGeom prst="bentConnector3">
-            <a:avLst>
-              <a:gd name="adj1" fmla="val 49986"/>
-            </a:avLst>
-          </a:prstGeom>
-          <a:ln w="6350" cap="flat" cmpd="sng">
-            <a:prstDash/>
-            <a:headEnd type="none" w="med" len="med"/>
-            <a:tailEnd type="triangle" w="med" len="med"/>
-          </a:ln>
-        </p:spPr>
-        <p:style>
-          <a:lnRef idx="1">
-            <a:schemeClr val="accent1"/>
-          </a:lnRef>
-          <a:fillRef idx="0">
-            <a:schemeClr val="accent1"/>
-          </a:fillRef>
-          <a:effectRef idx="0">
-            <a:schemeClr val="accent1"/>
-          </a:effectRef>
-          <a:fontRef idx="minor">
-            <a:schemeClr val="tx1"/>
-          </a:fontRef>
-        </p:style>
-      </p:cxnSp>
-      <p:cxnSp>
-        <p:nvCxnSpPr>
-          <p:cNvPr id="11" name="도형 10"/>
-          <p:cNvCxnSpPr/>
-          <p:nvPr/>
-        </p:nvCxnSpPr>
-        <p:spPr>
-          <a:xfrm rot="0">
-            <a:off x="5257165" y="3276600"/>
-            <a:ext cx="3227705" cy="1383030"/>
-          </a:xfrm>
-          <a:prstGeom prst="bentConnector3">
-            <a:avLst>
-              <a:gd name="adj1" fmla="val 49995"/>
-            </a:avLst>
-          </a:prstGeom>
-          <a:ln w="6350" cap="flat" cmpd="sng">
-            <a:prstDash/>
-            <a:headEnd type="none" w="med" len="med"/>
-            <a:tailEnd type="triangle" w="med" len="med"/>
-          </a:ln>
-        </p:spPr>
-        <p:style>
-          <a:lnRef idx="1">
-            <a:schemeClr val="accent1"/>
-          </a:lnRef>
-          <a:fillRef idx="0">
-            <a:schemeClr val="accent1"/>
-          </a:fillRef>
-          <a:effectRef idx="0">
-            <a:schemeClr val="accent1"/>
-          </a:effectRef>
-          <a:fontRef idx="minor">
-            <a:schemeClr val="tx1"/>
-          </a:fontRef>
-        </p:style>
-      </p:cxnSp>
-      <p:cxnSp>
-        <p:nvCxnSpPr>
-          <p:cNvPr id="12" name="도형 11"/>
-          <p:cNvCxnSpPr/>
-          <p:nvPr/>
-        </p:nvCxnSpPr>
-        <p:spPr>
-          <a:xfrm rot="10800000">
-            <a:off x="2579370" y="2492375"/>
-            <a:ext cx="1579880" cy="1000760"/>
-          </a:xfrm>
-          <a:prstGeom prst="bentConnector3">
-            <a:avLst>
-              <a:gd name="adj1" fmla="val 50051"/>
-            </a:avLst>
-          </a:prstGeom>
-          <a:ln w="6350" cap="flat" cmpd="sng">
-            <a:prstDash/>
-            <a:headEnd type="none" w="med" len="med"/>
-            <a:tailEnd type="triangle" w="med" len="med"/>
-          </a:ln>
-        </p:spPr>
-        <p:style>
-          <a:lnRef idx="1">
-            <a:schemeClr val="accent1"/>
-          </a:lnRef>
-          <a:fillRef idx="0">
-            <a:schemeClr val="accent1"/>
-          </a:fillRef>
-          <a:effectRef idx="0">
-            <a:schemeClr val="accent1"/>
-          </a:effectRef>
-          <a:fontRef idx="minor">
-            <a:schemeClr val="tx1"/>
-          </a:fontRef>
-        </p:style>
-      </p:cxnSp>
-      <p:cxnSp>
-        <p:nvCxnSpPr>
-          <p:cNvPr id="13" name="도형 12"/>
-          <p:cNvCxnSpPr/>
-          <p:nvPr/>
-        </p:nvCxnSpPr>
-        <p:spPr>
-          <a:xfrm rot="10800000" flipV="1">
-            <a:off x="2599690" y="3736975"/>
-            <a:ext cx="1559560" cy="1383665"/>
-          </a:xfrm>
-          <a:prstGeom prst="bentConnector3">
-            <a:avLst>
-              <a:gd name="adj1" fmla="val 50019"/>
-            </a:avLst>
-          </a:prstGeom>
-          <a:ln w="6350" cap="flat" cmpd="sng">
-            <a:prstDash/>
-            <a:headEnd type="none" w="med" len="med"/>
-            <a:tailEnd type="triangle" w="med" len="med"/>
-          </a:ln>
-        </p:spPr>
-        <p:style>
-          <a:lnRef idx="1">
-            <a:schemeClr val="accent1"/>
-          </a:lnRef>
-          <a:fillRef idx="0">
-            <a:schemeClr val="accent1"/>
-          </a:fillRef>
-          <a:effectRef idx="0">
-            <a:schemeClr val="accent1"/>
-          </a:effectRef>
-          <a:fontRef idx="minor">
-            <a:schemeClr val="tx1"/>
-          </a:fontRef>
-        </p:style>
-      </p:cxnSp>
-      <p:sp>
-        <p:nvSpPr>
-          <p:cNvPr id="14" name="Rect 0"/>
+              <a:cs typeface="+mj-cs"/>
+            </a:endParaRPr>
+          </a:p>
+        </p:txBody>
+      </p:sp>
+      <p:sp>
+        <p:nvSpPr>
+          <p:cNvPr id="3" name="내용 개체 틀 2"/>
           <p:cNvSpPr txBox="1">
             <a:spLocks/>
           </p:cNvSpPr>
           <p:nvPr>
+            <p:ph type="obj" idx="1"/>
+          </p:nvPr>
+        </p:nvSpPr>
+        <p:spPr>
+          <a:xfrm>
+            <a:off x="838200" y="1825625"/>
+            <a:ext cx="10517505" cy="4353560"/>
+          </a:xfrm>
+          <a:prstGeom prst="rect"/>
+        </p:spPr>
+        <p:txBody>
+          <a:bodyPr wrap="square" lIns="91440" tIns="45720" rIns="91440" bIns="45720" numCol="1" vert="horz" anchor="t">
+            <a:normAutofit fontScale="100000" lnSpcReduction="0"/>
+          </a:bodyPr>
+          <a:lstStyle/>
+          <a:p>
+            <a:pPr marL="228600" indent="-228600" algn="l" defTabSz="914400" eaLnBrk="1" latinLnBrk="1" hangingPunct="1">
+              <a:lnSpc>
+                <a:spcPct val="90000"/>
+              </a:lnSpc>
+              <a:spcBef>
+                <a:spcPts val="1000"/>
+              </a:spcBef>
+              <a:buFont typeface="Arial"/>
+              <a:buChar char="•"/>
+            </a:pPr>
+            <a:r>
+              <a:rPr lang="ko-KR" altLang="en-US" sz="2800">
+                <a:latin typeface="맑은 고딕" charset="0"/>
+                <a:ea typeface="맑은 고딕" charset="0"/>
+                <a:cs typeface="+mn-cs"/>
+              </a:rPr>
+              <a:t>모자라면 여기까지 써서 설명 </a:t>
+            </a:r>
+            <a:endParaRPr lang="ko-KR" altLang="en-US" sz="2800">
+              <a:latin typeface="맑은 고딕" charset="0"/>
+              <a:ea typeface="맑은 고딕" charset="0"/>
+              <a:cs typeface="+mn-cs"/>
+            </a:endParaRPr>
+          </a:p>
+        </p:txBody>
+      </p:sp>
+      <p:sp>
+        <p:nvSpPr>
+          <p:cNvPr id="4" name="바닥글 개체 틀 4"/>
+          <p:cNvSpPr txBox="1">
+            <a:spLocks/>
+          </p:cNvSpPr>
+          <p:nvPr>
             <p:ph type="ftr" idx="11"/>
           </p:nvPr>
         </p:nvSpPr>
         <p:spPr>
           <a:xfrm rot="0">
             <a:off x="4038600" y="6356350"/>
-            <a:ext cx="4116070" cy="366395"/>
+            <a:ext cx="4116705" cy="367030"/>
           </a:xfrm>
           <a:prstGeom prst="rect"/>
         </p:spPr>
         <p:txBody>
-          <a:bodyPr wrap="square" lIns="91440" tIns="45720" rIns="91440" bIns="45720" vert="horz" anchor="ctr">
+          <a:bodyPr wrap="square" lIns="91440" tIns="45720" rIns="91440" bIns="45720" numCol="1" vert="horz" anchor="ctr">
             <a:noAutofit/>
           </a:bodyPr>
           <a:lstStyle/>
           <a:p>
-            <a:pPr marL="0" indent="0" algn="ctr" defTabSz="914400" eaLnBrk="1" latinLnBrk="1" hangingPunct="1">
+            <a:pPr marL="0" indent="0" algn="ctr" defTabSz="508000" eaLnBrk="1" latinLnBrk="1" hangingPunct="1">
               <a:lnSpc>
                 <a:spcPct val="100000"/>
               </a:lnSpc>
@@ -11561,16 +12310,16 @@
               <a:buNone/>
             </a:pPr>
             <a:r>
-              <a:rPr sz="1200">
-                <a:latin typeface="맑은 고딕" charset="0"/>
-                <a:ea typeface="Arial" charset="0"/>
+              <a:rPr lang="ko-KR" altLang="en-US" sz="1200">
+                <a:latin typeface="맑은 고딕" charset="0"/>
+                <a:ea typeface="맑은 고딕" charset="0"/>
                 <a:cs typeface="+mn-cs"/>
               </a:rPr>
               <a:t>국내 여행 스마트 예매 시스템 - 가보자</a:t>
             </a:r>
             <a:endParaRPr lang="ko-KR" altLang="en-US" sz="1200">
               <a:latin typeface="맑은 고딕" charset="0"/>
-              <a:ea typeface="Arial" charset="0"/>
+              <a:ea typeface="맑은 고딕" charset="0"/>
               <a:cs typeface="+mn-cs"/>
             </a:endParaRPr>
           </a:p>
@@ -11589,6 +12338,13 @@
       <p:transition spd="slow"/>
     </mc:Fallback>
   </mc:AlternateContent>
+  <p:timing>
+    <p:tnLst>
+      <p:par>
+        <p:cTn id="1" dur="indefinite" restart="never" nodeType="tmRoot"/>
+      </p:par>
+    </p:tnLst>
+  </p:timing>
 </p:sld>
 </file>
 
